--- a/Presentation/Тестовое задание.pptx
+++ b/Presentation/Тестовое задание.pptx
@@ -7,7 +7,10 @@
   <p:sldIdLst>
     <p:sldId id="256" r:id="rId2"/>
     <p:sldId id="257" r:id="rId3"/>
-    <p:sldId id="258" r:id="rId4"/>
+    <p:sldId id="260" r:id="rId4"/>
+    <p:sldId id="259" r:id="rId5"/>
+    <p:sldId id="261" r:id="rId6"/>
+    <p:sldId id="258" r:id="rId7"/>
   </p:sldIdLst>
   <p:sldSz cx="12192000" cy="6858000"/>
   <p:notesSz cx="6858000" cy="9144000"/>
@@ -117,10 +120,2563 @@
 <file path=ppt/revisionInfo.xml><?xml version="1.0" encoding="utf-8"?>
 <p1510:revInfo xmlns:a="http://schemas.openxmlformats.org/drawingml/2006/main" xmlns:r="http://schemas.openxmlformats.org/officeDocument/2006/relationships" xmlns:p1510="http://schemas.microsoft.com/office/powerpoint/2015/10/main">
   <p1510:revLst>
+    <p1510:client id="{14EF21BB-93E2-4594-AA6C-B88561939903}" v="41" dt="2023-09-03T14:08:58.552"/>
+    <p1510:client id="{2261DBFD-1180-4137-9B79-76D846A1DF26}" v="116" dt="2023-08-31T17:51:11.392"/>
+    <p1510:client id="{4A66EAA4-EB81-4309-A025-DC543AA76EDB}" v="515" dt="2023-09-03T14:39:46.914"/>
+    <p1510:client id="{562B7C61-4DF9-416C-AB13-80792C2731C1}" v="227" dt="2023-08-31T18:08:49.600"/>
     <p1510:client id="{73FB4A89-063F-4F8D-BCB1-ECD4EDEED391}" v="58" dt="2023-08-29T18:34:55.171"/>
+    <p1510:client id="{86B1765B-B2A9-46F8-A3CB-582A847EDDB4}" v="36" dt="2023-09-03T16:07:59.660"/>
+    <p1510:client id="{8C55CC72-D5F4-4512-AF24-FEB58714A3AC}" v="373" dt="2023-09-03T15:41:41.680"/>
     <p1510:client id="{C9673323-E64F-44E4-ABE1-06B158228554}" v="53" dt="2023-08-29T19:19:07.300"/>
   </p1510:revLst>
 </p1510:revInfo>
+</file>
+
+<file path=ppt/diagrams/colors1.xml><?xml version="1.0" encoding="utf-8"?>
+<dgm:colorsDef xmlns:dgm="http://schemas.openxmlformats.org/drawingml/2006/diagram" xmlns:a="http://schemas.openxmlformats.org/drawingml/2006/main" uniqueId="urn:microsoft.com/office/officeart/2005/8/colors/accent1_2">
+  <dgm:title val=""/>
+  <dgm:desc val=""/>
+  <dgm:catLst>
+    <dgm:cat type="accent1" pri="11200"/>
+  </dgm:catLst>
+  <dgm:styleLbl name="node0">
+    <dgm:fillClrLst meth="repeat">
+      <a:schemeClr val="accent1"/>
+    </dgm:fillClrLst>
+    <dgm:linClrLst meth="repeat">
+      <a:schemeClr val="lt1"/>
+    </dgm:linClrLst>
+    <dgm:effectClrLst/>
+    <dgm:txLinClrLst/>
+    <dgm:txFillClrLst/>
+    <dgm:txEffectClrLst/>
+  </dgm:styleLbl>
+  <dgm:styleLbl name="alignNode1">
+    <dgm:fillClrLst meth="repeat">
+      <a:schemeClr val="accent1"/>
+    </dgm:fillClrLst>
+    <dgm:linClrLst meth="repeat">
+      <a:schemeClr val="accent1"/>
+    </dgm:linClrLst>
+    <dgm:effectClrLst/>
+    <dgm:txLinClrLst/>
+    <dgm:txFillClrLst/>
+    <dgm:txEffectClrLst/>
+  </dgm:styleLbl>
+  <dgm:styleLbl name="node1">
+    <dgm:fillClrLst meth="repeat">
+      <a:schemeClr val="accent1"/>
+    </dgm:fillClrLst>
+    <dgm:linClrLst meth="repeat">
+      <a:schemeClr val="lt1"/>
+    </dgm:linClrLst>
+    <dgm:effectClrLst/>
+    <dgm:txLinClrLst/>
+    <dgm:txFillClrLst/>
+    <dgm:txEffectClrLst/>
+  </dgm:styleLbl>
+  <dgm:styleLbl name="lnNode1">
+    <dgm:fillClrLst meth="repeat">
+      <a:schemeClr val="accent1"/>
+    </dgm:fillClrLst>
+    <dgm:linClrLst meth="repeat">
+      <a:schemeClr val="lt1"/>
+    </dgm:linClrLst>
+    <dgm:effectClrLst/>
+    <dgm:txLinClrLst/>
+    <dgm:txFillClrLst/>
+    <dgm:txEffectClrLst/>
+  </dgm:styleLbl>
+  <dgm:styleLbl name="vennNode1">
+    <dgm:fillClrLst meth="repeat">
+      <a:schemeClr val="accent1">
+        <a:alpha val="50000"/>
+      </a:schemeClr>
+    </dgm:fillClrLst>
+    <dgm:linClrLst meth="repeat">
+      <a:schemeClr val="lt1"/>
+    </dgm:linClrLst>
+    <dgm:effectClrLst/>
+    <dgm:txLinClrLst/>
+    <dgm:txFillClrLst/>
+    <dgm:txEffectClrLst/>
+  </dgm:styleLbl>
+  <dgm:styleLbl name="node2">
+    <dgm:fillClrLst meth="repeat">
+      <a:schemeClr val="accent1"/>
+    </dgm:fillClrLst>
+    <dgm:linClrLst meth="repeat">
+      <a:schemeClr val="lt1"/>
+    </dgm:linClrLst>
+    <dgm:effectClrLst/>
+    <dgm:txLinClrLst/>
+    <dgm:txFillClrLst/>
+    <dgm:txEffectClrLst/>
+  </dgm:styleLbl>
+  <dgm:styleLbl name="node3">
+    <dgm:fillClrLst meth="repeat">
+      <a:schemeClr val="accent1"/>
+    </dgm:fillClrLst>
+    <dgm:linClrLst meth="repeat">
+      <a:schemeClr val="lt1"/>
+    </dgm:linClrLst>
+    <dgm:effectClrLst/>
+    <dgm:txLinClrLst/>
+    <dgm:txFillClrLst/>
+    <dgm:txEffectClrLst/>
+  </dgm:styleLbl>
+  <dgm:styleLbl name="node4">
+    <dgm:fillClrLst meth="repeat">
+      <a:schemeClr val="accent1"/>
+    </dgm:fillClrLst>
+    <dgm:linClrLst meth="repeat">
+      <a:schemeClr val="lt1"/>
+    </dgm:linClrLst>
+    <dgm:effectClrLst/>
+    <dgm:txLinClrLst/>
+    <dgm:txFillClrLst/>
+    <dgm:txEffectClrLst/>
+  </dgm:styleLbl>
+  <dgm:styleLbl name="fgImgPlace1">
+    <dgm:fillClrLst meth="repeat">
+      <a:schemeClr val="accent1">
+        <a:tint val="50000"/>
+      </a:schemeClr>
+    </dgm:fillClrLst>
+    <dgm:linClrLst meth="repeat">
+      <a:schemeClr val="lt1"/>
+    </dgm:linClrLst>
+    <dgm:effectClrLst/>
+    <dgm:txLinClrLst/>
+    <dgm:txFillClrLst meth="repeat">
+      <a:schemeClr val="lt1"/>
+    </dgm:txFillClrLst>
+    <dgm:txEffectClrLst/>
+  </dgm:styleLbl>
+  <dgm:styleLbl name="alignImgPlace1">
+    <dgm:fillClrLst meth="repeat">
+      <a:schemeClr val="accent1">
+        <a:tint val="50000"/>
+      </a:schemeClr>
+    </dgm:fillClrLst>
+    <dgm:linClrLst meth="repeat">
+      <a:schemeClr val="lt1"/>
+    </dgm:linClrLst>
+    <dgm:effectClrLst/>
+    <dgm:txLinClrLst/>
+    <dgm:txFillClrLst meth="repeat">
+      <a:schemeClr val="lt1"/>
+    </dgm:txFillClrLst>
+    <dgm:txEffectClrLst/>
+  </dgm:styleLbl>
+  <dgm:styleLbl name="bgImgPlace1">
+    <dgm:fillClrLst meth="repeat">
+      <a:schemeClr val="accent1">
+        <a:tint val="50000"/>
+      </a:schemeClr>
+    </dgm:fillClrLst>
+    <dgm:linClrLst meth="repeat">
+      <a:schemeClr val="lt1"/>
+    </dgm:linClrLst>
+    <dgm:effectClrLst/>
+    <dgm:txLinClrLst/>
+    <dgm:txFillClrLst meth="repeat">
+      <a:schemeClr val="lt1"/>
+    </dgm:txFillClrLst>
+    <dgm:txEffectClrLst/>
+  </dgm:styleLbl>
+  <dgm:styleLbl name="sibTrans2D1">
+    <dgm:fillClrLst meth="repeat">
+      <a:schemeClr val="accent1">
+        <a:tint val="60000"/>
+      </a:schemeClr>
+    </dgm:fillClrLst>
+    <dgm:linClrLst meth="repeat">
+      <a:schemeClr val="accent1">
+        <a:tint val="60000"/>
+      </a:schemeClr>
+    </dgm:linClrLst>
+    <dgm:effectClrLst/>
+    <dgm:txLinClrLst/>
+    <dgm:txFillClrLst/>
+    <dgm:txEffectClrLst/>
+  </dgm:styleLbl>
+  <dgm:styleLbl name="fgSibTrans2D1">
+    <dgm:fillClrLst meth="repeat">
+      <a:schemeClr val="accent1">
+        <a:tint val="60000"/>
+      </a:schemeClr>
+    </dgm:fillClrLst>
+    <dgm:linClrLst meth="repeat">
+      <a:schemeClr val="accent1">
+        <a:tint val="60000"/>
+      </a:schemeClr>
+    </dgm:linClrLst>
+    <dgm:effectClrLst/>
+    <dgm:txLinClrLst/>
+    <dgm:txFillClrLst/>
+    <dgm:txEffectClrLst/>
+  </dgm:styleLbl>
+  <dgm:styleLbl name="bgSibTrans2D1">
+    <dgm:fillClrLst meth="repeat">
+      <a:schemeClr val="accent1">
+        <a:tint val="60000"/>
+      </a:schemeClr>
+    </dgm:fillClrLst>
+    <dgm:linClrLst meth="repeat">
+      <a:schemeClr val="accent1">
+        <a:tint val="60000"/>
+      </a:schemeClr>
+    </dgm:linClrLst>
+    <dgm:effectClrLst/>
+    <dgm:txLinClrLst/>
+    <dgm:txFillClrLst/>
+    <dgm:txEffectClrLst/>
+  </dgm:styleLbl>
+  <dgm:styleLbl name="sibTrans1D1">
+    <dgm:fillClrLst meth="repeat">
+      <a:schemeClr val="accent1"/>
+    </dgm:fillClrLst>
+    <dgm:linClrLst meth="repeat">
+      <a:schemeClr val="accent1"/>
+    </dgm:linClrLst>
+    <dgm:effectClrLst/>
+    <dgm:txLinClrLst/>
+    <dgm:txFillClrLst meth="repeat">
+      <a:schemeClr val="tx1"/>
+    </dgm:txFillClrLst>
+    <dgm:txEffectClrLst/>
+  </dgm:styleLbl>
+  <dgm:styleLbl name="callout">
+    <dgm:fillClrLst meth="repeat">
+      <a:schemeClr val="accent1"/>
+    </dgm:fillClrLst>
+    <dgm:linClrLst meth="repeat">
+      <a:schemeClr val="accent1">
+        <a:tint val="50000"/>
+      </a:schemeClr>
+    </dgm:linClrLst>
+    <dgm:effectClrLst/>
+    <dgm:txLinClrLst/>
+    <dgm:txFillClrLst meth="repeat">
+      <a:schemeClr val="tx1"/>
+    </dgm:txFillClrLst>
+    <dgm:txEffectClrLst/>
+  </dgm:styleLbl>
+  <dgm:styleLbl name="asst0">
+    <dgm:fillClrLst meth="repeat">
+      <a:schemeClr val="accent1"/>
+    </dgm:fillClrLst>
+    <dgm:linClrLst meth="repeat">
+      <a:schemeClr val="lt1"/>
+    </dgm:linClrLst>
+    <dgm:effectClrLst/>
+    <dgm:txLinClrLst/>
+    <dgm:txFillClrLst/>
+    <dgm:txEffectClrLst/>
+  </dgm:styleLbl>
+  <dgm:styleLbl name="asst1">
+    <dgm:fillClrLst meth="repeat">
+      <a:schemeClr val="accent1"/>
+    </dgm:fillClrLst>
+    <dgm:linClrLst meth="repeat">
+      <a:schemeClr val="lt1"/>
+    </dgm:linClrLst>
+    <dgm:effectClrLst/>
+    <dgm:txLinClrLst/>
+    <dgm:txFillClrLst/>
+    <dgm:txEffectClrLst/>
+  </dgm:styleLbl>
+  <dgm:styleLbl name="asst2">
+    <dgm:fillClrLst meth="repeat">
+      <a:schemeClr val="accent1"/>
+    </dgm:fillClrLst>
+    <dgm:linClrLst meth="repeat">
+      <a:schemeClr val="lt1"/>
+    </dgm:linClrLst>
+    <dgm:effectClrLst/>
+    <dgm:txLinClrLst/>
+    <dgm:txFillClrLst/>
+    <dgm:txEffectClrLst/>
+  </dgm:styleLbl>
+  <dgm:styleLbl name="asst3">
+    <dgm:fillClrLst meth="repeat">
+      <a:schemeClr val="accent1"/>
+    </dgm:fillClrLst>
+    <dgm:linClrLst meth="repeat">
+      <a:schemeClr val="lt1"/>
+    </dgm:linClrLst>
+    <dgm:effectClrLst/>
+    <dgm:txLinClrLst/>
+    <dgm:txFillClrLst/>
+    <dgm:txEffectClrLst/>
+  </dgm:styleLbl>
+  <dgm:styleLbl name="asst4">
+    <dgm:fillClrLst meth="repeat">
+      <a:schemeClr val="accent1"/>
+    </dgm:fillClrLst>
+    <dgm:linClrLst meth="repeat">
+      <a:schemeClr val="lt1"/>
+    </dgm:linClrLst>
+    <dgm:effectClrLst/>
+    <dgm:txLinClrLst/>
+    <dgm:txFillClrLst/>
+    <dgm:txEffectClrLst/>
+  </dgm:styleLbl>
+  <dgm:styleLbl name="parChTrans2D1">
+    <dgm:fillClrLst meth="repeat">
+      <a:schemeClr val="accent1">
+        <a:tint val="60000"/>
+      </a:schemeClr>
+    </dgm:fillClrLst>
+    <dgm:linClrLst meth="repeat">
+      <a:schemeClr val="accent1">
+        <a:tint val="60000"/>
+      </a:schemeClr>
+    </dgm:linClrLst>
+    <dgm:effectClrLst/>
+    <dgm:txLinClrLst/>
+    <dgm:txFillClrLst meth="repeat">
+      <a:schemeClr val="lt1"/>
+    </dgm:txFillClrLst>
+    <dgm:txEffectClrLst/>
+  </dgm:styleLbl>
+  <dgm:styleLbl name="parChTrans2D2">
+    <dgm:fillClrLst meth="repeat">
+      <a:schemeClr val="accent1"/>
+    </dgm:fillClrLst>
+    <dgm:linClrLst meth="repeat">
+      <a:schemeClr val="accent1"/>
+    </dgm:linClrLst>
+    <dgm:effectClrLst/>
+    <dgm:txLinClrLst/>
+    <dgm:txFillClrLst meth="repeat">
+      <a:schemeClr val="lt1"/>
+    </dgm:txFillClrLst>
+    <dgm:txEffectClrLst/>
+  </dgm:styleLbl>
+  <dgm:styleLbl name="parChTrans2D3">
+    <dgm:fillClrLst meth="repeat">
+      <a:schemeClr val="accent1"/>
+    </dgm:fillClrLst>
+    <dgm:linClrLst meth="repeat">
+      <a:schemeClr val="accent1"/>
+    </dgm:linClrLst>
+    <dgm:effectClrLst/>
+    <dgm:txLinClrLst/>
+    <dgm:txFillClrLst meth="repeat">
+      <a:schemeClr val="lt1"/>
+    </dgm:txFillClrLst>
+    <dgm:txEffectClrLst/>
+  </dgm:styleLbl>
+  <dgm:styleLbl name="parChTrans2D4">
+    <dgm:fillClrLst meth="repeat">
+      <a:schemeClr val="accent1"/>
+    </dgm:fillClrLst>
+    <dgm:linClrLst meth="repeat">
+      <a:schemeClr val="accent1"/>
+    </dgm:linClrLst>
+    <dgm:effectClrLst/>
+    <dgm:txLinClrLst/>
+    <dgm:txFillClrLst meth="repeat">
+      <a:schemeClr val="lt1"/>
+    </dgm:txFillClrLst>
+    <dgm:txEffectClrLst/>
+  </dgm:styleLbl>
+  <dgm:styleLbl name="parChTrans1D1">
+    <dgm:fillClrLst meth="repeat">
+      <a:schemeClr val="accent1"/>
+    </dgm:fillClrLst>
+    <dgm:linClrLst meth="repeat">
+      <a:schemeClr val="accent1">
+        <a:shade val="60000"/>
+      </a:schemeClr>
+    </dgm:linClrLst>
+    <dgm:effectClrLst/>
+    <dgm:txLinClrLst/>
+    <dgm:txFillClrLst meth="repeat">
+      <a:schemeClr val="tx1"/>
+    </dgm:txFillClrLst>
+    <dgm:txEffectClrLst/>
+  </dgm:styleLbl>
+  <dgm:styleLbl name="parChTrans1D2">
+    <dgm:fillClrLst meth="repeat">
+      <a:schemeClr val="accent1"/>
+    </dgm:fillClrLst>
+    <dgm:linClrLst meth="repeat">
+      <a:schemeClr val="accent1">
+        <a:shade val="60000"/>
+      </a:schemeClr>
+    </dgm:linClrLst>
+    <dgm:effectClrLst/>
+    <dgm:txLinClrLst/>
+    <dgm:txFillClrLst meth="repeat">
+      <a:schemeClr val="tx1"/>
+    </dgm:txFillClrLst>
+    <dgm:txEffectClrLst/>
+  </dgm:styleLbl>
+  <dgm:styleLbl name="parChTrans1D3">
+    <dgm:fillClrLst meth="repeat">
+      <a:schemeClr val="accent1"/>
+    </dgm:fillClrLst>
+    <dgm:linClrLst meth="repeat">
+      <a:schemeClr val="accent1">
+        <a:shade val="80000"/>
+      </a:schemeClr>
+    </dgm:linClrLst>
+    <dgm:effectClrLst/>
+    <dgm:txLinClrLst/>
+    <dgm:txFillClrLst meth="repeat">
+      <a:schemeClr val="tx1"/>
+    </dgm:txFillClrLst>
+    <dgm:txEffectClrLst/>
+  </dgm:styleLbl>
+  <dgm:styleLbl name="parChTrans1D4">
+    <dgm:fillClrLst meth="repeat">
+      <a:schemeClr val="accent1"/>
+    </dgm:fillClrLst>
+    <dgm:linClrLst meth="repeat">
+      <a:schemeClr val="accent1">
+        <a:shade val="80000"/>
+      </a:schemeClr>
+    </dgm:linClrLst>
+    <dgm:effectClrLst/>
+    <dgm:txLinClrLst/>
+    <dgm:txFillClrLst meth="repeat">
+      <a:schemeClr val="tx1"/>
+    </dgm:txFillClrLst>
+    <dgm:txEffectClrLst/>
+  </dgm:styleLbl>
+  <dgm:styleLbl name="fgAcc1">
+    <dgm:fillClrLst meth="repeat">
+      <a:schemeClr val="lt1">
+        <a:alpha val="90000"/>
+      </a:schemeClr>
+    </dgm:fillClrLst>
+    <dgm:linClrLst meth="repeat">
+      <a:schemeClr val="accent1"/>
+    </dgm:linClrLst>
+    <dgm:effectClrLst/>
+    <dgm:txLinClrLst/>
+    <dgm:txFillClrLst meth="repeat">
+      <a:schemeClr val="dk1"/>
+    </dgm:txFillClrLst>
+    <dgm:txEffectClrLst/>
+  </dgm:styleLbl>
+  <dgm:styleLbl name="conFgAcc1">
+    <dgm:fillClrLst meth="repeat">
+      <a:schemeClr val="lt1">
+        <a:alpha val="90000"/>
+      </a:schemeClr>
+    </dgm:fillClrLst>
+    <dgm:linClrLst meth="repeat">
+      <a:schemeClr val="accent1"/>
+    </dgm:linClrLst>
+    <dgm:effectClrLst/>
+    <dgm:txLinClrLst/>
+    <dgm:txFillClrLst meth="repeat">
+      <a:schemeClr val="dk1"/>
+    </dgm:txFillClrLst>
+    <dgm:txEffectClrLst/>
+  </dgm:styleLbl>
+  <dgm:styleLbl name="alignAcc1">
+    <dgm:fillClrLst meth="repeat">
+      <a:schemeClr val="lt1">
+        <a:alpha val="90000"/>
+      </a:schemeClr>
+    </dgm:fillClrLst>
+    <dgm:linClrLst meth="repeat">
+      <a:schemeClr val="accent1"/>
+    </dgm:linClrLst>
+    <dgm:effectClrLst/>
+    <dgm:txLinClrLst/>
+    <dgm:txFillClrLst meth="repeat">
+      <a:schemeClr val="dk1"/>
+    </dgm:txFillClrLst>
+    <dgm:txEffectClrLst/>
+  </dgm:styleLbl>
+  <dgm:styleLbl name="trAlignAcc1">
+    <dgm:fillClrLst meth="repeat">
+      <a:schemeClr val="lt1">
+        <a:alpha val="40000"/>
+      </a:schemeClr>
+    </dgm:fillClrLst>
+    <dgm:linClrLst meth="repeat">
+      <a:schemeClr val="accent1"/>
+    </dgm:linClrLst>
+    <dgm:effectClrLst/>
+    <dgm:txLinClrLst/>
+    <dgm:txFillClrLst meth="repeat">
+      <a:schemeClr val="dk1"/>
+    </dgm:txFillClrLst>
+    <dgm:txEffectClrLst/>
+  </dgm:styleLbl>
+  <dgm:styleLbl name="bgAcc1">
+    <dgm:fillClrLst meth="repeat">
+      <a:schemeClr val="lt1">
+        <a:alpha val="90000"/>
+      </a:schemeClr>
+    </dgm:fillClrLst>
+    <dgm:linClrLst meth="repeat">
+      <a:schemeClr val="accent1"/>
+    </dgm:linClrLst>
+    <dgm:effectClrLst/>
+    <dgm:txLinClrLst/>
+    <dgm:txFillClrLst meth="repeat">
+      <a:schemeClr val="dk1"/>
+    </dgm:txFillClrLst>
+    <dgm:txEffectClrLst/>
+  </dgm:styleLbl>
+  <dgm:styleLbl name="solidFgAcc1">
+    <dgm:fillClrLst meth="repeat">
+      <a:schemeClr val="lt1"/>
+    </dgm:fillClrLst>
+    <dgm:linClrLst meth="repeat">
+      <a:schemeClr val="accent1"/>
+    </dgm:linClrLst>
+    <dgm:effectClrLst/>
+    <dgm:txLinClrLst/>
+    <dgm:txFillClrLst meth="repeat">
+      <a:schemeClr val="dk1"/>
+    </dgm:txFillClrLst>
+    <dgm:txEffectClrLst/>
+  </dgm:styleLbl>
+  <dgm:styleLbl name="solidAlignAcc1">
+    <dgm:fillClrLst meth="repeat">
+      <a:schemeClr val="lt1"/>
+    </dgm:fillClrLst>
+    <dgm:linClrLst meth="repeat">
+      <a:schemeClr val="accent1"/>
+    </dgm:linClrLst>
+    <dgm:effectClrLst/>
+    <dgm:txLinClrLst/>
+    <dgm:txFillClrLst meth="repeat">
+      <a:schemeClr val="dk1"/>
+    </dgm:txFillClrLst>
+    <dgm:txEffectClrLst/>
+  </dgm:styleLbl>
+  <dgm:styleLbl name="solidBgAcc1">
+    <dgm:fillClrLst meth="repeat">
+      <a:schemeClr val="lt1"/>
+    </dgm:fillClrLst>
+    <dgm:linClrLst meth="repeat">
+      <a:schemeClr val="accent1"/>
+    </dgm:linClrLst>
+    <dgm:effectClrLst/>
+    <dgm:txLinClrLst/>
+    <dgm:txFillClrLst meth="repeat">
+      <a:schemeClr val="dk1"/>
+    </dgm:txFillClrLst>
+    <dgm:txEffectClrLst/>
+  </dgm:styleLbl>
+  <dgm:styleLbl name="fgAccFollowNode1">
+    <dgm:fillClrLst meth="repeat">
+      <a:schemeClr val="accent1">
+        <a:alpha val="90000"/>
+        <a:tint val="40000"/>
+      </a:schemeClr>
+    </dgm:fillClrLst>
+    <dgm:linClrLst meth="repeat">
+      <a:schemeClr val="accent1">
+        <a:alpha val="90000"/>
+        <a:tint val="40000"/>
+      </a:schemeClr>
+    </dgm:linClrLst>
+    <dgm:effectClrLst/>
+    <dgm:txLinClrLst/>
+    <dgm:txFillClrLst meth="repeat">
+      <a:schemeClr val="dk1"/>
+    </dgm:txFillClrLst>
+    <dgm:txEffectClrLst/>
+  </dgm:styleLbl>
+  <dgm:styleLbl name="alignAccFollowNode1">
+    <dgm:fillClrLst meth="repeat">
+      <a:schemeClr val="accent1">
+        <a:alpha val="90000"/>
+        <a:tint val="40000"/>
+      </a:schemeClr>
+    </dgm:fillClrLst>
+    <dgm:linClrLst meth="repeat">
+      <a:schemeClr val="accent1">
+        <a:alpha val="90000"/>
+        <a:tint val="40000"/>
+      </a:schemeClr>
+    </dgm:linClrLst>
+    <dgm:effectClrLst/>
+    <dgm:txLinClrLst/>
+    <dgm:txFillClrLst meth="repeat">
+      <a:schemeClr val="dk1"/>
+    </dgm:txFillClrLst>
+    <dgm:txEffectClrLst/>
+  </dgm:styleLbl>
+  <dgm:styleLbl name="bgAccFollowNode1">
+    <dgm:fillClrLst meth="repeat">
+      <a:schemeClr val="accent1">
+        <a:alpha val="90000"/>
+        <a:tint val="40000"/>
+      </a:schemeClr>
+    </dgm:fillClrLst>
+    <dgm:linClrLst meth="repeat">
+      <a:schemeClr val="accent1">
+        <a:alpha val="90000"/>
+        <a:tint val="40000"/>
+      </a:schemeClr>
+    </dgm:linClrLst>
+    <dgm:effectClrLst/>
+    <dgm:txLinClrLst/>
+    <dgm:txFillClrLst meth="repeat">
+      <a:schemeClr val="dk1"/>
+    </dgm:txFillClrLst>
+    <dgm:txEffectClrLst/>
+  </dgm:styleLbl>
+  <dgm:styleLbl name="fgAcc0">
+    <dgm:fillClrLst meth="repeat">
+      <a:schemeClr val="lt1">
+        <a:alpha val="90000"/>
+      </a:schemeClr>
+    </dgm:fillClrLst>
+    <dgm:linClrLst meth="repeat">
+      <a:schemeClr val="accent1"/>
+    </dgm:linClrLst>
+    <dgm:effectClrLst/>
+    <dgm:txLinClrLst/>
+    <dgm:txFillClrLst meth="repeat">
+      <a:schemeClr val="dk1"/>
+    </dgm:txFillClrLst>
+    <dgm:txEffectClrLst/>
+  </dgm:styleLbl>
+  <dgm:styleLbl name="fgAcc2">
+    <dgm:fillClrLst meth="repeat">
+      <a:schemeClr val="lt1">
+        <a:alpha val="90000"/>
+      </a:schemeClr>
+    </dgm:fillClrLst>
+    <dgm:linClrLst meth="repeat">
+      <a:schemeClr val="accent1"/>
+    </dgm:linClrLst>
+    <dgm:effectClrLst/>
+    <dgm:txLinClrLst/>
+    <dgm:txFillClrLst meth="repeat">
+      <a:schemeClr val="dk1"/>
+    </dgm:txFillClrLst>
+    <dgm:txEffectClrLst/>
+  </dgm:styleLbl>
+  <dgm:styleLbl name="fgAcc3">
+    <dgm:fillClrLst meth="repeat">
+      <a:schemeClr val="lt1">
+        <a:alpha val="90000"/>
+      </a:schemeClr>
+    </dgm:fillClrLst>
+    <dgm:linClrLst meth="repeat">
+      <a:schemeClr val="accent1"/>
+    </dgm:linClrLst>
+    <dgm:effectClrLst/>
+    <dgm:txLinClrLst/>
+    <dgm:txFillClrLst meth="repeat">
+      <a:schemeClr val="dk1"/>
+    </dgm:txFillClrLst>
+    <dgm:txEffectClrLst/>
+  </dgm:styleLbl>
+  <dgm:styleLbl name="fgAcc4">
+    <dgm:fillClrLst meth="repeat">
+      <a:schemeClr val="lt1">
+        <a:alpha val="90000"/>
+      </a:schemeClr>
+    </dgm:fillClrLst>
+    <dgm:linClrLst meth="repeat">
+      <a:schemeClr val="accent1"/>
+    </dgm:linClrLst>
+    <dgm:effectClrLst/>
+    <dgm:txLinClrLst/>
+    <dgm:txFillClrLst meth="repeat">
+      <a:schemeClr val="dk1"/>
+    </dgm:txFillClrLst>
+    <dgm:txEffectClrLst/>
+  </dgm:styleLbl>
+  <dgm:styleLbl name="bgShp">
+    <dgm:fillClrLst meth="repeat">
+      <a:schemeClr val="accent1">
+        <a:tint val="40000"/>
+      </a:schemeClr>
+    </dgm:fillClrLst>
+    <dgm:linClrLst meth="repeat">
+      <a:schemeClr val="accent1"/>
+    </dgm:linClrLst>
+    <dgm:effectClrLst/>
+    <dgm:txLinClrLst/>
+    <dgm:txFillClrLst meth="repeat">
+      <a:schemeClr val="dk1"/>
+    </dgm:txFillClrLst>
+    <dgm:txEffectClrLst/>
+  </dgm:styleLbl>
+  <dgm:styleLbl name="dkBgShp">
+    <dgm:fillClrLst meth="repeat">
+      <a:schemeClr val="accent1">
+        <a:shade val="80000"/>
+      </a:schemeClr>
+    </dgm:fillClrLst>
+    <dgm:linClrLst meth="repeat">
+      <a:schemeClr val="accent1"/>
+    </dgm:linClrLst>
+    <dgm:effectClrLst/>
+    <dgm:txLinClrLst/>
+    <dgm:txFillClrLst meth="repeat">
+      <a:schemeClr val="lt1"/>
+    </dgm:txFillClrLst>
+    <dgm:txEffectClrLst/>
+  </dgm:styleLbl>
+  <dgm:styleLbl name="trBgShp">
+    <dgm:fillClrLst meth="repeat">
+      <a:schemeClr val="accent1">
+        <a:tint val="50000"/>
+        <a:alpha val="40000"/>
+      </a:schemeClr>
+    </dgm:fillClrLst>
+    <dgm:linClrLst meth="repeat">
+      <a:schemeClr val="accent1"/>
+    </dgm:linClrLst>
+    <dgm:effectClrLst/>
+    <dgm:txLinClrLst/>
+    <dgm:txFillClrLst meth="repeat">
+      <a:schemeClr val="lt1"/>
+    </dgm:txFillClrLst>
+    <dgm:txEffectClrLst/>
+  </dgm:styleLbl>
+  <dgm:styleLbl name="fgShp">
+    <dgm:fillClrLst meth="repeat">
+      <a:schemeClr val="accent1">
+        <a:tint val="60000"/>
+      </a:schemeClr>
+    </dgm:fillClrLst>
+    <dgm:linClrLst meth="repeat">
+      <a:schemeClr val="lt1"/>
+    </dgm:linClrLst>
+    <dgm:effectClrLst/>
+    <dgm:txLinClrLst/>
+    <dgm:txFillClrLst meth="repeat">
+      <a:schemeClr val="dk1"/>
+    </dgm:txFillClrLst>
+    <dgm:txEffectClrLst/>
+  </dgm:styleLbl>
+  <dgm:styleLbl name="revTx">
+    <dgm:fillClrLst meth="repeat">
+      <a:schemeClr val="lt1">
+        <a:alpha val="0"/>
+      </a:schemeClr>
+    </dgm:fillClrLst>
+    <dgm:linClrLst meth="repeat">
+      <a:schemeClr val="dk1">
+        <a:alpha val="0"/>
+      </a:schemeClr>
+    </dgm:linClrLst>
+    <dgm:effectClrLst/>
+    <dgm:txLinClrLst/>
+    <dgm:txFillClrLst meth="repeat">
+      <a:schemeClr val="tx1"/>
+    </dgm:txFillClrLst>
+    <dgm:txEffectClrLst/>
+  </dgm:styleLbl>
+</dgm:colorsDef>
+</file>
+
+<file path=ppt/diagrams/data1.xml><?xml version="1.0" encoding="utf-8"?>
+<dgm:dataModel xmlns:dgm="http://schemas.openxmlformats.org/drawingml/2006/diagram" xmlns:a="http://schemas.openxmlformats.org/drawingml/2006/main">
+  <dgm:ptLst>
+    <dgm:pt modelId="{44171D51-47E5-4B90-9046-1D83786CA4D5}" type="doc">
+      <dgm:prSet loTypeId="urn:microsoft.com/office/officeart/2005/8/layout/vList5" loCatId="list" qsTypeId="urn:microsoft.com/office/officeart/2005/8/quickstyle/simple1" qsCatId="simple" csTypeId="urn:microsoft.com/office/officeart/2005/8/colors/accent1_2" csCatId="accent1"/>
+      <dgm:spPr/>
+      <dgm:t>
+        <a:bodyPr/>
+        <a:lstStyle/>
+        <a:p>
+          <a:endParaRPr lang="en-US"/>
+        </a:p>
+      </dgm:t>
+    </dgm:pt>
+    <dgm:pt modelId="{CDD5EE4A-FF44-4CF4-B709-4CC48C6C1DEB}">
+      <dgm:prSet/>
+      <dgm:spPr/>
+      <dgm:t>
+        <a:bodyPr/>
+        <a:lstStyle/>
+        <a:p>
+          <a:pPr rtl="0"/>
+          <a:r>
+            <a:rPr lang="ru-RU" b="1" dirty="0"/>
+            <a:t>q_</a:t>
+          </a:r>
+          <a:r>
+            <a:rPr lang="ru-RU" b="1" dirty="0">
+              <a:latin typeface="Sitka Subheading"/>
+            </a:rPr>
+            <a:t>0 i</a:t>
+          </a:r>
+          <a:r>
+            <a:rPr lang="ru-RU" dirty="0"/>
+            <a:t> - плотность потока молекул, испускаемых элементарной площадкой </a:t>
+          </a:r>
+          <a:r>
+            <a:rPr lang="ru-RU" i="1" dirty="0" err="1"/>
+            <a:t>dF_i</a:t>
+          </a:r>
+          <a:endParaRPr lang="en-US" i="1" dirty="0"/>
+        </a:p>
+      </dgm:t>
+    </dgm:pt>
+    <dgm:pt modelId="{14DAFC39-DC2D-495A-8C28-650CFD484E8D}" type="parTrans" cxnId="{49493594-2D0B-47FA-8814-55624F6AE726}">
+      <dgm:prSet/>
+      <dgm:spPr/>
+      <dgm:t>
+        <a:bodyPr/>
+        <a:lstStyle/>
+        <a:p>
+          <a:endParaRPr lang="en-US"/>
+        </a:p>
+      </dgm:t>
+    </dgm:pt>
+    <dgm:pt modelId="{B7950363-0096-4829-8ED2-A161AEE3B187}" type="sibTrans" cxnId="{49493594-2D0B-47FA-8814-55624F6AE726}">
+      <dgm:prSet/>
+      <dgm:spPr/>
+      <dgm:t>
+        <a:bodyPr/>
+        <a:lstStyle/>
+        <a:p>
+          <a:endParaRPr lang="en-US"/>
+        </a:p>
+      </dgm:t>
+    </dgm:pt>
+    <dgm:pt modelId="{B152B0DC-91ED-4367-B63B-887E5401DF82}">
+      <dgm:prSet/>
+      <dgm:spPr/>
+      <dgm:t>
+        <a:bodyPr/>
+        <a:lstStyle/>
+        <a:p>
+          <a:pPr rtl="0"/>
+          <a:r>
+            <a:rPr lang="ru-RU" b="1" dirty="0"/>
+            <a:t>γ</a:t>
+          </a:r>
+          <a:r>
+            <a:rPr lang="ru-RU" b="1" dirty="0">
+              <a:latin typeface="Sitka Subheading"/>
+            </a:rPr>
+            <a:t> </a:t>
+          </a:r>
+          <a:r>
+            <a:rPr lang="ru-RU" dirty="0"/>
+            <a:t>- коэффициент поглощения молекул газа площадкой </a:t>
+          </a:r>
+          <a:r>
+            <a:rPr lang="ru-RU" i="1" dirty="0" err="1"/>
+            <a:t>dF_i</a:t>
+          </a:r>
+          <a:endParaRPr lang="en-US" i="1" dirty="0" err="1"/>
+        </a:p>
+      </dgm:t>
+    </dgm:pt>
+    <dgm:pt modelId="{4DDD937A-4A53-48C5-80E9-CB0B066DB46E}" type="parTrans" cxnId="{F988B0A5-1334-4C02-8C0A-AC8E15E0E94D}">
+      <dgm:prSet/>
+      <dgm:spPr/>
+      <dgm:t>
+        <a:bodyPr/>
+        <a:lstStyle/>
+        <a:p>
+          <a:endParaRPr lang="en-US"/>
+        </a:p>
+      </dgm:t>
+    </dgm:pt>
+    <dgm:pt modelId="{664A5E16-CCC4-42E6-BBA0-CF0063A0039C}" type="sibTrans" cxnId="{F988B0A5-1334-4C02-8C0A-AC8E15E0E94D}">
+      <dgm:prSet/>
+      <dgm:spPr/>
+      <dgm:t>
+        <a:bodyPr/>
+        <a:lstStyle/>
+        <a:p>
+          <a:endParaRPr lang="en-US"/>
+        </a:p>
+      </dgm:t>
+    </dgm:pt>
+    <dgm:pt modelId="{918E0775-441C-49D9-906A-8A91D35997CD}">
+      <dgm:prSet/>
+      <dgm:spPr/>
+      <dgm:t>
+        <a:bodyPr/>
+        <a:lstStyle/>
+        <a:p>
+          <a:r>
+            <a:rPr lang="ru-RU" b="1" dirty="0" err="1"/>
+            <a:t>q'_i</a:t>
+          </a:r>
+          <a:r>
+            <a:rPr lang="ru-RU" dirty="0"/>
+            <a:t> - плотность потока молекул, падающих на площадку </a:t>
+          </a:r>
+          <a:r>
+            <a:rPr lang="ru-RU" i="1" dirty="0" err="1"/>
+            <a:t>dF_i</a:t>
+          </a:r>
+          <a:endParaRPr lang="en-US" i="1" dirty="0" err="1"/>
+        </a:p>
+      </dgm:t>
+    </dgm:pt>
+    <dgm:pt modelId="{E1A04210-A023-4FAF-9795-73D47A077590}" type="parTrans" cxnId="{4E945B22-6510-48E1-8C1F-8D76C87BE347}">
+      <dgm:prSet/>
+      <dgm:spPr/>
+      <dgm:t>
+        <a:bodyPr/>
+        <a:lstStyle/>
+        <a:p>
+          <a:endParaRPr lang="en-US"/>
+        </a:p>
+      </dgm:t>
+    </dgm:pt>
+    <dgm:pt modelId="{5CBF62EE-329C-4C43-8C40-F4B099A31BB3}" type="sibTrans" cxnId="{4E945B22-6510-48E1-8C1F-8D76C87BE347}">
+      <dgm:prSet/>
+      <dgm:spPr/>
+      <dgm:t>
+        <a:bodyPr/>
+        <a:lstStyle/>
+        <a:p>
+          <a:endParaRPr lang="en-US"/>
+        </a:p>
+      </dgm:t>
+    </dgm:pt>
+    <dgm:pt modelId="{04DA3B3A-890B-4A31-926A-71820E8C6EAD}" type="pres">
+      <dgm:prSet presAssocID="{44171D51-47E5-4B90-9046-1D83786CA4D5}" presName="Name0" presStyleCnt="0">
+        <dgm:presLayoutVars>
+          <dgm:dir/>
+          <dgm:animLvl val="lvl"/>
+          <dgm:resizeHandles val="exact"/>
+        </dgm:presLayoutVars>
+      </dgm:prSet>
+      <dgm:spPr/>
+    </dgm:pt>
+    <dgm:pt modelId="{DD285B0A-80DE-4B3B-9F3B-F37B45B527B1}" type="pres">
+      <dgm:prSet presAssocID="{CDD5EE4A-FF44-4CF4-B709-4CC48C6C1DEB}" presName="linNode" presStyleCnt="0"/>
+      <dgm:spPr/>
+    </dgm:pt>
+    <dgm:pt modelId="{00F53C7D-29F5-40BC-900F-9FB817ECD03B}" type="pres">
+      <dgm:prSet presAssocID="{CDD5EE4A-FF44-4CF4-B709-4CC48C6C1DEB}" presName="parentText" presStyleLbl="node1" presStyleIdx="0" presStyleCnt="3">
+        <dgm:presLayoutVars>
+          <dgm:chMax val="1"/>
+          <dgm:bulletEnabled val="1"/>
+        </dgm:presLayoutVars>
+      </dgm:prSet>
+      <dgm:spPr/>
+    </dgm:pt>
+    <dgm:pt modelId="{E3785D88-CC6A-4CD7-822D-B959F6AAAD43}" type="pres">
+      <dgm:prSet presAssocID="{B7950363-0096-4829-8ED2-A161AEE3B187}" presName="sp" presStyleCnt="0"/>
+      <dgm:spPr/>
+    </dgm:pt>
+    <dgm:pt modelId="{C4B04A05-2397-43F2-B386-0661E62DBF01}" type="pres">
+      <dgm:prSet presAssocID="{B152B0DC-91ED-4367-B63B-887E5401DF82}" presName="linNode" presStyleCnt="0"/>
+      <dgm:spPr/>
+    </dgm:pt>
+    <dgm:pt modelId="{5F4D66A6-D47A-492E-B448-31002C0483F8}" type="pres">
+      <dgm:prSet presAssocID="{B152B0DC-91ED-4367-B63B-887E5401DF82}" presName="parentText" presStyleLbl="node1" presStyleIdx="1" presStyleCnt="3">
+        <dgm:presLayoutVars>
+          <dgm:chMax val="1"/>
+          <dgm:bulletEnabled val="1"/>
+        </dgm:presLayoutVars>
+      </dgm:prSet>
+      <dgm:spPr/>
+    </dgm:pt>
+    <dgm:pt modelId="{AF3BCB70-3C86-4B2A-BB23-3CA9D4F28922}" type="pres">
+      <dgm:prSet presAssocID="{664A5E16-CCC4-42E6-BBA0-CF0063A0039C}" presName="sp" presStyleCnt="0"/>
+      <dgm:spPr/>
+    </dgm:pt>
+    <dgm:pt modelId="{70952D31-4F5E-4F40-8291-CEC9E82E6F43}" type="pres">
+      <dgm:prSet presAssocID="{918E0775-441C-49D9-906A-8A91D35997CD}" presName="linNode" presStyleCnt="0"/>
+      <dgm:spPr/>
+    </dgm:pt>
+    <dgm:pt modelId="{37AEEF76-0495-410B-93C5-AE89EEBF5C11}" type="pres">
+      <dgm:prSet presAssocID="{918E0775-441C-49D9-906A-8A91D35997CD}" presName="parentText" presStyleLbl="node1" presStyleIdx="2" presStyleCnt="3">
+        <dgm:presLayoutVars>
+          <dgm:chMax val="1"/>
+          <dgm:bulletEnabled val="1"/>
+        </dgm:presLayoutVars>
+      </dgm:prSet>
+      <dgm:spPr/>
+    </dgm:pt>
+  </dgm:ptLst>
+  <dgm:cxnLst>
+    <dgm:cxn modelId="{16C00F0F-E553-44A5-A942-C2BAF6A2FCD7}" type="presOf" srcId="{B152B0DC-91ED-4367-B63B-887E5401DF82}" destId="{5F4D66A6-D47A-492E-B448-31002C0483F8}" srcOrd="0" destOrd="0" presId="urn:microsoft.com/office/officeart/2005/8/layout/vList5"/>
+    <dgm:cxn modelId="{4E945B22-6510-48E1-8C1F-8D76C87BE347}" srcId="{44171D51-47E5-4B90-9046-1D83786CA4D5}" destId="{918E0775-441C-49D9-906A-8A91D35997CD}" srcOrd="2" destOrd="0" parTransId="{E1A04210-A023-4FAF-9795-73D47A077590}" sibTransId="{5CBF62EE-329C-4C43-8C40-F4B099A31BB3}"/>
+    <dgm:cxn modelId="{CD8EBC55-9B8F-4B1C-94C7-E6C28CF43835}" type="presOf" srcId="{CDD5EE4A-FF44-4CF4-B709-4CC48C6C1DEB}" destId="{00F53C7D-29F5-40BC-900F-9FB817ECD03B}" srcOrd="0" destOrd="0" presId="urn:microsoft.com/office/officeart/2005/8/layout/vList5"/>
+    <dgm:cxn modelId="{49493594-2D0B-47FA-8814-55624F6AE726}" srcId="{44171D51-47E5-4B90-9046-1D83786CA4D5}" destId="{CDD5EE4A-FF44-4CF4-B709-4CC48C6C1DEB}" srcOrd="0" destOrd="0" parTransId="{14DAFC39-DC2D-495A-8C28-650CFD484E8D}" sibTransId="{B7950363-0096-4829-8ED2-A161AEE3B187}"/>
+    <dgm:cxn modelId="{56476098-3CA0-4BAC-9808-736FB149E821}" type="presOf" srcId="{44171D51-47E5-4B90-9046-1D83786CA4D5}" destId="{04DA3B3A-890B-4A31-926A-71820E8C6EAD}" srcOrd="0" destOrd="0" presId="urn:microsoft.com/office/officeart/2005/8/layout/vList5"/>
+    <dgm:cxn modelId="{F988B0A5-1334-4C02-8C0A-AC8E15E0E94D}" srcId="{44171D51-47E5-4B90-9046-1D83786CA4D5}" destId="{B152B0DC-91ED-4367-B63B-887E5401DF82}" srcOrd="1" destOrd="0" parTransId="{4DDD937A-4A53-48C5-80E9-CB0B066DB46E}" sibTransId="{664A5E16-CCC4-42E6-BBA0-CF0063A0039C}"/>
+    <dgm:cxn modelId="{E8BC30E3-0A32-40C1-AEAF-C92EC24E636E}" type="presOf" srcId="{918E0775-441C-49D9-906A-8A91D35997CD}" destId="{37AEEF76-0495-410B-93C5-AE89EEBF5C11}" srcOrd="0" destOrd="0" presId="urn:microsoft.com/office/officeart/2005/8/layout/vList5"/>
+    <dgm:cxn modelId="{01800462-5F8C-4940-AA98-749FF01D6D23}" type="presParOf" srcId="{04DA3B3A-890B-4A31-926A-71820E8C6EAD}" destId="{DD285B0A-80DE-4B3B-9F3B-F37B45B527B1}" srcOrd="0" destOrd="0" presId="urn:microsoft.com/office/officeart/2005/8/layout/vList5"/>
+    <dgm:cxn modelId="{5B8FEF69-BA18-461F-84CD-C20B0F65A098}" type="presParOf" srcId="{DD285B0A-80DE-4B3B-9F3B-F37B45B527B1}" destId="{00F53C7D-29F5-40BC-900F-9FB817ECD03B}" srcOrd="0" destOrd="0" presId="urn:microsoft.com/office/officeart/2005/8/layout/vList5"/>
+    <dgm:cxn modelId="{65AA46D2-87C9-4887-92D9-CB5BA355F082}" type="presParOf" srcId="{04DA3B3A-890B-4A31-926A-71820E8C6EAD}" destId="{E3785D88-CC6A-4CD7-822D-B959F6AAAD43}" srcOrd="1" destOrd="0" presId="urn:microsoft.com/office/officeart/2005/8/layout/vList5"/>
+    <dgm:cxn modelId="{8FAE3504-5A31-4DB6-BB40-60C08A7D1647}" type="presParOf" srcId="{04DA3B3A-890B-4A31-926A-71820E8C6EAD}" destId="{C4B04A05-2397-43F2-B386-0661E62DBF01}" srcOrd="2" destOrd="0" presId="urn:microsoft.com/office/officeart/2005/8/layout/vList5"/>
+    <dgm:cxn modelId="{A761394A-36E5-4505-9AD8-721288BFF762}" type="presParOf" srcId="{C4B04A05-2397-43F2-B386-0661E62DBF01}" destId="{5F4D66A6-D47A-492E-B448-31002C0483F8}" srcOrd="0" destOrd="0" presId="urn:microsoft.com/office/officeart/2005/8/layout/vList5"/>
+    <dgm:cxn modelId="{842B7943-FEEB-434F-AC7E-00B6F0E04ED3}" type="presParOf" srcId="{04DA3B3A-890B-4A31-926A-71820E8C6EAD}" destId="{AF3BCB70-3C86-4B2A-BB23-3CA9D4F28922}" srcOrd="3" destOrd="0" presId="urn:microsoft.com/office/officeart/2005/8/layout/vList5"/>
+    <dgm:cxn modelId="{EC987738-881A-4649-98E7-A37056221921}" type="presParOf" srcId="{04DA3B3A-890B-4A31-926A-71820E8C6EAD}" destId="{70952D31-4F5E-4F40-8291-CEC9E82E6F43}" srcOrd="4" destOrd="0" presId="urn:microsoft.com/office/officeart/2005/8/layout/vList5"/>
+    <dgm:cxn modelId="{6B33C20F-DC58-4CD4-BF52-BE9BD55C47E5}" type="presParOf" srcId="{70952D31-4F5E-4F40-8291-CEC9E82E6F43}" destId="{37AEEF76-0495-410B-93C5-AE89EEBF5C11}" srcOrd="0" destOrd="0" presId="urn:microsoft.com/office/officeart/2005/8/layout/vList5"/>
+  </dgm:cxnLst>
+  <dgm:bg/>
+  <dgm:whole/>
+  <dgm:extLst>
+    <a:ext uri="http://schemas.microsoft.com/office/drawing/2008/diagram">
+      <dsp:dataModelExt xmlns:dsp="http://schemas.microsoft.com/office/drawing/2008/diagram" relId="rId6" minVer="http://schemas.openxmlformats.org/drawingml/2006/diagram"/>
+    </a:ext>
+  </dgm:extLst>
+</dgm:dataModel>
+</file>
+
+<file path=ppt/diagrams/drawing1.xml><?xml version="1.0" encoding="utf-8"?>
+<dsp:drawing xmlns:dgm="http://schemas.openxmlformats.org/drawingml/2006/diagram" xmlns:dsp="http://schemas.microsoft.com/office/drawing/2008/diagram" xmlns:a="http://schemas.openxmlformats.org/drawingml/2006/main">
+  <dsp:spTree>
+    <dsp:nvGrpSpPr>
+      <dsp:cNvPr id="0" name=""/>
+      <dsp:cNvGrpSpPr/>
+    </dsp:nvGrpSpPr>
+    <dsp:grpSpPr/>
+    <dsp:sp modelId="{00F53C7D-29F5-40BC-900F-9FB817ECD03B}">
+      <dsp:nvSpPr>
+        <dsp:cNvPr id="0" name=""/>
+        <dsp:cNvSpPr/>
+      </dsp:nvSpPr>
+      <dsp:spPr>
+        <a:xfrm>
+          <a:off x="3413759" y="1864"/>
+          <a:ext cx="3840480" cy="1230436"/>
+        </a:xfrm>
+        <a:prstGeom prst="roundRect">
+          <a:avLst/>
+        </a:prstGeom>
+        <a:solidFill>
+          <a:schemeClr val="accent1">
+            <a:hueOff val="0"/>
+            <a:satOff val="0"/>
+            <a:lumOff val="0"/>
+            <a:alphaOff val="0"/>
+          </a:schemeClr>
+        </a:solidFill>
+        <a:ln w="12700" cap="flat" cmpd="sng" algn="ctr">
+          <a:solidFill>
+            <a:schemeClr val="lt1">
+              <a:hueOff val="0"/>
+              <a:satOff val="0"/>
+              <a:lumOff val="0"/>
+              <a:alphaOff val="0"/>
+            </a:schemeClr>
+          </a:solidFill>
+          <a:prstDash val="solid"/>
+          <a:miter lim="800000"/>
+        </a:ln>
+        <a:effectLst/>
+      </dsp:spPr>
+      <dsp:style>
+        <a:lnRef idx="2">
+          <a:scrgbClr r="0" g="0" b="0"/>
+        </a:lnRef>
+        <a:fillRef idx="1">
+          <a:scrgbClr r="0" g="0" b="0"/>
+        </a:fillRef>
+        <a:effectRef idx="0">
+          <a:scrgbClr r="0" g="0" b="0"/>
+        </a:effectRef>
+        <a:fontRef idx="minor">
+          <a:schemeClr val="lt1"/>
+        </a:fontRef>
+      </dsp:style>
+      <dsp:txBody>
+        <a:bodyPr spcFirstLastPara="0" vert="horz" wrap="square" lIns="76200" tIns="38100" rIns="76200" bIns="38100" numCol="1" spcCol="1270" anchor="ctr" anchorCtr="0">
+          <a:noAutofit/>
+        </a:bodyPr>
+        <a:lstStyle/>
+        <a:p>
+          <a:pPr marL="0" lvl="0" indent="0" algn="ctr" defTabSz="889000" rtl="0">
+            <a:lnSpc>
+              <a:spcPct val="90000"/>
+            </a:lnSpc>
+            <a:spcBef>
+              <a:spcPct val="0"/>
+            </a:spcBef>
+            <a:spcAft>
+              <a:spcPct val="35000"/>
+            </a:spcAft>
+            <a:buNone/>
+          </a:pPr>
+          <a:r>
+            <a:rPr lang="ru-RU" sz="2000" b="1" kern="1200" dirty="0"/>
+            <a:t>q_</a:t>
+          </a:r>
+          <a:r>
+            <a:rPr lang="ru-RU" sz="2000" b="1" kern="1200" dirty="0">
+              <a:latin typeface="Sitka Subheading"/>
+            </a:rPr>
+            <a:t>0 i</a:t>
+          </a:r>
+          <a:r>
+            <a:rPr lang="ru-RU" sz="2000" kern="1200" dirty="0"/>
+            <a:t> - плотность потока молекул, испускаемых элементарной площадкой </a:t>
+          </a:r>
+          <a:r>
+            <a:rPr lang="ru-RU" sz="2000" i="1" kern="1200" dirty="0" err="1"/>
+            <a:t>dF_i</a:t>
+          </a:r>
+          <a:endParaRPr lang="en-US" sz="2000" i="1" kern="1200" dirty="0"/>
+        </a:p>
+      </dsp:txBody>
+      <dsp:txXfrm>
+        <a:off x="3473824" y="61929"/>
+        <a:ext cx="3720350" cy="1110306"/>
+      </dsp:txXfrm>
+    </dsp:sp>
+    <dsp:sp modelId="{5F4D66A6-D47A-492E-B448-31002C0483F8}">
+      <dsp:nvSpPr>
+        <dsp:cNvPr id="0" name=""/>
+        <dsp:cNvSpPr/>
+      </dsp:nvSpPr>
+      <dsp:spPr>
+        <a:xfrm>
+          <a:off x="3413759" y="1293823"/>
+          <a:ext cx="3840480" cy="1230436"/>
+        </a:xfrm>
+        <a:prstGeom prst="roundRect">
+          <a:avLst/>
+        </a:prstGeom>
+        <a:solidFill>
+          <a:schemeClr val="accent1">
+            <a:hueOff val="0"/>
+            <a:satOff val="0"/>
+            <a:lumOff val="0"/>
+            <a:alphaOff val="0"/>
+          </a:schemeClr>
+        </a:solidFill>
+        <a:ln w="12700" cap="flat" cmpd="sng" algn="ctr">
+          <a:solidFill>
+            <a:schemeClr val="lt1">
+              <a:hueOff val="0"/>
+              <a:satOff val="0"/>
+              <a:lumOff val="0"/>
+              <a:alphaOff val="0"/>
+            </a:schemeClr>
+          </a:solidFill>
+          <a:prstDash val="solid"/>
+          <a:miter lim="800000"/>
+        </a:ln>
+        <a:effectLst/>
+      </dsp:spPr>
+      <dsp:style>
+        <a:lnRef idx="2">
+          <a:scrgbClr r="0" g="0" b="0"/>
+        </a:lnRef>
+        <a:fillRef idx="1">
+          <a:scrgbClr r="0" g="0" b="0"/>
+        </a:fillRef>
+        <a:effectRef idx="0">
+          <a:scrgbClr r="0" g="0" b="0"/>
+        </a:effectRef>
+        <a:fontRef idx="minor">
+          <a:schemeClr val="lt1"/>
+        </a:fontRef>
+      </dsp:style>
+      <dsp:txBody>
+        <a:bodyPr spcFirstLastPara="0" vert="horz" wrap="square" lIns="76200" tIns="38100" rIns="76200" bIns="38100" numCol="1" spcCol="1270" anchor="ctr" anchorCtr="0">
+          <a:noAutofit/>
+        </a:bodyPr>
+        <a:lstStyle/>
+        <a:p>
+          <a:pPr marL="0" lvl="0" indent="0" algn="ctr" defTabSz="889000" rtl="0">
+            <a:lnSpc>
+              <a:spcPct val="90000"/>
+            </a:lnSpc>
+            <a:spcBef>
+              <a:spcPct val="0"/>
+            </a:spcBef>
+            <a:spcAft>
+              <a:spcPct val="35000"/>
+            </a:spcAft>
+            <a:buNone/>
+          </a:pPr>
+          <a:r>
+            <a:rPr lang="ru-RU" sz="2000" b="1" kern="1200" dirty="0"/>
+            <a:t>γ</a:t>
+          </a:r>
+          <a:r>
+            <a:rPr lang="ru-RU" sz="2000" b="1" kern="1200" dirty="0">
+              <a:latin typeface="Sitka Subheading"/>
+            </a:rPr>
+            <a:t> </a:t>
+          </a:r>
+          <a:r>
+            <a:rPr lang="ru-RU" sz="2000" kern="1200" dirty="0"/>
+            <a:t>- коэффициент поглощения молекул газа площадкой </a:t>
+          </a:r>
+          <a:r>
+            <a:rPr lang="ru-RU" sz="2000" i="1" kern="1200" dirty="0" err="1"/>
+            <a:t>dF_i</a:t>
+          </a:r>
+          <a:endParaRPr lang="en-US" sz="2000" i="1" kern="1200" dirty="0" err="1"/>
+        </a:p>
+      </dsp:txBody>
+      <dsp:txXfrm>
+        <a:off x="3473824" y="1353888"/>
+        <a:ext cx="3720350" cy="1110306"/>
+      </dsp:txXfrm>
+    </dsp:sp>
+    <dsp:sp modelId="{37AEEF76-0495-410B-93C5-AE89EEBF5C11}">
+      <dsp:nvSpPr>
+        <dsp:cNvPr id="0" name=""/>
+        <dsp:cNvSpPr/>
+      </dsp:nvSpPr>
+      <dsp:spPr>
+        <a:xfrm>
+          <a:off x="3413759" y="2585781"/>
+          <a:ext cx="3840480" cy="1230436"/>
+        </a:xfrm>
+        <a:prstGeom prst="roundRect">
+          <a:avLst/>
+        </a:prstGeom>
+        <a:solidFill>
+          <a:schemeClr val="accent1">
+            <a:hueOff val="0"/>
+            <a:satOff val="0"/>
+            <a:lumOff val="0"/>
+            <a:alphaOff val="0"/>
+          </a:schemeClr>
+        </a:solidFill>
+        <a:ln w="12700" cap="flat" cmpd="sng" algn="ctr">
+          <a:solidFill>
+            <a:schemeClr val="lt1">
+              <a:hueOff val="0"/>
+              <a:satOff val="0"/>
+              <a:lumOff val="0"/>
+              <a:alphaOff val="0"/>
+            </a:schemeClr>
+          </a:solidFill>
+          <a:prstDash val="solid"/>
+          <a:miter lim="800000"/>
+        </a:ln>
+        <a:effectLst/>
+      </dsp:spPr>
+      <dsp:style>
+        <a:lnRef idx="2">
+          <a:scrgbClr r="0" g="0" b="0"/>
+        </a:lnRef>
+        <a:fillRef idx="1">
+          <a:scrgbClr r="0" g="0" b="0"/>
+        </a:fillRef>
+        <a:effectRef idx="0">
+          <a:scrgbClr r="0" g="0" b="0"/>
+        </a:effectRef>
+        <a:fontRef idx="minor">
+          <a:schemeClr val="lt1"/>
+        </a:fontRef>
+      </dsp:style>
+      <dsp:txBody>
+        <a:bodyPr spcFirstLastPara="0" vert="horz" wrap="square" lIns="76200" tIns="38100" rIns="76200" bIns="38100" numCol="1" spcCol="1270" anchor="ctr" anchorCtr="0">
+          <a:noAutofit/>
+        </a:bodyPr>
+        <a:lstStyle/>
+        <a:p>
+          <a:pPr marL="0" lvl="0" indent="0" algn="ctr" defTabSz="889000">
+            <a:lnSpc>
+              <a:spcPct val="90000"/>
+            </a:lnSpc>
+            <a:spcBef>
+              <a:spcPct val="0"/>
+            </a:spcBef>
+            <a:spcAft>
+              <a:spcPct val="35000"/>
+            </a:spcAft>
+            <a:buNone/>
+          </a:pPr>
+          <a:r>
+            <a:rPr lang="ru-RU" sz="2000" b="1" kern="1200" dirty="0" err="1"/>
+            <a:t>q'_i</a:t>
+          </a:r>
+          <a:r>
+            <a:rPr lang="ru-RU" sz="2000" kern="1200" dirty="0"/>
+            <a:t> - плотность потока молекул, падающих на площадку </a:t>
+          </a:r>
+          <a:r>
+            <a:rPr lang="ru-RU" sz="2000" i="1" kern="1200" dirty="0" err="1"/>
+            <a:t>dF_i</a:t>
+          </a:r>
+          <a:endParaRPr lang="en-US" sz="2000" i="1" kern="1200" dirty="0" err="1"/>
+        </a:p>
+      </dsp:txBody>
+      <dsp:txXfrm>
+        <a:off x="3473824" y="2645846"/>
+        <a:ext cx="3720350" cy="1110306"/>
+      </dsp:txXfrm>
+    </dsp:sp>
+  </dsp:spTree>
+</dsp:drawing>
+</file>
+
+<file path=ppt/diagrams/layout1.xml><?xml version="1.0" encoding="utf-8"?>
+<dgm:layoutDef xmlns:dgm="http://schemas.openxmlformats.org/drawingml/2006/diagram" xmlns:a="http://schemas.openxmlformats.org/drawingml/2006/main" uniqueId="urn:microsoft.com/office/officeart/2005/8/layout/vList5">
+  <dgm:title val=""/>
+  <dgm:desc val=""/>
+  <dgm:catLst>
+    <dgm:cat type="list" pri="15000"/>
+    <dgm:cat type="convert" pri="2000"/>
+  </dgm:catLst>
+  <dgm:sampData>
+    <dgm:dataModel>
+      <dgm:ptLst>
+        <dgm:pt modelId="0" type="doc"/>
+        <dgm:pt modelId="1">
+          <dgm:prSet phldr="1"/>
+        </dgm:pt>
+        <dgm:pt modelId="11">
+          <dgm:prSet phldr="1"/>
+        </dgm:pt>
+        <dgm:pt modelId="12">
+          <dgm:prSet phldr="1"/>
+        </dgm:pt>
+        <dgm:pt modelId="2">
+          <dgm:prSet phldr="1"/>
+        </dgm:pt>
+        <dgm:pt modelId="21">
+          <dgm:prSet phldr="1"/>
+        </dgm:pt>
+        <dgm:pt modelId="22">
+          <dgm:prSet phldr="1"/>
+        </dgm:pt>
+        <dgm:pt modelId="3">
+          <dgm:prSet phldr="1"/>
+        </dgm:pt>
+        <dgm:pt modelId="31">
+          <dgm:prSet phldr="1"/>
+        </dgm:pt>
+        <dgm:pt modelId="32">
+          <dgm:prSet phldr="1"/>
+        </dgm:pt>
+      </dgm:ptLst>
+      <dgm:cxnLst>
+        <dgm:cxn modelId="4" srcId="0" destId="1" srcOrd="0" destOrd="0"/>
+        <dgm:cxn modelId="5" srcId="0" destId="2" srcOrd="1" destOrd="0"/>
+        <dgm:cxn modelId="6" srcId="0" destId="3" srcOrd="2" destOrd="0"/>
+        <dgm:cxn modelId="13" srcId="1" destId="11" srcOrd="0" destOrd="0"/>
+        <dgm:cxn modelId="14" srcId="1" destId="12" srcOrd="1" destOrd="0"/>
+        <dgm:cxn modelId="23" srcId="2" destId="21" srcOrd="0" destOrd="0"/>
+        <dgm:cxn modelId="24" srcId="2" destId="22" srcOrd="1" destOrd="0"/>
+        <dgm:cxn modelId="33" srcId="3" destId="31" srcOrd="0" destOrd="0"/>
+        <dgm:cxn modelId="34" srcId="3" destId="32" srcOrd="1" destOrd="0"/>
+      </dgm:cxnLst>
+      <dgm:bg/>
+      <dgm:whole/>
+    </dgm:dataModel>
+  </dgm:sampData>
+  <dgm:styleData>
+    <dgm:dataModel>
+      <dgm:ptLst>
+        <dgm:pt modelId="0" type="doc"/>
+        <dgm:pt modelId="1"/>
+        <dgm:pt modelId="11"/>
+        <dgm:pt modelId="2"/>
+        <dgm:pt modelId="21"/>
+      </dgm:ptLst>
+      <dgm:cxnLst>
+        <dgm:cxn modelId="4" srcId="0" destId="1" srcOrd="0" destOrd="0"/>
+        <dgm:cxn modelId="5" srcId="0" destId="2" srcOrd="1" destOrd="0"/>
+        <dgm:cxn modelId="13" srcId="1" destId="11" srcOrd="0" destOrd="0"/>
+        <dgm:cxn modelId="23" srcId="2" destId="21" srcOrd="0" destOrd="0"/>
+      </dgm:cxnLst>
+      <dgm:bg/>
+      <dgm:whole/>
+    </dgm:dataModel>
+  </dgm:styleData>
+  <dgm:clrData>
+    <dgm:dataModel>
+      <dgm:ptLst>
+        <dgm:pt modelId="0" type="doc"/>
+        <dgm:pt modelId="1"/>
+        <dgm:pt modelId="11"/>
+        <dgm:pt modelId="2"/>
+        <dgm:pt modelId="21"/>
+        <dgm:pt modelId="3"/>
+        <dgm:pt modelId="31"/>
+        <dgm:pt modelId="4"/>
+        <dgm:pt modelId="41"/>
+      </dgm:ptLst>
+      <dgm:cxnLst>
+        <dgm:cxn modelId="5" srcId="0" destId="1" srcOrd="0" destOrd="0"/>
+        <dgm:cxn modelId="6" srcId="0" destId="2" srcOrd="1" destOrd="0"/>
+        <dgm:cxn modelId="7" srcId="0" destId="3" srcOrd="2" destOrd="0"/>
+        <dgm:cxn modelId="8" srcId="0" destId="4" srcOrd="3" destOrd="0"/>
+        <dgm:cxn modelId="13" srcId="1" destId="11" srcOrd="0" destOrd="0"/>
+        <dgm:cxn modelId="23" srcId="2" destId="21" srcOrd="0" destOrd="0"/>
+        <dgm:cxn modelId="33" srcId="3" destId="31" srcOrd="0" destOrd="0"/>
+        <dgm:cxn modelId="43" srcId="4" destId="41" srcOrd="0" destOrd="0"/>
+      </dgm:cxnLst>
+      <dgm:bg/>
+      <dgm:whole/>
+    </dgm:dataModel>
+  </dgm:clrData>
+  <dgm:layoutNode name="Name0">
+    <dgm:varLst>
+      <dgm:dir/>
+      <dgm:animLvl val="lvl"/>
+      <dgm:resizeHandles val="exact"/>
+    </dgm:varLst>
+    <dgm:choose name="Name1">
+      <dgm:if name="Name2" func="var" arg="dir" op="equ" val="norm">
+        <dgm:alg type="lin">
+          <dgm:param type="linDir" val="fromT"/>
+          <dgm:param type="nodeHorzAlign" val="l"/>
+        </dgm:alg>
+      </dgm:if>
+      <dgm:else name="Name3">
+        <dgm:alg type="lin">
+          <dgm:param type="linDir" val="fromT"/>
+          <dgm:param type="nodeHorzAlign" val="r"/>
+        </dgm:alg>
+      </dgm:else>
+    </dgm:choose>
+    <dgm:shape xmlns:r="http://schemas.openxmlformats.org/officeDocument/2006/relationships" r:blip="">
+      <dgm:adjLst/>
+    </dgm:shape>
+    <dgm:presOf/>
+    <dgm:constrLst>
+      <dgm:constr type="h" for="ch" forName="linNode" refType="h"/>
+      <dgm:constr type="w" for="ch" forName="linNode" refType="w"/>
+      <dgm:constr type="h" for="ch" forName="sp" refType="h" fact="0.05"/>
+      <dgm:constr type="primFontSz" for="des" forName="parentText" op="equ" val="65"/>
+      <dgm:constr type="secFontSz" for="des" forName="descendantText" op="equ"/>
+    </dgm:constrLst>
+    <dgm:ruleLst/>
+    <dgm:forEach name="Name4" axis="ch" ptType="node">
+      <dgm:layoutNode name="linNode">
+        <dgm:choose name="Name5">
+          <dgm:if name="Name6" func="var" arg="dir" op="equ" val="norm">
+            <dgm:alg type="lin">
+              <dgm:param type="linDir" val="fromL"/>
+            </dgm:alg>
+          </dgm:if>
+          <dgm:else name="Name7">
+            <dgm:alg type="lin">
+              <dgm:param type="linDir" val="fromR"/>
+            </dgm:alg>
+          </dgm:else>
+        </dgm:choose>
+        <dgm:shape xmlns:r="http://schemas.openxmlformats.org/officeDocument/2006/relationships" r:blip="">
+          <dgm:adjLst/>
+        </dgm:shape>
+        <dgm:presOf/>
+        <dgm:constrLst>
+          <dgm:constr type="w" for="ch" forName="parentText" refType="w" fact="0.36"/>
+          <dgm:constr type="w" for="ch" forName="descendantText" refType="w" fact="0.64"/>
+          <dgm:constr type="h" for="ch" forName="parentText" refType="h"/>
+          <dgm:constr type="h" for="ch" forName="descendantText" refType="h" refFor="ch" refForName="parentText" fact="0.8"/>
+        </dgm:constrLst>
+        <dgm:ruleLst/>
+        <dgm:layoutNode name="parentText">
+          <dgm:varLst>
+            <dgm:chMax val="1"/>
+            <dgm:bulletEnabled val="1"/>
+          </dgm:varLst>
+          <dgm:alg type="tx"/>
+          <dgm:shape xmlns:r="http://schemas.openxmlformats.org/officeDocument/2006/relationships" type="roundRect" r:blip="" zOrderOff="3">
+            <dgm:adjLst/>
+          </dgm:shape>
+          <dgm:presOf axis="self" ptType="node"/>
+          <dgm:constrLst>
+            <dgm:constr type="tMarg" refType="primFontSz" fact="0.15"/>
+            <dgm:constr type="bMarg" refType="primFontSz" fact="0.15"/>
+            <dgm:constr type="lMarg" refType="primFontSz" fact="0.3"/>
+            <dgm:constr type="rMarg" refType="primFontSz" fact="0.3"/>
+          </dgm:constrLst>
+          <dgm:ruleLst>
+            <dgm:rule type="primFontSz" val="5" fact="NaN" max="NaN"/>
+          </dgm:ruleLst>
+        </dgm:layoutNode>
+        <dgm:choose name="Name8">
+          <dgm:if name="Name9" axis="ch" ptType="node" func="cnt" op="gte" val="1">
+            <dgm:layoutNode name="descendantText" styleLbl="alignAccFollowNode1">
+              <dgm:varLst>
+                <dgm:bulletEnabled val="1"/>
+              </dgm:varLst>
+              <dgm:alg type="tx">
+                <dgm:param type="stBulletLvl" val="1"/>
+                <dgm:param type="txAnchorVertCh" val="mid"/>
+              </dgm:alg>
+              <dgm:choose name="Name10">
+                <dgm:if name="Name11" func="var" arg="dir" op="equ" val="norm">
+                  <dgm:shape xmlns:r="http://schemas.openxmlformats.org/officeDocument/2006/relationships" rot="90" type="round2SameRect" r:blip="">
+                    <dgm:adjLst/>
+                  </dgm:shape>
+                </dgm:if>
+                <dgm:else name="Name12">
+                  <dgm:shape xmlns:r="http://schemas.openxmlformats.org/officeDocument/2006/relationships" rot="-90" type="round2SameRect" r:blip="">
+                    <dgm:adjLst/>
+                  </dgm:shape>
+                </dgm:else>
+              </dgm:choose>
+              <dgm:presOf axis="des" ptType="node"/>
+              <dgm:constrLst>
+                <dgm:constr type="secFontSz" val="65"/>
+                <dgm:constr type="primFontSz" refType="secFontSz"/>
+                <dgm:constr type="lMarg" refType="secFontSz" fact="0.3"/>
+                <dgm:constr type="rMarg" refType="secFontSz" fact="0.3"/>
+                <dgm:constr type="tMarg" refType="secFontSz" fact="0.15"/>
+                <dgm:constr type="bMarg" refType="secFontSz" fact="0.15"/>
+              </dgm:constrLst>
+              <dgm:ruleLst>
+                <dgm:rule type="secFontSz" val="5" fact="NaN" max="NaN"/>
+              </dgm:ruleLst>
+            </dgm:layoutNode>
+          </dgm:if>
+          <dgm:else name="Name13"/>
+        </dgm:choose>
+      </dgm:layoutNode>
+      <dgm:forEach name="Name14" axis="followSib" ptType="sibTrans" cnt="1">
+        <dgm:layoutNode name="sp">
+          <dgm:alg type="sp"/>
+          <dgm:shape xmlns:r="http://schemas.openxmlformats.org/officeDocument/2006/relationships" r:blip="">
+            <dgm:adjLst/>
+          </dgm:shape>
+          <dgm:presOf/>
+          <dgm:constrLst/>
+          <dgm:ruleLst/>
+        </dgm:layoutNode>
+      </dgm:forEach>
+    </dgm:forEach>
+  </dgm:layoutNode>
+</dgm:layoutDef>
+</file>
+
+<file path=ppt/diagrams/quickStyle1.xml><?xml version="1.0" encoding="utf-8"?>
+<dgm:styleDef xmlns:dgm="http://schemas.openxmlformats.org/drawingml/2006/diagram" xmlns:a="http://schemas.openxmlformats.org/drawingml/2006/main" uniqueId="urn:microsoft.com/office/officeart/2005/8/quickstyle/simple1">
+  <dgm:title val=""/>
+  <dgm:desc val=""/>
+  <dgm:catLst>
+    <dgm:cat type="simple" pri="10100"/>
+  </dgm:catLst>
+  <dgm:scene3d>
+    <a:camera prst="orthographicFront"/>
+    <a:lightRig rig="threePt" dir="t"/>
+  </dgm:scene3d>
+  <dgm:styleLbl name="node0">
+    <dgm:scene3d>
+      <a:camera prst="orthographicFront"/>
+      <a:lightRig rig="threePt" dir="t"/>
+    </dgm:scene3d>
+    <dgm:sp3d/>
+    <dgm:txPr/>
+    <dgm:style>
+      <a:lnRef idx="2">
+        <a:scrgbClr r="0" g="0" b="0"/>
+      </a:lnRef>
+      <a:fillRef idx="1">
+        <a:scrgbClr r="0" g="0" b="0"/>
+      </a:fillRef>
+      <a:effectRef idx="0">
+        <a:scrgbClr r="0" g="0" b="0"/>
+      </a:effectRef>
+      <a:fontRef idx="minor">
+        <a:schemeClr val="lt1"/>
+      </a:fontRef>
+    </dgm:style>
+  </dgm:styleLbl>
+  <dgm:styleLbl name="lnNode1">
+    <dgm:scene3d>
+      <a:camera prst="orthographicFront"/>
+      <a:lightRig rig="threePt" dir="t"/>
+    </dgm:scene3d>
+    <dgm:sp3d/>
+    <dgm:txPr/>
+    <dgm:style>
+      <a:lnRef idx="2">
+        <a:scrgbClr r="0" g="0" b="0"/>
+      </a:lnRef>
+      <a:fillRef idx="1">
+        <a:scrgbClr r="0" g="0" b="0"/>
+      </a:fillRef>
+      <a:effectRef idx="0">
+        <a:scrgbClr r="0" g="0" b="0"/>
+      </a:effectRef>
+      <a:fontRef idx="minor">
+        <a:schemeClr val="lt1"/>
+      </a:fontRef>
+    </dgm:style>
+  </dgm:styleLbl>
+  <dgm:styleLbl name="vennNode1">
+    <dgm:scene3d>
+      <a:camera prst="orthographicFront"/>
+      <a:lightRig rig="threePt" dir="t"/>
+    </dgm:scene3d>
+    <dgm:sp3d/>
+    <dgm:txPr/>
+    <dgm:style>
+      <a:lnRef idx="2">
+        <a:scrgbClr r="0" g="0" b="0"/>
+      </a:lnRef>
+      <a:fillRef idx="1">
+        <a:scrgbClr r="0" g="0" b="0"/>
+      </a:fillRef>
+      <a:effectRef idx="0">
+        <a:scrgbClr r="0" g="0" b="0"/>
+      </a:effectRef>
+      <a:fontRef idx="minor">
+        <a:schemeClr val="tx1"/>
+      </a:fontRef>
+    </dgm:style>
+  </dgm:styleLbl>
+  <dgm:styleLbl name="alignNode1">
+    <dgm:scene3d>
+      <a:camera prst="orthographicFront"/>
+      <a:lightRig rig="threePt" dir="t"/>
+    </dgm:scene3d>
+    <dgm:sp3d/>
+    <dgm:txPr/>
+    <dgm:style>
+      <a:lnRef idx="2">
+        <a:scrgbClr r="0" g="0" b="0"/>
+      </a:lnRef>
+      <a:fillRef idx="1">
+        <a:scrgbClr r="0" g="0" b="0"/>
+      </a:fillRef>
+      <a:effectRef idx="0">
+        <a:scrgbClr r="0" g="0" b="0"/>
+      </a:effectRef>
+      <a:fontRef idx="minor">
+        <a:schemeClr val="lt1"/>
+      </a:fontRef>
+    </dgm:style>
+  </dgm:styleLbl>
+  <dgm:styleLbl name="node1">
+    <dgm:scene3d>
+      <a:camera prst="orthographicFront"/>
+      <a:lightRig rig="threePt" dir="t"/>
+    </dgm:scene3d>
+    <dgm:sp3d/>
+    <dgm:txPr/>
+    <dgm:style>
+      <a:lnRef idx="2">
+        <a:scrgbClr r="0" g="0" b="0"/>
+      </a:lnRef>
+      <a:fillRef idx="1">
+        <a:scrgbClr r="0" g="0" b="0"/>
+      </a:fillRef>
+      <a:effectRef idx="0">
+        <a:scrgbClr r="0" g="0" b="0"/>
+      </a:effectRef>
+      <a:fontRef idx="minor">
+        <a:schemeClr val="lt1"/>
+      </a:fontRef>
+    </dgm:style>
+  </dgm:styleLbl>
+  <dgm:styleLbl name="node2">
+    <dgm:scene3d>
+      <a:camera prst="orthographicFront"/>
+      <a:lightRig rig="threePt" dir="t"/>
+    </dgm:scene3d>
+    <dgm:sp3d/>
+    <dgm:txPr/>
+    <dgm:style>
+      <a:lnRef idx="2">
+        <a:scrgbClr r="0" g="0" b="0"/>
+      </a:lnRef>
+      <a:fillRef idx="1">
+        <a:scrgbClr r="0" g="0" b="0"/>
+      </a:fillRef>
+      <a:effectRef idx="0">
+        <a:scrgbClr r="0" g="0" b="0"/>
+      </a:effectRef>
+      <a:fontRef idx="minor">
+        <a:schemeClr val="lt1"/>
+      </a:fontRef>
+    </dgm:style>
+  </dgm:styleLbl>
+  <dgm:styleLbl name="node3">
+    <dgm:scene3d>
+      <a:camera prst="orthographicFront"/>
+      <a:lightRig rig="threePt" dir="t"/>
+    </dgm:scene3d>
+    <dgm:sp3d/>
+    <dgm:txPr/>
+    <dgm:style>
+      <a:lnRef idx="2">
+        <a:scrgbClr r="0" g="0" b="0"/>
+      </a:lnRef>
+      <a:fillRef idx="1">
+        <a:scrgbClr r="0" g="0" b="0"/>
+      </a:fillRef>
+      <a:effectRef idx="0">
+        <a:scrgbClr r="0" g="0" b="0"/>
+      </a:effectRef>
+      <a:fontRef idx="minor">
+        <a:schemeClr val="lt1"/>
+      </a:fontRef>
+    </dgm:style>
+  </dgm:styleLbl>
+  <dgm:styleLbl name="node4">
+    <dgm:scene3d>
+      <a:camera prst="orthographicFront"/>
+      <a:lightRig rig="threePt" dir="t"/>
+    </dgm:scene3d>
+    <dgm:sp3d/>
+    <dgm:txPr/>
+    <dgm:style>
+      <a:lnRef idx="2">
+        <a:scrgbClr r="0" g="0" b="0"/>
+      </a:lnRef>
+      <a:fillRef idx="1">
+        <a:scrgbClr r="0" g="0" b="0"/>
+      </a:fillRef>
+      <a:effectRef idx="0">
+        <a:scrgbClr r="0" g="0" b="0"/>
+      </a:effectRef>
+      <a:fontRef idx="minor">
+        <a:schemeClr val="lt1"/>
+      </a:fontRef>
+    </dgm:style>
+  </dgm:styleLbl>
+  <dgm:styleLbl name="fgImgPlace1">
+    <dgm:scene3d>
+      <a:camera prst="orthographicFront"/>
+      <a:lightRig rig="threePt" dir="t"/>
+    </dgm:scene3d>
+    <dgm:sp3d/>
+    <dgm:txPr/>
+    <dgm:style>
+      <a:lnRef idx="2">
+        <a:scrgbClr r="0" g="0" b="0"/>
+      </a:lnRef>
+      <a:fillRef idx="1">
+        <a:scrgbClr r="0" g="0" b="0"/>
+      </a:fillRef>
+      <a:effectRef idx="0">
+        <a:scrgbClr r="0" g="0" b="0"/>
+      </a:effectRef>
+      <a:fontRef idx="minor"/>
+    </dgm:style>
+  </dgm:styleLbl>
+  <dgm:styleLbl name="alignImgPlace1">
+    <dgm:scene3d>
+      <a:camera prst="orthographicFront"/>
+      <a:lightRig rig="threePt" dir="t"/>
+    </dgm:scene3d>
+    <dgm:sp3d/>
+    <dgm:txPr/>
+    <dgm:style>
+      <a:lnRef idx="2">
+        <a:scrgbClr r="0" g="0" b="0"/>
+      </a:lnRef>
+      <a:fillRef idx="1">
+        <a:scrgbClr r="0" g="0" b="0"/>
+      </a:fillRef>
+      <a:effectRef idx="0">
+        <a:scrgbClr r="0" g="0" b="0"/>
+      </a:effectRef>
+      <a:fontRef idx="minor"/>
+    </dgm:style>
+  </dgm:styleLbl>
+  <dgm:styleLbl name="bgImgPlace1">
+    <dgm:scene3d>
+      <a:camera prst="orthographicFront"/>
+      <a:lightRig rig="threePt" dir="t"/>
+    </dgm:scene3d>
+    <dgm:sp3d/>
+    <dgm:txPr/>
+    <dgm:style>
+      <a:lnRef idx="2">
+        <a:scrgbClr r="0" g="0" b="0"/>
+      </a:lnRef>
+      <a:fillRef idx="1">
+        <a:scrgbClr r="0" g="0" b="0"/>
+      </a:fillRef>
+      <a:effectRef idx="0">
+        <a:scrgbClr r="0" g="0" b="0"/>
+      </a:effectRef>
+      <a:fontRef idx="minor"/>
+    </dgm:style>
+  </dgm:styleLbl>
+  <dgm:styleLbl name="sibTrans2D1">
+    <dgm:scene3d>
+      <a:camera prst="orthographicFront"/>
+      <a:lightRig rig="threePt" dir="t"/>
+    </dgm:scene3d>
+    <dgm:sp3d/>
+    <dgm:txPr/>
+    <dgm:style>
+      <a:lnRef idx="0">
+        <a:scrgbClr r="0" g="0" b="0"/>
+      </a:lnRef>
+      <a:fillRef idx="1">
+        <a:scrgbClr r="0" g="0" b="0"/>
+      </a:fillRef>
+      <a:effectRef idx="0">
+        <a:scrgbClr r="0" g="0" b="0"/>
+      </a:effectRef>
+      <a:fontRef idx="minor">
+        <a:schemeClr val="lt1"/>
+      </a:fontRef>
+    </dgm:style>
+  </dgm:styleLbl>
+  <dgm:styleLbl name="fgSibTrans2D1">
+    <dgm:scene3d>
+      <a:camera prst="orthographicFront"/>
+      <a:lightRig rig="threePt" dir="t"/>
+    </dgm:scene3d>
+    <dgm:sp3d/>
+    <dgm:txPr/>
+    <dgm:style>
+      <a:lnRef idx="0">
+        <a:scrgbClr r="0" g="0" b="0"/>
+      </a:lnRef>
+      <a:fillRef idx="1">
+        <a:scrgbClr r="0" g="0" b="0"/>
+      </a:fillRef>
+      <a:effectRef idx="0">
+        <a:scrgbClr r="0" g="0" b="0"/>
+      </a:effectRef>
+      <a:fontRef idx="minor">
+        <a:schemeClr val="lt1"/>
+      </a:fontRef>
+    </dgm:style>
+  </dgm:styleLbl>
+  <dgm:styleLbl name="bgSibTrans2D1">
+    <dgm:scene3d>
+      <a:camera prst="orthographicFront"/>
+      <a:lightRig rig="threePt" dir="t"/>
+    </dgm:scene3d>
+    <dgm:sp3d/>
+    <dgm:txPr/>
+    <dgm:style>
+      <a:lnRef idx="0">
+        <a:scrgbClr r="0" g="0" b="0"/>
+      </a:lnRef>
+      <a:fillRef idx="1">
+        <a:scrgbClr r="0" g="0" b="0"/>
+      </a:fillRef>
+      <a:effectRef idx="0">
+        <a:scrgbClr r="0" g="0" b="0"/>
+      </a:effectRef>
+      <a:fontRef idx="minor">
+        <a:schemeClr val="lt1"/>
+      </a:fontRef>
+    </dgm:style>
+  </dgm:styleLbl>
+  <dgm:styleLbl name="sibTrans1D1">
+    <dgm:scene3d>
+      <a:camera prst="orthographicFront"/>
+      <a:lightRig rig="threePt" dir="t"/>
+    </dgm:scene3d>
+    <dgm:sp3d/>
+    <dgm:txPr/>
+    <dgm:style>
+      <a:lnRef idx="1">
+        <a:scrgbClr r="0" g="0" b="0"/>
+      </a:lnRef>
+      <a:fillRef idx="0">
+        <a:scrgbClr r="0" g="0" b="0"/>
+      </a:fillRef>
+      <a:effectRef idx="0">
+        <a:scrgbClr r="0" g="0" b="0"/>
+      </a:effectRef>
+      <a:fontRef idx="minor"/>
+    </dgm:style>
+  </dgm:styleLbl>
+  <dgm:styleLbl name="callout">
+    <dgm:scene3d>
+      <a:camera prst="orthographicFront"/>
+      <a:lightRig rig="threePt" dir="t"/>
+    </dgm:scene3d>
+    <dgm:sp3d/>
+    <dgm:txPr/>
+    <dgm:style>
+      <a:lnRef idx="2">
+        <a:scrgbClr r="0" g="0" b="0"/>
+      </a:lnRef>
+      <a:fillRef idx="1">
+        <a:scrgbClr r="0" g="0" b="0"/>
+      </a:fillRef>
+      <a:effectRef idx="0">
+        <a:scrgbClr r="0" g="0" b="0"/>
+      </a:effectRef>
+      <a:fontRef idx="minor"/>
+    </dgm:style>
+  </dgm:styleLbl>
+  <dgm:styleLbl name="asst0">
+    <dgm:scene3d>
+      <a:camera prst="orthographicFront"/>
+      <a:lightRig rig="threePt" dir="t"/>
+    </dgm:scene3d>
+    <dgm:sp3d/>
+    <dgm:txPr/>
+    <dgm:style>
+      <a:lnRef idx="2">
+        <a:scrgbClr r="0" g="0" b="0"/>
+      </a:lnRef>
+      <a:fillRef idx="1">
+        <a:scrgbClr r="0" g="0" b="0"/>
+      </a:fillRef>
+      <a:effectRef idx="0">
+        <a:scrgbClr r="0" g="0" b="0"/>
+      </a:effectRef>
+      <a:fontRef idx="minor">
+        <a:schemeClr val="lt1"/>
+      </a:fontRef>
+    </dgm:style>
+  </dgm:styleLbl>
+  <dgm:styleLbl name="asst1">
+    <dgm:scene3d>
+      <a:camera prst="orthographicFront"/>
+      <a:lightRig rig="threePt" dir="t"/>
+    </dgm:scene3d>
+    <dgm:sp3d/>
+    <dgm:txPr/>
+    <dgm:style>
+      <a:lnRef idx="2">
+        <a:scrgbClr r="0" g="0" b="0"/>
+      </a:lnRef>
+      <a:fillRef idx="1">
+        <a:scrgbClr r="0" g="0" b="0"/>
+      </a:fillRef>
+      <a:effectRef idx="0">
+        <a:scrgbClr r="0" g="0" b="0"/>
+      </a:effectRef>
+      <a:fontRef idx="minor">
+        <a:schemeClr val="lt1"/>
+      </a:fontRef>
+    </dgm:style>
+  </dgm:styleLbl>
+  <dgm:styleLbl name="asst2">
+    <dgm:scene3d>
+      <a:camera prst="orthographicFront"/>
+      <a:lightRig rig="threePt" dir="t"/>
+    </dgm:scene3d>
+    <dgm:sp3d/>
+    <dgm:txPr/>
+    <dgm:style>
+      <a:lnRef idx="2">
+        <a:scrgbClr r="0" g="0" b="0"/>
+      </a:lnRef>
+      <a:fillRef idx="1">
+        <a:scrgbClr r="0" g="0" b="0"/>
+      </a:fillRef>
+      <a:effectRef idx="0">
+        <a:scrgbClr r="0" g="0" b="0"/>
+      </a:effectRef>
+      <a:fontRef idx="minor">
+        <a:schemeClr val="lt1"/>
+      </a:fontRef>
+    </dgm:style>
+  </dgm:styleLbl>
+  <dgm:styleLbl name="asst3">
+    <dgm:scene3d>
+      <a:camera prst="orthographicFront"/>
+      <a:lightRig rig="threePt" dir="t"/>
+    </dgm:scene3d>
+    <dgm:sp3d/>
+    <dgm:txPr/>
+    <dgm:style>
+      <a:lnRef idx="2">
+        <a:scrgbClr r="0" g="0" b="0"/>
+      </a:lnRef>
+      <a:fillRef idx="1">
+        <a:scrgbClr r="0" g="0" b="0"/>
+      </a:fillRef>
+      <a:effectRef idx="0">
+        <a:scrgbClr r="0" g="0" b="0"/>
+      </a:effectRef>
+      <a:fontRef idx="minor">
+        <a:schemeClr val="lt1"/>
+      </a:fontRef>
+    </dgm:style>
+  </dgm:styleLbl>
+  <dgm:styleLbl name="asst4">
+    <dgm:scene3d>
+      <a:camera prst="orthographicFront"/>
+      <a:lightRig rig="threePt" dir="t"/>
+    </dgm:scene3d>
+    <dgm:sp3d/>
+    <dgm:txPr/>
+    <dgm:style>
+      <a:lnRef idx="2">
+        <a:scrgbClr r="0" g="0" b="0"/>
+      </a:lnRef>
+      <a:fillRef idx="1">
+        <a:scrgbClr r="0" g="0" b="0"/>
+      </a:fillRef>
+      <a:effectRef idx="0">
+        <a:scrgbClr r="0" g="0" b="0"/>
+      </a:effectRef>
+      <a:fontRef idx="minor">
+        <a:schemeClr val="lt1"/>
+      </a:fontRef>
+    </dgm:style>
+  </dgm:styleLbl>
+  <dgm:styleLbl name="parChTrans2D1">
+    <dgm:scene3d>
+      <a:camera prst="orthographicFront"/>
+      <a:lightRig rig="threePt" dir="t"/>
+    </dgm:scene3d>
+    <dgm:sp3d/>
+    <dgm:txPr/>
+    <dgm:style>
+      <a:lnRef idx="2">
+        <a:scrgbClr r="0" g="0" b="0"/>
+      </a:lnRef>
+      <a:fillRef idx="1">
+        <a:scrgbClr r="0" g="0" b="0"/>
+      </a:fillRef>
+      <a:effectRef idx="0">
+        <a:scrgbClr r="0" g="0" b="0"/>
+      </a:effectRef>
+      <a:fontRef idx="minor">
+        <a:schemeClr val="lt1"/>
+      </a:fontRef>
+    </dgm:style>
+  </dgm:styleLbl>
+  <dgm:styleLbl name="parChTrans2D2">
+    <dgm:scene3d>
+      <a:camera prst="orthographicFront"/>
+      <a:lightRig rig="threePt" dir="t"/>
+    </dgm:scene3d>
+    <dgm:sp3d/>
+    <dgm:txPr/>
+    <dgm:style>
+      <a:lnRef idx="2">
+        <a:scrgbClr r="0" g="0" b="0"/>
+      </a:lnRef>
+      <a:fillRef idx="1">
+        <a:scrgbClr r="0" g="0" b="0"/>
+      </a:fillRef>
+      <a:effectRef idx="0">
+        <a:scrgbClr r="0" g="0" b="0"/>
+      </a:effectRef>
+      <a:fontRef idx="minor">
+        <a:schemeClr val="lt1"/>
+      </a:fontRef>
+    </dgm:style>
+  </dgm:styleLbl>
+  <dgm:styleLbl name="parChTrans2D3">
+    <dgm:scene3d>
+      <a:camera prst="orthographicFront"/>
+      <a:lightRig rig="threePt" dir="t"/>
+    </dgm:scene3d>
+    <dgm:sp3d/>
+    <dgm:txPr/>
+    <dgm:style>
+      <a:lnRef idx="2">
+        <a:scrgbClr r="0" g="0" b="0"/>
+      </a:lnRef>
+      <a:fillRef idx="1">
+        <a:scrgbClr r="0" g="0" b="0"/>
+      </a:fillRef>
+      <a:effectRef idx="0">
+        <a:scrgbClr r="0" g="0" b="0"/>
+      </a:effectRef>
+      <a:fontRef idx="minor">
+        <a:schemeClr val="lt1"/>
+      </a:fontRef>
+    </dgm:style>
+  </dgm:styleLbl>
+  <dgm:styleLbl name="parChTrans2D4">
+    <dgm:scene3d>
+      <a:camera prst="orthographicFront"/>
+      <a:lightRig rig="threePt" dir="t"/>
+    </dgm:scene3d>
+    <dgm:sp3d/>
+    <dgm:txPr/>
+    <dgm:style>
+      <a:lnRef idx="2">
+        <a:scrgbClr r="0" g="0" b="0"/>
+      </a:lnRef>
+      <a:fillRef idx="1">
+        <a:scrgbClr r="0" g="0" b="0"/>
+      </a:fillRef>
+      <a:effectRef idx="0">
+        <a:scrgbClr r="0" g="0" b="0"/>
+      </a:effectRef>
+      <a:fontRef idx="minor">
+        <a:schemeClr val="lt1"/>
+      </a:fontRef>
+    </dgm:style>
+  </dgm:styleLbl>
+  <dgm:styleLbl name="parChTrans1D1">
+    <dgm:scene3d>
+      <a:camera prst="orthographicFront"/>
+      <a:lightRig rig="threePt" dir="t"/>
+    </dgm:scene3d>
+    <dgm:sp3d/>
+    <dgm:txPr/>
+    <dgm:style>
+      <a:lnRef idx="2">
+        <a:scrgbClr r="0" g="0" b="0"/>
+      </a:lnRef>
+      <a:fillRef idx="0">
+        <a:scrgbClr r="0" g="0" b="0"/>
+      </a:fillRef>
+      <a:effectRef idx="0">
+        <a:scrgbClr r="0" g="0" b="0"/>
+      </a:effectRef>
+      <a:fontRef idx="minor"/>
+    </dgm:style>
+  </dgm:styleLbl>
+  <dgm:styleLbl name="parChTrans1D2">
+    <dgm:scene3d>
+      <a:camera prst="orthographicFront"/>
+      <a:lightRig rig="threePt" dir="t"/>
+    </dgm:scene3d>
+    <dgm:sp3d/>
+    <dgm:txPr/>
+    <dgm:style>
+      <a:lnRef idx="2">
+        <a:scrgbClr r="0" g="0" b="0"/>
+      </a:lnRef>
+      <a:fillRef idx="0">
+        <a:scrgbClr r="0" g="0" b="0"/>
+      </a:fillRef>
+      <a:effectRef idx="0">
+        <a:scrgbClr r="0" g="0" b="0"/>
+      </a:effectRef>
+      <a:fontRef idx="minor"/>
+    </dgm:style>
+  </dgm:styleLbl>
+  <dgm:styleLbl name="parChTrans1D3">
+    <dgm:scene3d>
+      <a:camera prst="orthographicFront"/>
+      <a:lightRig rig="threePt" dir="t"/>
+    </dgm:scene3d>
+    <dgm:sp3d/>
+    <dgm:txPr/>
+    <dgm:style>
+      <a:lnRef idx="2">
+        <a:scrgbClr r="0" g="0" b="0"/>
+      </a:lnRef>
+      <a:fillRef idx="0">
+        <a:scrgbClr r="0" g="0" b="0"/>
+      </a:fillRef>
+      <a:effectRef idx="0">
+        <a:scrgbClr r="0" g="0" b="0"/>
+      </a:effectRef>
+      <a:fontRef idx="minor"/>
+    </dgm:style>
+  </dgm:styleLbl>
+  <dgm:styleLbl name="parChTrans1D4">
+    <dgm:scene3d>
+      <a:camera prst="orthographicFront"/>
+      <a:lightRig rig="threePt" dir="t"/>
+    </dgm:scene3d>
+    <dgm:sp3d/>
+    <dgm:txPr/>
+    <dgm:style>
+      <a:lnRef idx="2">
+        <a:scrgbClr r="0" g="0" b="0"/>
+      </a:lnRef>
+      <a:fillRef idx="0">
+        <a:scrgbClr r="0" g="0" b="0"/>
+      </a:fillRef>
+      <a:effectRef idx="0">
+        <a:scrgbClr r="0" g="0" b="0"/>
+      </a:effectRef>
+      <a:fontRef idx="minor"/>
+    </dgm:style>
+  </dgm:styleLbl>
+  <dgm:styleLbl name="fgAcc1">
+    <dgm:scene3d>
+      <a:camera prst="orthographicFront"/>
+      <a:lightRig rig="threePt" dir="t"/>
+    </dgm:scene3d>
+    <dgm:sp3d/>
+    <dgm:txPr/>
+    <dgm:style>
+      <a:lnRef idx="2">
+        <a:scrgbClr r="0" g="0" b="0"/>
+      </a:lnRef>
+      <a:fillRef idx="1">
+        <a:scrgbClr r="0" g="0" b="0"/>
+      </a:fillRef>
+      <a:effectRef idx="0">
+        <a:scrgbClr r="0" g="0" b="0"/>
+      </a:effectRef>
+      <a:fontRef idx="minor"/>
+    </dgm:style>
+  </dgm:styleLbl>
+  <dgm:styleLbl name="conFgAcc1">
+    <dgm:scene3d>
+      <a:camera prst="orthographicFront"/>
+      <a:lightRig rig="threePt" dir="t"/>
+    </dgm:scene3d>
+    <dgm:sp3d/>
+    <dgm:txPr/>
+    <dgm:style>
+      <a:lnRef idx="2">
+        <a:scrgbClr r="0" g="0" b="0"/>
+      </a:lnRef>
+      <a:fillRef idx="1">
+        <a:scrgbClr r="0" g="0" b="0"/>
+      </a:fillRef>
+      <a:effectRef idx="0">
+        <a:scrgbClr r="0" g="0" b="0"/>
+      </a:effectRef>
+      <a:fontRef idx="minor"/>
+    </dgm:style>
+  </dgm:styleLbl>
+  <dgm:styleLbl name="alignAcc1">
+    <dgm:scene3d>
+      <a:camera prst="orthographicFront"/>
+      <a:lightRig rig="threePt" dir="t"/>
+    </dgm:scene3d>
+    <dgm:sp3d/>
+    <dgm:txPr/>
+    <dgm:style>
+      <a:lnRef idx="2">
+        <a:scrgbClr r="0" g="0" b="0"/>
+      </a:lnRef>
+      <a:fillRef idx="1">
+        <a:scrgbClr r="0" g="0" b="0"/>
+      </a:fillRef>
+      <a:effectRef idx="0">
+        <a:scrgbClr r="0" g="0" b="0"/>
+      </a:effectRef>
+      <a:fontRef idx="minor"/>
+    </dgm:style>
+  </dgm:styleLbl>
+  <dgm:styleLbl name="trAlignAcc1">
+    <dgm:scene3d>
+      <a:camera prst="orthographicFront"/>
+      <a:lightRig rig="threePt" dir="t"/>
+    </dgm:scene3d>
+    <dgm:sp3d/>
+    <dgm:txPr/>
+    <dgm:style>
+      <a:lnRef idx="1">
+        <a:scrgbClr r="0" g="0" b="0"/>
+      </a:lnRef>
+      <a:fillRef idx="1">
+        <a:scrgbClr r="0" g="0" b="0"/>
+      </a:fillRef>
+      <a:effectRef idx="0">
+        <a:scrgbClr r="0" g="0" b="0"/>
+      </a:effectRef>
+      <a:fontRef idx="minor"/>
+    </dgm:style>
+  </dgm:styleLbl>
+  <dgm:styleLbl name="bgAcc1">
+    <dgm:scene3d>
+      <a:camera prst="orthographicFront"/>
+      <a:lightRig rig="threePt" dir="t"/>
+    </dgm:scene3d>
+    <dgm:sp3d/>
+    <dgm:txPr/>
+    <dgm:style>
+      <a:lnRef idx="2">
+        <a:scrgbClr r="0" g="0" b="0"/>
+      </a:lnRef>
+      <a:fillRef idx="1">
+        <a:scrgbClr r="0" g="0" b="0"/>
+      </a:fillRef>
+      <a:effectRef idx="0">
+        <a:scrgbClr r="0" g="0" b="0"/>
+      </a:effectRef>
+      <a:fontRef idx="minor"/>
+    </dgm:style>
+  </dgm:styleLbl>
+  <dgm:styleLbl name="solidFgAcc1">
+    <dgm:scene3d>
+      <a:camera prst="orthographicFront"/>
+      <a:lightRig rig="threePt" dir="t"/>
+    </dgm:scene3d>
+    <dgm:sp3d/>
+    <dgm:txPr/>
+    <dgm:style>
+      <a:lnRef idx="2">
+        <a:scrgbClr r="0" g="0" b="0"/>
+      </a:lnRef>
+      <a:fillRef idx="1">
+        <a:scrgbClr r="0" g="0" b="0"/>
+      </a:fillRef>
+      <a:effectRef idx="0">
+        <a:scrgbClr r="0" g="0" b="0"/>
+      </a:effectRef>
+      <a:fontRef idx="minor"/>
+    </dgm:style>
+  </dgm:styleLbl>
+  <dgm:styleLbl name="solidAlignAcc1">
+    <dgm:scene3d>
+      <a:camera prst="orthographicFront"/>
+      <a:lightRig rig="threePt" dir="t"/>
+    </dgm:scene3d>
+    <dgm:sp3d/>
+    <dgm:txPr/>
+    <dgm:style>
+      <a:lnRef idx="2">
+        <a:scrgbClr r="0" g="0" b="0"/>
+      </a:lnRef>
+      <a:fillRef idx="1">
+        <a:scrgbClr r="0" g="0" b="0"/>
+      </a:fillRef>
+      <a:effectRef idx="0">
+        <a:scrgbClr r="0" g="0" b="0"/>
+      </a:effectRef>
+      <a:fontRef idx="minor"/>
+    </dgm:style>
+  </dgm:styleLbl>
+  <dgm:styleLbl name="solidBgAcc1">
+    <dgm:scene3d>
+      <a:camera prst="orthographicFront"/>
+      <a:lightRig rig="threePt" dir="t"/>
+    </dgm:scene3d>
+    <dgm:sp3d/>
+    <dgm:txPr/>
+    <dgm:style>
+      <a:lnRef idx="2">
+        <a:scrgbClr r="0" g="0" b="0"/>
+      </a:lnRef>
+      <a:fillRef idx="1">
+        <a:scrgbClr r="0" g="0" b="0"/>
+      </a:fillRef>
+      <a:effectRef idx="0">
+        <a:scrgbClr r="0" g="0" b="0"/>
+      </a:effectRef>
+      <a:fontRef idx="minor"/>
+    </dgm:style>
+  </dgm:styleLbl>
+  <dgm:styleLbl name="fgAccFollowNode1">
+    <dgm:scene3d>
+      <a:camera prst="orthographicFront"/>
+      <a:lightRig rig="threePt" dir="t"/>
+    </dgm:scene3d>
+    <dgm:sp3d/>
+    <dgm:txPr/>
+    <dgm:style>
+      <a:lnRef idx="2">
+        <a:scrgbClr r="0" g="0" b="0"/>
+      </a:lnRef>
+      <a:fillRef idx="1">
+        <a:scrgbClr r="0" g="0" b="0"/>
+      </a:fillRef>
+      <a:effectRef idx="0">
+        <a:scrgbClr r="0" g="0" b="0"/>
+      </a:effectRef>
+      <a:fontRef idx="minor"/>
+    </dgm:style>
+  </dgm:styleLbl>
+  <dgm:styleLbl name="alignAccFollowNode1">
+    <dgm:scene3d>
+      <a:camera prst="orthographicFront"/>
+      <a:lightRig rig="threePt" dir="t"/>
+    </dgm:scene3d>
+    <dgm:sp3d/>
+    <dgm:txPr/>
+    <dgm:style>
+      <a:lnRef idx="2">
+        <a:scrgbClr r="0" g="0" b="0"/>
+      </a:lnRef>
+      <a:fillRef idx="1">
+        <a:scrgbClr r="0" g="0" b="0"/>
+      </a:fillRef>
+      <a:effectRef idx="0">
+        <a:scrgbClr r="0" g="0" b="0"/>
+      </a:effectRef>
+      <a:fontRef idx="minor"/>
+    </dgm:style>
+  </dgm:styleLbl>
+  <dgm:styleLbl name="bgAccFollowNode1">
+    <dgm:scene3d>
+      <a:camera prst="orthographicFront"/>
+      <a:lightRig rig="threePt" dir="t"/>
+    </dgm:scene3d>
+    <dgm:sp3d/>
+    <dgm:txPr/>
+    <dgm:style>
+      <a:lnRef idx="2">
+        <a:scrgbClr r="0" g="0" b="0"/>
+      </a:lnRef>
+      <a:fillRef idx="1">
+        <a:scrgbClr r="0" g="0" b="0"/>
+      </a:fillRef>
+      <a:effectRef idx="0">
+        <a:scrgbClr r="0" g="0" b="0"/>
+      </a:effectRef>
+      <a:fontRef idx="minor"/>
+    </dgm:style>
+  </dgm:styleLbl>
+  <dgm:styleLbl name="fgAcc0">
+    <dgm:scene3d>
+      <a:camera prst="orthographicFront"/>
+      <a:lightRig rig="threePt" dir="t"/>
+    </dgm:scene3d>
+    <dgm:sp3d/>
+    <dgm:txPr/>
+    <dgm:style>
+      <a:lnRef idx="2">
+        <a:scrgbClr r="0" g="0" b="0"/>
+      </a:lnRef>
+      <a:fillRef idx="1">
+        <a:scrgbClr r="0" g="0" b="0"/>
+      </a:fillRef>
+      <a:effectRef idx="0">
+        <a:scrgbClr r="0" g="0" b="0"/>
+      </a:effectRef>
+      <a:fontRef idx="minor"/>
+    </dgm:style>
+  </dgm:styleLbl>
+  <dgm:styleLbl name="fgAcc2">
+    <dgm:scene3d>
+      <a:camera prst="orthographicFront"/>
+      <a:lightRig rig="threePt" dir="t"/>
+    </dgm:scene3d>
+    <dgm:sp3d/>
+    <dgm:txPr/>
+    <dgm:style>
+      <a:lnRef idx="2">
+        <a:scrgbClr r="0" g="0" b="0"/>
+      </a:lnRef>
+      <a:fillRef idx="1">
+        <a:scrgbClr r="0" g="0" b="0"/>
+      </a:fillRef>
+      <a:effectRef idx="0">
+        <a:scrgbClr r="0" g="0" b="0"/>
+      </a:effectRef>
+      <a:fontRef idx="minor"/>
+    </dgm:style>
+  </dgm:styleLbl>
+  <dgm:styleLbl name="fgAcc3">
+    <dgm:scene3d>
+      <a:camera prst="orthographicFront"/>
+      <a:lightRig rig="threePt" dir="t"/>
+    </dgm:scene3d>
+    <dgm:sp3d/>
+    <dgm:txPr/>
+    <dgm:style>
+      <a:lnRef idx="2">
+        <a:scrgbClr r="0" g="0" b="0"/>
+      </a:lnRef>
+      <a:fillRef idx="1">
+        <a:scrgbClr r="0" g="0" b="0"/>
+      </a:fillRef>
+      <a:effectRef idx="0">
+        <a:scrgbClr r="0" g="0" b="0"/>
+      </a:effectRef>
+      <a:fontRef idx="minor"/>
+    </dgm:style>
+  </dgm:styleLbl>
+  <dgm:styleLbl name="fgAcc4">
+    <dgm:scene3d>
+      <a:camera prst="orthographicFront"/>
+      <a:lightRig rig="threePt" dir="t"/>
+    </dgm:scene3d>
+    <dgm:sp3d/>
+    <dgm:txPr/>
+    <dgm:style>
+      <a:lnRef idx="2">
+        <a:scrgbClr r="0" g="0" b="0"/>
+      </a:lnRef>
+      <a:fillRef idx="1">
+        <a:scrgbClr r="0" g="0" b="0"/>
+      </a:fillRef>
+      <a:effectRef idx="0">
+        <a:scrgbClr r="0" g="0" b="0"/>
+      </a:effectRef>
+      <a:fontRef idx="minor"/>
+    </dgm:style>
+  </dgm:styleLbl>
+  <dgm:styleLbl name="bgShp">
+    <dgm:scene3d>
+      <a:camera prst="orthographicFront"/>
+      <a:lightRig rig="threePt" dir="t"/>
+    </dgm:scene3d>
+    <dgm:sp3d/>
+    <dgm:txPr/>
+    <dgm:style>
+      <a:lnRef idx="0">
+        <a:scrgbClr r="0" g="0" b="0"/>
+      </a:lnRef>
+      <a:fillRef idx="1">
+        <a:scrgbClr r="0" g="0" b="0"/>
+      </a:fillRef>
+      <a:effectRef idx="0">
+        <a:scrgbClr r="0" g="0" b="0"/>
+      </a:effectRef>
+      <a:fontRef idx="minor"/>
+    </dgm:style>
+  </dgm:styleLbl>
+  <dgm:styleLbl name="dkBgShp">
+    <dgm:scene3d>
+      <a:camera prst="orthographicFront"/>
+      <a:lightRig rig="threePt" dir="t"/>
+    </dgm:scene3d>
+    <dgm:sp3d/>
+    <dgm:txPr/>
+    <dgm:style>
+      <a:lnRef idx="0">
+        <a:scrgbClr r="0" g="0" b="0"/>
+      </a:lnRef>
+      <a:fillRef idx="1">
+        <a:scrgbClr r="0" g="0" b="0"/>
+      </a:fillRef>
+      <a:effectRef idx="0">
+        <a:scrgbClr r="0" g="0" b="0"/>
+      </a:effectRef>
+      <a:fontRef idx="minor"/>
+    </dgm:style>
+  </dgm:styleLbl>
+  <dgm:styleLbl name="trBgShp">
+    <dgm:scene3d>
+      <a:camera prst="orthographicFront"/>
+      <a:lightRig rig="threePt" dir="t"/>
+    </dgm:scene3d>
+    <dgm:sp3d/>
+    <dgm:txPr/>
+    <dgm:style>
+      <a:lnRef idx="0">
+        <a:scrgbClr r="0" g="0" b="0"/>
+      </a:lnRef>
+      <a:fillRef idx="1">
+        <a:scrgbClr r="0" g="0" b="0"/>
+      </a:fillRef>
+      <a:effectRef idx="0">
+        <a:scrgbClr r="0" g="0" b="0"/>
+      </a:effectRef>
+      <a:fontRef idx="minor"/>
+    </dgm:style>
+  </dgm:styleLbl>
+  <dgm:styleLbl name="fgShp">
+    <dgm:scene3d>
+      <a:camera prst="orthographicFront"/>
+      <a:lightRig rig="threePt" dir="t"/>
+    </dgm:scene3d>
+    <dgm:sp3d/>
+    <dgm:txPr/>
+    <dgm:style>
+      <a:lnRef idx="2">
+        <a:scrgbClr r="0" g="0" b="0"/>
+      </a:lnRef>
+      <a:fillRef idx="1">
+        <a:scrgbClr r="0" g="0" b="0"/>
+      </a:fillRef>
+      <a:effectRef idx="0">
+        <a:scrgbClr r="0" g="0" b="0"/>
+      </a:effectRef>
+      <a:fontRef idx="minor"/>
+    </dgm:style>
+  </dgm:styleLbl>
+  <dgm:styleLbl name="revTx">
+    <dgm:scene3d>
+      <a:camera prst="orthographicFront"/>
+      <a:lightRig rig="threePt" dir="t"/>
+    </dgm:scene3d>
+    <dgm:sp3d/>
+    <dgm:txPr/>
+    <dgm:style>
+      <a:lnRef idx="0">
+        <a:scrgbClr r="0" g="0" b="0"/>
+      </a:lnRef>
+      <a:fillRef idx="0">
+        <a:scrgbClr r="0" g="0" b="0"/>
+      </a:fillRef>
+      <a:effectRef idx="0">
+        <a:scrgbClr r="0" g="0" b="0"/>
+      </a:effectRef>
+      <a:fontRef idx="minor"/>
+    </dgm:style>
+  </dgm:styleLbl>
+</dgm:styleDef>
 </file>
 
 <file path=ppt/slideLayouts/slideLayout1.xml><?xml version="1.0" encoding="utf-8"?>
@@ -270,7 +2826,7 @@
           <a:p>
             <a:fld id="{76969C88-B244-455D-A017-012B25B1ACDD}" type="datetimeFigureOut">
               <a:rPr lang="en-US" smtClean="0"/>
-              <a:t>8/29/2023</a:t>
+              <a:t>9/3/2023</a:t>
             </a:fld>
             <a:endParaRPr lang="en-US"/>
           </a:p>
@@ -468,7 +3024,7 @@
           <a:p>
             <a:fld id="{76969C88-B244-455D-A017-012B25B1ACDD}" type="datetimeFigureOut">
               <a:rPr lang="en-US" smtClean="0"/>
-              <a:t>8/29/2023</a:t>
+              <a:t>9/3/2023</a:t>
             </a:fld>
             <a:endParaRPr lang="en-US"/>
           </a:p>
@@ -676,7 +3232,7 @@
           <a:p>
             <a:fld id="{76969C88-B244-455D-A017-012B25B1ACDD}" type="datetimeFigureOut">
               <a:rPr lang="en-US" smtClean="0"/>
-              <a:t>8/29/2023</a:t>
+              <a:t>9/3/2023</a:t>
             </a:fld>
             <a:endParaRPr lang="en-US"/>
           </a:p>
@@ -875,7 +3431,7 @@
           <a:p>
             <a:fld id="{76969C88-B244-455D-A017-012B25B1ACDD}" type="datetimeFigureOut">
               <a:rPr lang="en-US" smtClean="0"/>
-              <a:t>8/29/2023</a:t>
+              <a:t>9/3/2023</a:t>
             </a:fld>
             <a:endParaRPr lang="en-US"/>
           </a:p>
@@ -1150,7 +3706,7 @@
           <a:p>
             <a:fld id="{76969C88-B244-455D-A017-012B25B1ACDD}" type="datetimeFigureOut">
               <a:rPr lang="en-US" smtClean="0"/>
-              <a:t>8/29/2023</a:t>
+              <a:t>9/3/2023</a:t>
             </a:fld>
             <a:endParaRPr lang="en-US"/>
           </a:p>
@@ -1415,7 +3971,7 @@
           <a:p>
             <a:fld id="{76969C88-B244-455D-A017-012B25B1ACDD}" type="datetimeFigureOut">
               <a:rPr lang="en-US" smtClean="0"/>
-              <a:t>8/29/2023</a:t>
+              <a:t>9/3/2023</a:t>
             </a:fld>
             <a:endParaRPr lang="en-US"/>
           </a:p>
@@ -1827,7 +4383,7 @@
           <a:p>
             <a:fld id="{76969C88-B244-455D-A017-012B25B1ACDD}" type="datetimeFigureOut">
               <a:rPr lang="en-US" smtClean="0"/>
-              <a:t>8/29/2023</a:t>
+              <a:t>9/3/2023</a:t>
             </a:fld>
             <a:endParaRPr lang="en-US"/>
           </a:p>
@@ -1968,7 +4524,7 @@
           <a:p>
             <a:fld id="{76969C88-B244-455D-A017-012B25B1ACDD}" type="datetimeFigureOut">
               <a:rPr lang="en-US" smtClean="0"/>
-              <a:t>8/29/2023</a:t>
+              <a:t>9/3/2023</a:t>
             </a:fld>
             <a:endParaRPr lang="en-US"/>
           </a:p>
@@ -2081,7 +4637,7 @@
           <a:p>
             <a:fld id="{76969C88-B244-455D-A017-012B25B1ACDD}" type="datetimeFigureOut">
               <a:rPr lang="en-US" smtClean="0"/>
-              <a:t>8/29/2023</a:t>
+              <a:t>9/3/2023</a:t>
             </a:fld>
             <a:endParaRPr lang="en-US"/>
           </a:p>
@@ -2393,7 +4949,7 @@
           <a:p>
             <a:fld id="{76969C88-B244-455D-A017-012B25B1ACDD}" type="datetimeFigureOut">
               <a:rPr lang="en-US" smtClean="0"/>
-              <a:t>8/29/2023</a:t>
+              <a:t>9/3/2023</a:t>
             </a:fld>
             <a:endParaRPr lang="en-US"/>
           </a:p>
@@ -2684,7 +5240,7 @@
           <a:p>
             <a:fld id="{76969C88-B244-455D-A017-012B25B1ACDD}" type="datetimeFigureOut">
               <a:rPr lang="en-US" smtClean="0"/>
-              <a:t>8/29/2023</a:t>
+              <a:t>9/3/2023</a:t>
             </a:fld>
             <a:endParaRPr lang="en-US"/>
           </a:p>
@@ -3440,7 +5996,7 @@
             <a:fld id="{76969C88-B244-455D-A017-012B25B1ACDD}" type="datetimeFigureOut">
               <a:rPr lang="en-US" smtClean="0"/>
               <a:pPr/>
-              <a:t>8/29/2023</a:t>
+              <a:t>9/3/2023</a:t>
             </a:fld>
             <a:endParaRPr lang="en-US"/>
           </a:p>
@@ -4245,8 +6801,8 @@
         </p:nvSpPr>
         <p:spPr>
           <a:xfrm>
-            <a:off x="5974080" y="1463040"/>
-            <a:ext cx="5455920" cy="2346960"/>
+            <a:off x="5974080" y="754514"/>
+            <a:ext cx="5683183" cy="3055486"/>
           </a:xfrm>
         </p:spPr>
         <p:txBody>
@@ -4257,7 +6813,7 @@
           <a:p>
             <a:pPr algn="l"/>
             <a:r>
-              <a:rPr lang="ru-RU" sz="3200" b="1" dirty="0">
+              <a:rPr lang="ru-RU" sz="3600" b="1" dirty="0">
                 <a:solidFill>
                   <a:schemeClr val="accent1">
                     <a:lumMod val="40000"/>
@@ -4270,7 +6826,7 @@
               <a:t>Расчет коэффициента </a:t>
             </a:r>
             <a:r>
-              <a:rPr lang="ru-RU" sz="3200" b="1" err="1">
+              <a:rPr lang="ru-RU" sz="3600" b="1" err="1">
                 <a:solidFill>
                   <a:schemeClr val="accent1">
                     <a:lumMod val="40000"/>
@@ -4283,7 +6839,7 @@
               <a:t>Клаузинга</a:t>
             </a:r>
             <a:r>
-              <a:rPr lang="ru-RU" sz="3200" b="1" dirty="0">
+              <a:rPr lang="ru-RU" sz="3600" b="1" dirty="0">
                 <a:solidFill>
                   <a:schemeClr val="accent1">
                     <a:lumMod val="40000"/>
@@ -4295,7 +6851,7 @@
               </a:rPr>
               <a:t> для каналов прямоугольного сечения методом угловых коэффициентов</a:t>
             </a:r>
-            <a:endParaRPr lang="ru-RU" sz="3200" dirty="0">
+            <a:endParaRPr lang="ru-RU" sz="3600" dirty="0">
               <a:solidFill>
                 <a:schemeClr val="accent1">
                   <a:lumMod val="40000"/>
@@ -4318,19 +6874,19 @@
         </p:nvSpPr>
         <p:spPr>
           <a:xfrm>
-            <a:off x="6858000" y="4571999"/>
-            <a:ext cx="4572000" cy="1524000"/>
+            <a:off x="6964948" y="4585367"/>
+            <a:ext cx="4852736" cy="1524000"/>
           </a:xfrm>
         </p:spPr>
         <p:txBody>
           <a:bodyPr vert="horz" lIns="91440" tIns="45720" rIns="91440" bIns="45720" rtlCol="0" anchor="t">
-            <a:normAutofit fontScale="92500" lnSpcReduction="20000"/>
+            <a:noAutofit/>
           </a:bodyPr>
           <a:lstStyle/>
           <a:p>
             <a:pPr algn="l"/>
             <a:r>
-              <a:rPr lang="ru-RU" sz="2000" dirty="0">
+              <a:rPr lang="ru-RU" sz="2800" dirty="0">
                 <a:solidFill>
                   <a:schemeClr val="accent1">
                     <a:lumMod val="40000"/>
@@ -4340,10 +6896,10 @@
                 <a:ea typeface="+mn-lt"/>
                 <a:cs typeface="+mn-lt"/>
               </a:rPr>
-              <a:t>Тестовое задание в рамках преддипломной практики студента 4 </a:t>
-            </a:r>
-            <a:r>
-              <a:rPr lang="ru-RU" sz="2000">
+              <a:t>Тестовое задание  студента 4 курса МФТИ </a:t>
+            </a:r>
+            <a:r>
+              <a:rPr lang="ru-RU" sz="2800" i="1" dirty="0">
                 <a:solidFill>
                   <a:schemeClr val="accent1">
                     <a:lumMod val="40000"/>
@@ -4353,21 +6909,10 @@
                 <a:ea typeface="+mn-lt"/>
                 <a:cs typeface="+mn-lt"/>
               </a:rPr>
-              <a:t>курса МФТИ </a:t>
-            </a:r>
-            <a:endParaRPr lang="ru-RU">
-              <a:solidFill>
-                <a:schemeClr val="accent1">
-                  <a:lumMod val="40000"/>
-                  <a:lumOff val="60000"/>
-                </a:schemeClr>
-              </a:solidFill>
-            </a:endParaRPr>
-          </a:p>
-          <a:p>
-            <a:pPr algn="l"/>
-            <a:r>
-              <a:rPr lang="ru-RU" sz="2000" i="1" dirty="0">
+              <a:t>Павлович</a:t>
+            </a:r>
+            <a:r>
+              <a:rPr lang="ru-RU" sz="2800" i="1" dirty="0">
                 <a:solidFill>
                   <a:schemeClr val="accent1">
                     <a:lumMod val="40000"/>
@@ -4375,14 +6920,13 @@
                   </a:schemeClr>
                 </a:solidFill>
               </a:rPr>
-              <a:t>Павлович Егора Романович</a:t>
-            </a:r>
-            <a:endParaRPr lang="ru-RU" i="1">
+              <a:t> Егора Романовича</a:t>
+            </a:r>
+            <a:endParaRPr lang="ru-RU" dirty="0">
               <a:solidFill>
-                <a:schemeClr val="accent1">
-                  <a:lumMod val="40000"/>
-                  <a:lumOff val="60000"/>
-                </a:schemeClr>
+                <a:srgbClr val="FFFFFF">
+                  <a:alpha val="70000"/>
+                </a:srgbClr>
               </a:solidFill>
             </a:endParaRPr>
           </a:p>
@@ -4439,32 +6983,278 @@
           <a:bodyPr/>
           <a:lstStyle/>
           <a:p>
-            <a:endParaRPr lang="ru-RU"/>
+            <a:r>
+              <a:rPr lang="ru-RU" b="1" dirty="0">
+                <a:solidFill>
+                  <a:schemeClr val="accent1">
+                    <a:lumMod val="40000"/>
+                    <a:lumOff val="60000"/>
+                  </a:schemeClr>
+                </a:solidFill>
+              </a:rPr>
+              <a:t>Понятия вакуумной техники</a:t>
+            </a:r>
+          </a:p>
+        </p:txBody>
+      </p:sp>
+      <p:pic>
+        <p:nvPicPr>
+          <p:cNvPr id="4" name="Объект 3" descr="Изображение выглядит как Шрифт, текст, белый, дизайн&#10;&#10;Автоматически созданное описание">
+            <a:extLst>
+              <a:ext uri="{FF2B5EF4-FFF2-40B4-BE49-F238E27FC236}">
+                <a16:creationId xmlns:a16="http://schemas.microsoft.com/office/drawing/2014/main" id="{B890E84A-EBBF-3DB3-1C69-0051CA1E7475}"/>
+              </a:ext>
+            </a:extLst>
+          </p:cNvPr>
+          <p:cNvPicPr>
+            <a:picLocks noGrp="1" noChangeAspect="1"/>
+          </p:cNvPicPr>
+          <p:nvPr>
+            <p:ph idx="1"/>
+          </p:nvPr>
+        </p:nvPicPr>
+        <p:blipFill>
+          <a:blip r:embed="rId2"/>
+          <a:stretch>
+            <a:fillRect/>
+          </a:stretch>
+        </p:blipFill>
+        <p:spPr>
+          <a:xfrm>
+            <a:off x="766862" y="2284109"/>
+            <a:ext cx="2811546" cy="1455654"/>
+          </a:xfrm>
+          <a:prstGeom prst="roundRect">
+            <a:avLst>
+              <a:gd name="adj" fmla="val 16667"/>
+            </a:avLst>
+          </a:prstGeom>
+          <a:ln>
+            <a:noFill/>
+          </a:ln>
+          <a:effectLst>
+            <a:outerShdw blurRad="76200" dist="38100" dir="7800000" algn="tl" rotWithShape="0">
+              <a:srgbClr val="000000">
+                <a:alpha val="40000"/>
+              </a:srgbClr>
+            </a:outerShdw>
+          </a:effectLst>
+          <a:scene3d>
+            <a:camera prst="orthographicFront"/>
+            <a:lightRig rig="contrasting" dir="t">
+              <a:rot lat="0" lon="0" rev="4200000"/>
+            </a:lightRig>
+          </a:scene3d>
+          <a:sp3d prstMaterial="plastic">
+            <a:bevelT w="381000" h="114300" prst="relaxedInset"/>
+            <a:contourClr>
+              <a:srgbClr val="969696"/>
+            </a:contourClr>
+          </a:sp3d>
+        </p:spPr>
+      </p:pic>
+      <p:sp>
+        <p:nvSpPr>
+          <p:cNvPr id="5" name="TextBox 4">
+            <a:extLst>
+              <a:ext uri="{FF2B5EF4-FFF2-40B4-BE49-F238E27FC236}">
+                <a16:creationId xmlns:a16="http://schemas.microsoft.com/office/drawing/2014/main" id="{2912DEA1-7114-BC13-6E8F-5E3B01E39F4E}"/>
+              </a:ext>
+            </a:extLst>
+          </p:cNvPr>
+          <p:cNvSpPr txBox="1"/>
+          <p:nvPr/>
+        </p:nvSpPr>
+        <p:spPr>
+          <a:xfrm>
+            <a:off x="758791" y="3916947"/>
+            <a:ext cx="2807367" cy="461665"/>
+          </a:xfrm>
+          <a:prstGeom prst="rect">
+            <a:avLst/>
+          </a:prstGeom>
+          <a:noFill/>
+        </p:spPr>
+        <p:txBody>
+          <a:bodyPr rot="0" spcFirstLastPara="0" vertOverflow="overflow" horzOverflow="overflow" vert="horz" wrap="square" lIns="91440" tIns="45720" rIns="91440" bIns="45720" numCol="1" spcCol="0" rtlCol="0" fromWordArt="0" anchor="t" anchorCtr="0" forceAA="0" compatLnSpc="1">
+            <a:prstTxWarp prst="textNoShape">
+              <a:avLst/>
+            </a:prstTxWarp>
+            <a:spAutoFit/>
+          </a:bodyPr>
+          <a:lstStyle/>
+          <a:p>
+            <a:endParaRPr lang="ru-RU" sz="2400" dirty="0">
+              <a:solidFill>
+                <a:schemeClr val="accent1">
+                  <a:lumMod val="60000"/>
+                  <a:lumOff val="40000"/>
+                </a:schemeClr>
+              </a:solidFill>
+            </a:endParaRPr>
+          </a:p>
+        </p:txBody>
+      </p:sp>
+      <p:pic>
+        <p:nvPicPr>
+          <p:cNvPr id="3" name="Рисунок 2" descr="Изображение выглядит как Шрифт, Графика, белый, символ&#10;&#10;Автоматически созданное описание">
+            <a:extLst>
+              <a:ext uri="{FF2B5EF4-FFF2-40B4-BE49-F238E27FC236}">
+                <a16:creationId xmlns:a16="http://schemas.microsoft.com/office/drawing/2014/main" id="{E52FC666-B9AC-9F6C-F992-F0978E203715}"/>
+              </a:ext>
+            </a:extLst>
+          </p:cNvPr>
+          <p:cNvPicPr>
+            <a:picLocks noChangeAspect="1"/>
+          </p:cNvPicPr>
+          <p:nvPr/>
+        </p:nvPicPr>
+        <p:blipFill>
+          <a:blip r:embed="rId3"/>
+          <a:stretch>
+            <a:fillRect/>
+          </a:stretch>
+        </p:blipFill>
+        <p:spPr>
+          <a:xfrm>
+            <a:off x="4153218" y="2287588"/>
+            <a:ext cx="1945005" cy="1449705"/>
+          </a:xfrm>
+          <a:prstGeom prst="roundRect">
+            <a:avLst>
+              <a:gd name="adj" fmla="val 16667"/>
+            </a:avLst>
+          </a:prstGeom>
+          <a:ln>
+            <a:noFill/>
+          </a:ln>
+          <a:effectLst>
+            <a:outerShdw blurRad="76200" dist="38100" dir="7800000" algn="tl" rotWithShape="0">
+              <a:srgbClr val="000000">
+                <a:alpha val="40000"/>
+              </a:srgbClr>
+            </a:outerShdw>
+          </a:effectLst>
+          <a:scene3d>
+            <a:camera prst="orthographicFront"/>
+            <a:lightRig rig="contrasting" dir="t">
+              <a:rot lat="0" lon="0" rev="4200000"/>
+            </a:lightRig>
+          </a:scene3d>
+          <a:sp3d prstMaterial="plastic">
+            <a:bevelT w="381000" h="114300" prst="relaxedInset"/>
+            <a:contourClr>
+              <a:srgbClr val="969696"/>
+            </a:contourClr>
+          </a:sp3d>
+        </p:spPr>
+      </p:pic>
+      <p:sp>
+        <p:nvSpPr>
+          <p:cNvPr id="6" name="TextBox 5">
+            <a:extLst>
+              <a:ext uri="{FF2B5EF4-FFF2-40B4-BE49-F238E27FC236}">
+                <a16:creationId xmlns:a16="http://schemas.microsoft.com/office/drawing/2014/main" id="{A15A3A13-F986-807F-08FB-06BCE82B1A2F}"/>
+              </a:ext>
+            </a:extLst>
+          </p:cNvPr>
+          <p:cNvSpPr txBox="1"/>
+          <p:nvPr/>
+        </p:nvSpPr>
+        <p:spPr>
+          <a:xfrm>
+            <a:off x="4155439" y="3958924"/>
+            <a:ext cx="1938420" cy="830997"/>
+          </a:xfrm>
+          <a:prstGeom prst="rect">
+            <a:avLst/>
+          </a:prstGeom>
+          <a:noFill/>
+        </p:spPr>
+        <p:txBody>
+          <a:bodyPr rot="0" spcFirstLastPara="0" vertOverflow="overflow" horzOverflow="overflow" vert="horz" wrap="square" lIns="91440" tIns="45720" rIns="91440" bIns="45720" numCol="1" spcCol="0" rtlCol="0" fromWordArt="0" anchor="t" anchorCtr="0" forceAA="0" compatLnSpc="1">
+            <a:prstTxWarp prst="textNoShape">
+              <a:avLst/>
+            </a:prstTxWarp>
+            <a:spAutoFit/>
+          </a:bodyPr>
+          <a:lstStyle/>
+          <a:p>
+            <a:r>
+              <a:rPr lang="ru-RU" sz="2400" dirty="0">
+                <a:solidFill>
+                  <a:schemeClr val="accent1">
+                    <a:lumMod val="40000"/>
+                    <a:lumOff val="60000"/>
+                  </a:schemeClr>
+                </a:solidFill>
+              </a:rPr>
+              <a:t>Число </a:t>
+            </a:r>
+            <a:r>
+              <a:rPr lang="ru-RU" sz="2400" err="1">
+                <a:solidFill>
+                  <a:schemeClr val="accent1">
+                    <a:lumMod val="40000"/>
+                    <a:lumOff val="60000"/>
+                  </a:schemeClr>
+                </a:solidFill>
+              </a:rPr>
+              <a:t>Кнудсена</a:t>
+            </a:r>
+            <a:endParaRPr lang="ru-RU" sz="2400">
+              <a:solidFill>
+                <a:schemeClr val="accent1">
+                  <a:lumMod val="40000"/>
+                  <a:lumOff val="60000"/>
+                </a:schemeClr>
+              </a:solidFill>
+            </a:endParaRPr>
           </a:p>
         </p:txBody>
       </p:sp>
       <p:sp>
         <p:nvSpPr>
-          <p:cNvPr id="3" name="Объект 2">
+          <p:cNvPr id="7" name="TextBox 6">
             <a:extLst>
               <a:ext uri="{FF2B5EF4-FFF2-40B4-BE49-F238E27FC236}">
-                <a16:creationId xmlns:a16="http://schemas.microsoft.com/office/drawing/2014/main" id="{C548F7D3-5607-92A5-0444-897D44FCAA46}"/>
+                <a16:creationId xmlns:a16="http://schemas.microsoft.com/office/drawing/2014/main" id="{A9202A61-D36B-27BE-6066-475BCA9BF461}"/>
               </a:ext>
             </a:extLst>
           </p:cNvPr>
-          <p:cNvSpPr>
-            <a:spLocks noGrp="1"/>
-          </p:cNvSpPr>
-          <p:nvPr>
-            <p:ph idx="1"/>
-          </p:nvPr>
+          <p:cNvSpPr txBox="1"/>
+          <p:nvPr/>
         </p:nvSpPr>
-        <p:spPr/>
+        <p:spPr>
+          <a:xfrm>
+            <a:off x="772159" y="3916680"/>
+            <a:ext cx="2804160" cy="830997"/>
+          </a:xfrm>
+          <a:prstGeom prst="rect">
+            <a:avLst/>
+          </a:prstGeom>
+          <a:noFill/>
+        </p:spPr>
         <p:txBody>
-          <a:bodyPr/>
+          <a:bodyPr rot="0" spcFirstLastPara="0" vertOverflow="overflow" horzOverflow="overflow" vert="horz" wrap="square" lIns="91440" tIns="45720" rIns="91440" bIns="45720" numCol="1" spcCol="0" rtlCol="0" fromWordArt="0" anchor="t" anchorCtr="0" forceAA="0" compatLnSpc="1">
+            <a:prstTxWarp prst="textNoShape">
+              <a:avLst/>
+            </a:prstTxWarp>
+            <a:spAutoFit/>
+          </a:bodyPr>
           <a:lstStyle/>
           <a:p>
-            <a:endParaRPr lang="ru-RU"/>
+            <a:r>
+              <a:rPr lang="ru-RU" sz="2400" dirty="0">
+                <a:solidFill>
+                  <a:schemeClr val="accent1">
+                    <a:lumMod val="40000"/>
+                    <a:lumOff val="60000"/>
+                  </a:schemeClr>
+                </a:solidFill>
+              </a:rPr>
+              <a:t>Диффузный закон распределения</a:t>
+            </a:r>
           </a:p>
         </p:txBody>
       </p:sp>
@@ -4478,10 +7268,3112 @@
   <p:clrMapOvr>
     <a:masterClrMapping/>
   </p:clrMapOvr>
+  <p:transition spd="med">
+    <p:pull dir="u"/>
+  </p:transition>
+  <p:timing>
+    <p:tnLst>
+      <p:par>
+        <p:cTn id="1" dur="indefinite" restart="never" nodeType="tmRoot">
+          <p:childTnLst>
+            <p:seq concurrent="1" nextAc="seek">
+              <p:cTn id="2" dur="indefinite" nodeType="mainSeq">
+                <p:childTnLst>
+                  <p:par>
+                    <p:cTn id="3" fill="hold">
+                      <p:stCondLst>
+                        <p:cond delay="indefinite"/>
+                      </p:stCondLst>
+                      <p:childTnLst>
+                        <p:par>
+                          <p:cTn id="4" fill="hold">
+                            <p:stCondLst>
+                              <p:cond delay="0"/>
+                            </p:stCondLst>
+                            <p:childTnLst>
+                              <p:par>
+                                <p:cTn id="5" presetID="2" presetClass="entr" presetSubtype="4" fill="hold" nodeType="clickEffect">
+                                  <p:stCondLst>
+                                    <p:cond delay="0"/>
+                                  </p:stCondLst>
+                                  <p:childTnLst>
+                                    <p:set>
+                                      <p:cBhvr>
+                                        <p:cTn id="6" dur="1" fill="hold">
+                                          <p:stCondLst>
+                                            <p:cond delay="0"/>
+                                          </p:stCondLst>
+                                        </p:cTn>
+                                        <p:tgtEl>
+                                          <p:spTgt spid="4"/>
+                                        </p:tgtEl>
+                                        <p:attrNameLst>
+                                          <p:attrName>style.visibility</p:attrName>
+                                        </p:attrNameLst>
+                                      </p:cBhvr>
+                                      <p:to>
+                                        <p:strVal val="visible"/>
+                                      </p:to>
+                                    </p:set>
+                                    <p:anim calcmode="lin" valueType="num">
+                                      <p:cBhvr additive="base">
+                                        <p:cTn id="7" dur="500" fill="hold"/>
+                                        <p:tgtEl>
+                                          <p:spTgt spid="4"/>
+                                        </p:tgtEl>
+                                        <p:attrNameLst>
+                                          <p:attrName>ppt_x</p:attrName>
+                                        </p:attrNameLst>
+                                      </p:cBhvr>
+                                      <p:tavLst>
+                                        <p:tav tm="0">
+                                          <p:val>
+                                            <p:strVal val="#ppt_x"/>
+                                          </p:val>
+                                        </p:tav>
+                                        <p:tav tm="100000">
+                                          <p:val>
+                                            <p:strVal val="#ppt_x"/>
+                                          </p:val>
+                                        </p:tav>
+                                      </p:tavLst>
+                                    </p:anim>
+                                    <p:anim calcmode="lin" valueType="num">
+                                      <p:cBhvr additive="base">
+                                        <p:cTn id="8" dur="500" fill="hold"/>
+                                        <p:tgtEl>
+                                          <p:spTgt spid="4"/>
+                                        </p:tgtEl>
+                                        <p:attrNameLst>
+                                          <p:attrName>ppt_y</p:attrName>
+                                        </p:attrNameLst>
+                                      </p:cBhvr>
+                                      <p:tavLst>
+                                        <p:tav tm="0">
+                                          <p:val>
+                                            <p:strVal val="1+#ppt_h/2"/>
+                                          </p:val>
+                                        </p:tav>
+                                        <p:tav tm="100000">
+                                          <p:val>
+                                            <p:strVal val="#ppt_y"/>
+                                          </p:val>
+                                        </p:tav>
+                                      </p:tavLst>
+                                    </p:anim>
+                                  </p:childTnLst>
+                                </p:cTn>
+                              </p:par>
+                            </p:childTnLst>
+                          </p:cTn>
+                        </p:par>
+                        <p:par>
+                          <p:cTn id="9" fill="hold">
+                            <p:stCondLst>
+                              <p:cond delay="500"/>
+                            </p:stCondLst>
+                            <p:childTnLst>
+                              <p:par>
+                                <p:cTn id="10" presetID="2" presetClass="entr" presetSubtype="4" fill="hold" grpId="0" nodeType="afterEffect">
+                                  <p:stCondLst>
+                                    <p:cond delay="0"/>
+                                  </p:stCondLst>
+                                  <p:childTnLst>
+                                    <p:set>
+                                      <p:cBhvr>
+                                        <p:cTn id="11" dur="1" fill="hold">
+                                          <p:stCondLst>
+                                            <p:cond delay="0"/>
+                                          </p:stCondLst>
+                                        </p:cTn>
+                                        <p:tgtEl>
+                                          <p:spTgt spid="7"/>
+                                        </p:tgtEl>
+                                        <p:attrNameLst>
+                                          <p:attrName>style.visibility</p:attrName>
+                                        </p:attrNameLst>
+                                      </p:cBhvr>
+                                      <p:to>
+                                        <p:strVal val="visible"/>
+                                      </p:to>
+                                    </p:set>
+                                    <p:anim calcmode="lin" valueType="num">
+                                      <p:cBhvr additive="base">
+                                        <p:cTn id="12" dur="500" fill="hold"/>
+                                        <p:tgtEl>
+                                          <p:spTgt spid="7"/>
+                                        </p:tgtEl>
+                                        <p:attrNameLst>
+                                          <p:attrName>ppt_x</p:attrName>
+                                        </p:attrNameLst>
+                                      </p:cBhvr>
+                                      <p:tavLst>
+                                        <p:tav tm="0">
+                                          <p:val>
+                                            <p:strVal val="#ppt_x"/>
+                                          </p:val>
+                                        </p:tav>
+                                        <p:tav tm="100000">
+                                          <p:val>
+                                            <p:strVal val="#ppt_x"/>
+                                          </p:val>
+                                        </p:tav>
+                                      </p:tavLst>
+                                    </p:anim>
+                                    <p:anim calcmode="lin" valueType="num">
+                                      <p:cBhvr additive="base">
+                                        <p:cTn id="13" dur="500" fill="hold"/>
+                                        <p:tgtEl>
+                                          <p:spTgt spid="7"/>
+                                        </p:tgtEl>
+                                        <p:attrNameLst>
+                                          <p:attrName>ppt_y</p:attrName>
+                                        </p:attrNameLst>
+                                      </p:cBhvr>
+                                      <p:tavLst>
+                                        <p:tav tm="0">
+                                          <p:val>
+                                            <p:strVal val="1+#ppt_h/2"/>
+                                          </p:val>
+                                        </p:tav>
+                                        <p:tav tm="100000">
+                                          <p:val>
+                                            <p:strVal val="#ppt_y"/>
+                                          </p:val>
+                                        </p:tav>
+                                      </p:tavLst>
+                                    </p:anim>
+                                  </p:childTnLst>
+                                </p:cTn>
+                              </p:par>
+                            </p:childTnLst>
+                          </p:cTn>
+                        </p:par>
+                      </p:childTnLst>
+                    </p:cTn>
+                  </p:par>
+                  <p:par>
+                    <p:cTn id="14" fill="hold">
+                      <p:stCondLst>
+                        <p:cond delay="indefinite"/>
+                      </p:stCondLst>
+                      <p:childTnLst>
+                        <p:par>
+                          <p:cTn id="15" fill="hold">
+                            <p:stCondLst>
+                              <p:cond delay="0"/>
+                            </p:stCondLst>
+                            <p:childTnLst>
+                              <p:par>
+                                <p:cTn id="16" presetID="2" presetClass="entr" presetSubtype="4" fill="hold" nodeType="clickEffect">
+                                  <p:stCondLst>
+                                    <p:cond delay="0"/>
+                                  </p:stCondLst>
+                                  <p:childTnLst>
+                                    <p:set>
+                                      <p:cBhvr>
+                                        <p:cTn id="17" dur="1" fill="hold">
+                                          <p:stCondLst>
+                                            <p:cond delay="0"/>
+                                          </p:stCondLst>
+                                        </p:cTn>
+                                        <p:tgtEl>
+                                          <p:spTgt spid="3"/>
+                                        </p:tgtEl>
+                                        <p:attrNameLst>
+                                          <p:attrName>style.visibility</p:attrName>
+                                        </p:attrNameLst>
+                                      </p:cBhvr>
+                                      <p:to>
+                                        <p:strVal val="visible"/>
+                                      </p:to>
+                                    </p:set>
+                                    <p:anim calcmode="lin" valueType="num">
+                                      <p:cBhvr additive="base">
+                                        <p:cTn id="18" dur="500" fill="hold"/>
+                                        <p:tgtEl>
+                                          <p:spTgt spid="3"/>
+                                        </p:tgtEl>
+                                        <p:attrNameLst>
+                                          <p:attrName>ppt_x</p:attrName>
+                                        </p:attrNameLst>
+                                      </p:cBhvr>
+                                      <p:tavLst>
+                                        <p:tav tm="0">
+                                          <p:val>
+                                            <p:strVal val="#ppt_x"/>
+                                          </p:val>
+                                        </p:tav>
+                                        <p:tav tm="100000">
+                                          <p:val>
+                                            <p:strVal val="#ppt_x"/>
+                                          </p:val>
+                                        </p:tav>
+                                      </p:tavLst>
+                                    </p:anim>
+                                    <p:anim calcmode="lin" valueType="num">
+                                      <p:cBhvr additive="base">
+                                        <p:cTn id="19" dur="500" fill="hold"/>
+                                        <p:tgtEl>
+                                          <p:spTgt spid="3"/>
+                                        </p:tgtEl>
+                                        <p:attrNameLst>
+                                          <p:attrName>ppt_y</p:attrName>
+                                        </p:attrNameLst>
+                                      </p:cBhvr>
+                                      <p:tavLst>
+                                        <p:tav tm="0">
+                                          <p:val>
+                                            <p:strVal val="1+#ppt_h/2"/>
+                                          </p:val>
+                                        </p:tav>
+                                        <p:tav tm="100000">
+                                          <p:val>
+                                            <p:strVal val="#ppt_y"/>
+                                          </p:val>
+                                        </p:tav>
+                                      </p:tavLst>
+                                    </p:anim>
+                                  </p:childTnLst>
+                                </p:cTn>
+                              </p:par>
+                            </p:childTnLst>
+                          </p:cTn>
+                        </p:par>
+                        <p:par>
+                          <p:cTn id="20" fill="hold">
+                            <p:stCondLst>
+                              <p:cond delay="500"/>
+                            </p:stCondLst>
+                            <p:childTnLst>
+                              <p:par>
+                                <p:cTn id="21" presetID="2" presetClass="entr" presetSubtype="4" fill="hold" grpId="0" nodeType="afterEffect">
+                                  <p:stCondLst>
+                                    <p:cond delay="0"/>
+                                  </p:stCondLst>
+                                  <p:childTnLst>
+                                    <p:set>
+                                      <p:cBhvr>
+                                        <p:cTn id="22" dur="1" fill="hold">
+                                          <p:stCondLst>
+                                            <p:cond delay="0"/>
+                                          </p:stCondLst>
+                                        </p:cTn>
+                                        <p:tgtEl>
+                                          <p:spTgt spid="6"/>
+                                        </p:tgtEl>
+                                        <p:attrNameLst>
+                                          <p:attrName>style.visibility</p:attrName>
+                                        </p:attrNameLst>
+                                      </p:cBhvr>
+                                      <p:to>
+                                        <p:strVal val="visible"/>
+                                      </p:to>
+                                    </p:set>
+                                    <p:anim calcmode="lin" valueType="num">
+                                      <p:cBhvr additive="base">
+                                        <p:cTn id="23" dur="500" fill="hold"/>
+                                        <p:tgtEl>
+                                          <p:spTgt spid="6"/>
+                                        </p:tgtEl>
+                                        <p:attrNameLst>
+                                          <p:attrName>ppt_x</p:attrName>
+                                        </p:attrNameLst>
+                                      </p:cBhvr>
+                                      <p:tavLst>
+                                        <p:tav tm="0">
+                                          <p:val>
+                                            <p:strVal val="#ppt_x"/>
+                                          </p:val>
+                                        </p:tav>
+                                        <p:tav tm="100000">
+                                          <p:val>
+                                            <p:strVal val="#ppt_x"/>
+                                          </p:val>
+                                        </p:tav>
+                                      </p:tavLst>
+                                    </p:anim>
+                                    <p:anim calcmode="lin" valueType="num">
+                                      <p:cBhvr additive="base">
+                                        <p:cTn id="24" dur="500" fill="hold"/>
+                                        <p:tgtEl>
+                                          <p:spTgt spid="6"/>
+                                        </p:tgtEl>
+                                        <p:attrNameLst>
+                                          <p:attrName>ppt_y</p:attrName>
+                                        </p:attrNameLst>
+                                      </p:cBhvr>
+                                      <p:tavLst>
+                                        <p:tav tm="0">
+                                          <p:val>
+                                            <p:strVal val="1+#ppt_h/2"/>
+                                          </p:val>
+                                        </p:tav>
+                                        <p:tav tm="100000">
+                                          <p:val>
+                                            <p:strVal val="#ppt_y"/>
+                                          </p:val>
+                                        </p:tav>
+                                      </p:tavLst>
+                                    </p:anim>
+                                  </p:childTnLst>
+                                </p:cTn>
+                              </p:par>
+                            </p:childTnLst>
+                          </p:cTn>
+                        </p:par>
+                      </p:childTnLst>
+                    </p:cTn>
+                  </p:par>
+                </p:childTnLst>
+              </p:cTn>
+              <p:prevCondLst>
+                <p:cond evt="onPrev" delay="0">
+                  <p:tgtEl>
+                    <p:sldTgt/>
+                  </p:tgtEl>
+                </p:cond>
+              </p:prevCondLst>
+              <p:nextCondLst>
+                <p:cond evt="onNext" delay="0">
+                  <p:tgtEl>
+                    <p:sldTgt/>
+                  </p:tgtEl>
+                </p:cond>
+              </p:nextCondLst>
+            </p:seq>
+          </p:childTnLst>
+        </p:cTn>
+      </p:par>
+    </p:tnLst>
+    <p:bldLst>
+      <p:bldP spid="6" grpId="0"/>
+      <p:bldP spid="7" grpId="0"/>
+    </p:bldLst>
+  </p:timing>
 </p:sld>
 </file>
 
 <file path=ppt/slides/slide3.xml><?xml version="1.0" encoding="utf-8"?>
+<p:sld xmlns:a="http://schemas.openxmlformats.org/drawingml/2006/main" xmlns:r="http://schemas.openxmlformats.org/officeDocument/2006/relationships" xmlns:p="http://schemas.openxmlformats.org/presentationml/2006/main">
+  <p:cSld>
+    <p:spTree>
+      <p:nvGrpSpPr>
+        <p:cNvPr id="1" name=""/>
+        <p:cNvGrpSpPr/>
+        <p:nvPr/>
+      </p:nvGrpSpPr>
+      <p:grpSpPr>
+        <a:xfrm>
+          <a:off x="0" y="0"/>
+          <a:ext cx="0" cy="0"/>
+          <a:chOff x="0" y="0"/>
+          <a:chExt cx="0" cy="0"/>
+        </a:xfrm>
+      </p:grpSpPr>
+      <p:sp>
+        <p:nvSpPr>
+          <p:cNvPr id="2" name="Заголовок 1">
+            <a:extLst>
+              <a:ext uri="{FF2B5EF4-FFF2-40B4-BE49-F238E27FC236}">
+                <a16:creationId xmlns:a16="http://schemas.microsoft.com/office/drawing/2014/main" id="{88A21E48-9168-1CE8-F65D-936A8D3AE927}"/>
+              </a:ext>
+            </a:extLst>
+          </p:cNvPr>
+          <p:cNvSpPr>
+            <a:spLocks noGrp="1"/>
+          </p:cNvSpPr>
+          <p:nvPr>
+            <p:ph type="title"/>
+          </p:nvPr>
+        </p:nvSpPr>
+        <p:spPr>
+          <a:xfrm>
+            <a:off x="762000" y="401053"/>
+            <a:ext cx="10668000" cy="1524000"/>
+          </a:xfrm>
+        </p:spPr>
+        <p:txBody>
+          <a:bodyPr/>
+          <a:lstStyle/>
+          <a:p>
+            <a:r>
+              <a:rPr lang="ru-RU" dirty="0">
+                <a:solidFill>
+                  <a:schemeClr val="accent1">
+                    <a:lumMod val="40000"/>
+                    <a:lumOff val="60000"/>
+                  </a:schemeClr>
+                </a:solidFill>
+              </a:rPr>
+              <a:t>Метод угловых коэффициентов</a:t>
+            </a:r>
+          </a:p>
+        </p:txBody>
+      </p:sp>
+      <p:graphicFrame>
+        <p:nvGraphicFramePr>
+          <p:cNvPr id="9" name="Объект 5">
+            <a:extLst>
+              <a:ext uri="{FF2B5EF4-FFF2-40B4-BE49-F238E27FC236}">
+                <a16:creationId xmlns:a16="http://schemas.microsoft.com/office/drawing/2014/main" id="{C0F0FB0C-B8DD-A899-C7B3-91AE3DC29FA9}"/>
+              </a:ext>
+            </a:extLst>
+          </p:cNvPr>
+          <p:cNvGraphicFramePr>
+            <a:graphicFrameLocks noGrp="1"/>
+          </p:cNvGraphicFramePr>
+          <p:nvPr>
+            <p:ph idx="1"/>
+            <p:extLst>
+              <p:ext uri="{D42A27DB-BD31-4B8C-83A1-F6EECF244321}">
+                <p14:modId xmlns:p14="http://schemas.microsoft.com/office/powerpoint/2010/main" val="3267247371"/>
+              </p:ext>
+            </p:extLst>
+          </p:nvPr>
+        </p:nvGraphicFramePr>
+        <p:xfrm>
+          <a:off x="-2968324" y="2753895"/>
+          <a:ext cx="10668000" cy="3818083"/>
+        </p:xfrm>
+        <a:graphic>
+          <a:graphicData uri="http://schemas.openxmlformats.org/drawingml/2006/diagram">
+            <dgm:relIds xmlns:dgm="http://schemas.openxmlformats.org/drawingml/2006/diagram" xmlns:r="http://schemas.openxmlformats.org/officeDocument/2006/relationships" r:dm="rId2" r:lo="rId3" r:qs="rId4" r:cs="rId5"/>
+          </a:graphicData>
+        </a:graphic>
+      </p:graphicFrame>
+      <p:pic>
+        <p:nvPicPr>
+          <p:cNvPr id="7" name="Рисунок 6">
+            <a:extLst>
+              <a:ext uri="{FF2B5EF4-FFF2-40B4-BE49-F238E27FC236}">
+                <a16:creationId xmlns:a16="http://schemas.microsoft.com/office/drawing/2014/main" id="{A899970B-5EA2-8534-FE82-F0ECE1FE4AC7}"/>
+              </a:ext>
+            </a:extLst>
+          </p:cNvPr>
+          <p:cNvPicPr>
+            <a:picLocks noChangeAspect="1"/>
+          </p:cNvPicPr>
+          <p:nvPr/>
+        </p:nvPicPr>
+        <p:blipFill>
+          <a:blip r:embed="rId7"/>
+          <a:stretch>
+            <a:fillRect/>
+          </a:stretch>
+        </p:blipFill>
+        <p:spPr>
+          <a:xfrm>
+            <a:off x="556293" y="1925623"/>
+            <a:ext cx="3609139" cy="829843"/>
+          </a:xfrm>
+          <a:prstGeom prst="rect">
+            <a:avLst/>
+          </a:prstGeom>
+        </p:spPr>
+      </p:pic>
+      <p:pic>
+        <p:nvPicPr>
+          <p:cNvPr id="17" name="Рисунок 16" descr="Изображение выглядит как Шрифт, текст, линия, белый&#10;&#10;Автоматически созданное описание">
+            <a:extLst>
+              <a:ext uri="{FF2B5EF4-FFF2-40B4-BE49-F238E27FC236}">
+                <a16:creationId xmlns:a16="http://schemas.microsoft.com/office/drawing/2014/main" id="{418CDBE3-BA12-27AC-D574-D1A327B2B1EC}"/>
+              </a:ext>
+            </a:extLst>
+          </p:cNvPr>
+          <p:cNvPicPr>
+            <a:picLocks noChangeAspect="1"/>
+          </p:cNvPicPr>
+          <p:nvPr/>
+        </p:nvPicPr>
+        <p:blipFill>
+          <a:blip r:embed="rId8"/>
+          <a:stretch>
+            <a:fillRect/>
+          </a:stretch>
+        </p:blipFill>
+        <p:spPr>
+          <a:xfrm>
+            <a:off x="8412480" y="1930224"/>
+            <a:ext cx="3012707" cy="818500"/>
+          </a:xfrm>
+          <a:prstGeom prst="rect">
+            <a:avLst/>
+          </a:prstGeom>
+        </p:spPr>
+      </p:pic>
+      <p:pic>
+        <p:nvPicPr>
+          <p:cNvPr id="18" name="Рисунок 17" descr="Изображение выглядит как Шрифт, белый, текст, типография&#10;&#10;Автоматически созданное описание">
+            <a:extLst>
+              <a:ext uri="{FF2B5EF4-FFF2-40B4-BE49-F238E27FC236}">
+                <a16:creationId xmlns:a16="http://schemas.microsoft.com/office/drawing/2014/main" id="{63BEA4D4-1146-7F7A-8C59-E99535C826BC}"/>
+              </a:ext>
+            </a:extLst>
+          </p:cNvPr>
+          <p:cNvPicPr>
+            <a:picLocks noChangeAspect="1"/>
+          </p:cNvPicPr>
+          <p:nvPr/>
+        </p:nvPicPr>
+        <p:blipFill>
+          <a:blip r:embed="rId9"/>
+          <a:stretch>
+            <a:fillRect/>
+          </a:stretch>
+        </p:blipFill>
+        <p:spPr>
+          <a:xfrm>
+            <a:off x="4728144" y="1925228"/>
+            <a:ext cx="3089709" cy="818332"/>
+          </a:xfrm>
+          <a:prstGeom prst="rect">
+            <a:avLst/>
+          </a:prstGeom>
+        </p:spPr>
+      </p:pic>
+      <p:sp>
+        <p:nvSpPr>
+          <p:cNvPr id="23" name="Прямоугольник: скругленные углы 22">
+            <a:extLst>
+              <a:ext uri="{FF2B5EF4-FFF2-40B4-BE49-F238E27FC236}">
+                <a16:creationId xmlns:a16="http://schemas.microsoft.com/office/drawing/2014/main" id="{BB919C4D-60D2-C2BC-2027-372BB8A2207A}"/>
+              </a:ext>
+            </a:extLst>
+          </p:cNvPr>
+          <p:cNvSpPr/>
+          <p:nvPr/>
+        </p:nvSpPr>
+        <p:spPr>
+          <a:xfrm>
+            <a:off x="4724400" y="2758440"/>
+            <a:ext cx="3088640" cy="1178560"/>
+          </a:xfrm>
+          <a:prstGeom prst="roundRect">
+            <a:avLst/>
+          </a:prstGeom>
+          <a:ln w="28575">
+            <a:solidFill>
+              <a:schemeClr val="tx1"/>
+            </a:solidFill>
+          </a:ln>
+        </p:spPr>
+        <p:style>
+          <a:lnRef idx="2">
+            <a:schemeClr val="accent1">
+              <a:shade val="15000"/>
+            </a:schemeClr>
+          </a:lnRef>
+          <a:fillRef idx="1">
+            <a:schemeClr val="accent1"/>
+          </a:fillRef>
+          <a:effectRef idx="0">
+            <a:schemeClr val="accent1"/>
+          </a:effectRef>
+          <a:fontRef idx="minor">
+            <a:schemeClr val="lt1"/>
+          </a:fontRef>
+        </p:style>
+        <p:txBody>
+          <a:bodyPr rtlCol="0" anchor="ctr"/>
+          <a:lstStyle/>
+          <a:p>
+            <a:pPr algn="ctr"/>
+            <a:r>
+              <a:rPr lang="ru-RU" sz="2000" b="1" err="1"/>
+              <a:t>q_j</a:t>
+            </a:r>
+            <a:r>
+              <a:rPr lang="ru-RU" sz="2000" dirty="0"/>
+              <a:t> - </a:t>
+            </a:r>
+            <a:r>
+              <a:rPr lang="ru-RU" sz="2000" dirty="0">
+                <a:ea typeface="+mn-lt"/>
+                <a:cs typeface="+mn-lt"/>
+              </a:rPr>
+              <a:t>плотность потока молекул, покидающих площадку </a:t>
+            </a:r>
+            <a:r>
+              <a:rPr lang="ru-RU" sz="2000" i="1" err="1">
+                <a:ea typeface="+mn-lt"/>
+                <a:cs typeface="+mn-lt"/>
+              </a:rPr>
+              <a:t>dF_j</a:t>
+            </a:r>
+            <a:endParaRPr lang="ru-RU" sz="2000" i="1" err="1"/>
+          </a:p>
+        </p:txBody>
+      </p:sp>
+      <p:sp>
+        <p:nvSpPr>
+          <p:cNvPr id="51" name="Прямоугольник: скругленные углы 50">
+            <a:extLst>
+              <a:ext uri="{FF2B5EF4-FFF2-40B4-BE49-F238E27FC236}">
+                <a16:creationId xmlns:a16="http://schemas.microsoft.com/office/drawing/2014/main" id="{7E322966-6057-B263-9C44-2F4C6A29DC03}"/>
+              </a:ext>
+            </a:extLst>
+          </p:cNvPr>
+          <p:cNvSpPr/>
+          <p:nvPr/>
+        </p:nvSpPr>
+        <p:spPr>
+          <a:xfrm>
+            <a:off x="4719320" y="4013200"/>
+            <a:ext cx="3088640" cy="2489200"/>
+          </a:xfrm>
+          <a:prstGeom prst="roundRect">
+            <a:avLst/>
+          </a:prstGeom>
+          <a:ln w="28575">
+            <a:solidFill>
+              <a:schemeClr val="tx1"/>
+            </a:solidFill>
+          </a:ln>
+        </p:spPr>
+        <p:style>
+          <a:lnRef idx="2">
+            <a:schemeClr val="accent1">
+              <a:shade val="15000"/>
+            </a:schemeClr>
+          </a:lnRef>
+          <a:fillRef idx="1">
+            <a:schemeClr val="accent1"/>
+          </a:fillRef>
+          <a:effectRef idx="0">
+            <a:schemeClr val="accent1"/>
+          </a:effectRef>
+          <a:fontRef idx="minor">
+            <a:schemeClr val="lt1"/>
+          </a:fontRef>
+        </p:style>
+        <p:txBody>
+          <a:bodyPr lIns="91440" tIns="45720" rIns="91440" bIns="45720" rtlCol="0" anchor="ctr"/>
+          <a:lstStyle/>
+          <a:p>
+            <a:pPr algn="ctr"/>
+            <a:r>
+              <a:rPr lang="ru-RU" sz="2000" b="1" dirty="0" err="1"/>
+              <a:t>dφ</a:t>
+            </a:r>
+            <a:r>
+              <a:rPr lang="ru-RU" sz="2000" b="1" dirty="0" err="1">
+                <a:ea typeface="+mn-lt"/>
+                <a:cs typeface="+mn-lt"/>
+              </a:rPr>
+              <a:t>_d</a:t>
+            </a:r>
+            <a:r>
+              <a:rPr lang="ru-RU" sz="2000" b="1" dirty="0">
+                <a:ea typeface="+mn-lt"/>
+                <a:cs typeface="+mn-lt"/>
+              </a:rPr>
+              <a:t>(</a:t>
+            </a:r>
+            <a:r>
+              <a:rPr lang="ru-RU" sz="2000" b="1" dirty="0" err="1">
+                <a:ea typeface="+mn-lt"/>
+                <a:cs typeface="+mn-lt"/>
+              </a:rPr>
+              <a:t>Fj</a:t>
+            </a:r>
+            <a:r>
+              <a:rPr lang="ru-RU" sz="2000" b="1" dirty="0">
+                <a:ea typeface="+mn-lt"/>
+                <a:cs typeface="+mn-lt"/>
+              </a:rPr>
+              <a:t>)-d(Fi) - </a:t>
+            </a:r>
+            <a:r>
+              <a:rPr lang="ru-RU" sz="2000" dirty="0">
+                <a:ea typeface="+mn-lt"/>
+                <a:cs typeface="+mn-lt"/>
+              </a:rPr>
+              <a:t>вероятность попадания молекул газа с элементарной площадки </a:t>
+            </a:r>
+            <a:r>
+              <a:rPr lang="ru-RU" sz="2000" i="1" dirty="0" err="1">
+                <a:ea typeface="+mn-lt"/>
+                <a:cs typeface="+mn-lt"/>
+              </a:rPr>
+              <a:t>dF_j</a:t>
+            </a:r>
+            <a:r>
+              <a:rPr lang="ru-RU" sz="2000" dirty="0">
+                <a:ea typeface="+mn-lt"/>
+                <a:cs typeface="+mn-lt"/>
+              </a:rPr>
+              <a:t> на </a:t>
+            </a:r>
+            <a:r>
+              <a:rPr lang="ru-RU" sz="2000" i="1" dirty="0" err="1">
+                <a:ea typeface="+mn-lt"/>
+                <a:cs typeface="+mn-lt"/>
+              </a:rPr>
+              <a:t>dF_i</a:t>
+            </a:r>
+            <a:endParaRPr lang="ru-RU" sz="2000" i="1" dirty="0" err="1"/>
+          </a:p>
+        </p:txBody>
+      </p:sp>
+      <p:sp>
+        <p:nvSpPr>
+          <p:cNvPr id="84" name="Прямоугольник: скругленные углы 83">
+            <a:extLst>
+              <a:ext uri="{FF2B5EF4-FFF2-40B4-BE49-F238E27FC236}">
+                <a16:creationId xmlns:a16="http://schemas.microsoft.com/office/drawing/2014/main" id="{3EF70AAF-0A5A-8961-3AB6-F51A2DA7480D}"/>
+              </a:ext>
+            </a:extLst>
+          </p:cNvPr>
+          <p:cNvSpPr/>
+          <p:nvPr/>
+        </p:nvSpPr>
+        <p:spPr>
+          <a:xfrm>
+            <a:off x="8407400" y="2799080"/>
+            <a:ext cx="3017520" cy="1991360"/>
+          </a:xfrm>
+          <a:prstGeom prst="roundRect">
+            <a:avLst/>
+          </a:prstGeom>
+          <a:ln w="28575">
+            <a:solidFill>
+              <a:schemeClr val="tx1"/>
+            </a:solidFill>
+          </a:ln>
+        </p:spPr>
+        <p:style>
+          <a:lnRef idx="2">
+            <a:schemeClr val="accent1">
+              <a:shade val="15000"/>
+            </a:schemeClr>
+          </a:lnRef>
+          <a:fillRef idx="1">
+            <a:schemeClr val="accent1"/>
+          </a:fillRef>
+          <a:effectRef idx="0">
+            <a:schemeClr val="accent1"/>
+          </a:effectRef>
+          <a:fontRef idx="minor">
+            <a:schemeClr val="lt1"/>
+          </a:fontRef>
+        </p:style>
+        <p:txBody>
+          <a:bodyPr rtlCol="0" anchor="ctr"/>
+          <a:lstStyle/>
+          <a:p>
+            <a:pPr algn="ctr"/>
+            <a:r>
+              <a:rPr lang="ru-RU" sz="2000" b="1" err="1">
+                <a:ea typeface="+mn-lt"/>
+                <a:cs typeface="+mn-lt"/>
+              </a:rPr>
+              <a:t>Ψ_j</a:t>
+            </a:r>
+            <a:r>
+              <a:rPr lang="ru-RU" sz="2000" b="1" dirty="0">
+                <a:ea typeface="+mn-lt"/>
+                <a:cs typeface="+mn-lt"/>
+              </a:rPr>
+              <a:t> - </a:t>
+            </a:r>
+            <a:r>
+              <a:rPr lang="ru-RU" sz="2000" dirty="0">
+                <a:ea typeface="+mn-lt"/>
+                <a:cs typeface="+mn-lt"/>
+              </a:rPr>
+              <a:t>угол между нормалью к площадке </a:t>
+            </a:r>
+            <a:r>
+              <a:rPr lang="ru-RU" sz="2000" i="1" err="1">
+                <a:ea typeface="+mn-lt"/>
+                <a:cs typeface="+mn-lt"/>
+              </a:rPr>
+              <a:t>dF_j</a:t>
+            </a:r>
+            <a:r>
+              <a:rPr lang="ru-RU" sz="2000" i="1" dirty="0">
+                <a:ea typeface="+mn-lt"/>
+                <a:cs typeface="+mn-lt"/>
+              </a:rPr>
+              <a:t> </a:t>
+            </a:r>
+            <a:r>
+              <a:rPr lang="ru-RU" sz="2000" dirty="0">
+                <a:ea typeface="+mn-lt"/>
+                <a:cs typeface="+mn-lt"/>
+              </a:rPr>
+              <a:t>и линией, соединяющей центры площадок </a:t>
+            </a:r>
+            <a:r>
+              <a:rPr lang="ru-RU" sz="2000" i="1" err="1">
+                <a:ea typeface="+mn-lt"/>
+                <a:cs typeface="+mn-lt"/>
+              </a:rPr>
+              <a:t>dF_i</a:t>
+            </a:r>
+            <a:r>
+              <a:rPr lang="ru-RU" sz="2000" dirty="0">
+                <a:ea typeface="+mn-lt"/>
+                <a:cs typeface="+mn-lt"/>
+              </a:rPr>
+              <a:t> и </a:t>
+            </a:r>
+            <a:r>
+              <a:rPr lang="ru-RU" sz="2000" i="1" err="1">
+                <a:ea typeface="+mn-lt"/>
+                <a:cs typeface="+mn-lt"/>
+              </a:rPr>
+              <a:t>dF_j</a:t>
+            </a:r>
+            <a:endParaRPr lang="ru-RU" sz="2000" i="1" err="1"/>
+          </a:p>
+        </p:txBody>
+      </p:sp>
+      <p:sp>
+        <p:nvSpPr>
+          <p:cNvPr id="85" name="Прямоугольник: скругленные углы 84">
+            <a:extLst>
+              <a:ext uri="{FF2B5EF4-FFF2-40B4-BE49-F238E27FC236}">
+                <a16:creationId xmlns:a16="http://schemas.microsoft.com/office/drawing/2014/main" id="{1CF6F415-8E89-6B2E-2099-67D2A152EAE6}"/>
+              </a:ext>
+            </a:extLst>
+          </p:cNvPr>
+          <p:cNvSpPr/>
+          <p:nvPr/>
+        </p:nvSpPr>
+        <p:spPr>
+          <a:xfrm>
+            <a:off x="8412480" y="4851400"/>
+            <a:ext cx="3007360" cy="1645920"/>
+          </a:xfrm>
+          <a:prstGeom prst="roundRect">
+            <a:avLst/>
+          </a:prstGeom>
+          <a:ln w="28575">
+            <a:solidFill>
+              <a:schemeClr val="tx1"/>
+            </a:solidFill>
+          </a:ln>
+        </p:spPr>
+        <p:style>
+          <a:lnRef idx="2">
+            <a:schemeClr val="accent1">
+              <a:shade val="15000"/>
+            </a:schemeClr>
+          </a:lnRef>
+          <a:fillRef idx="1">
+            <a:schemeClr val="accent1"/>
+          </a:fillRef>
+          <a:effectRef idx="0">
+            <a:schemeClr val="accent1"/>
+          </a:effectRef>
+          <a:fontRef idx="minor">
+            <a:schemeClr val="lt1"/>
+          </a:fontRef>
+        </p:style>
+        <p:txBody>
+          <a:bodyPr rtlCol="0" anchor="ctr"/>
+          <a:lstStyle/>
+          <a:p>
+            <a:pPr algn="ctr"/>
+            <a:r>
+              <a:rPr lang="ru-RU" sz="2000" b="1" dirty="0">
+                <a:ea typeface="+mn-lt"/>
+                <a:cs typeface="+mn-lt"/>
+              </a:rPr>
+              <a:t>r </a:t>
+            </a:r>
+            <a:r>
+              <a:rPr lang="ru-RU" sz="2000" dirty="0">
+                <a:ea typeface="+mn-lt"/>
+                <a:cs typeface="+mn-lt"/>
+              </a:rPr>
+              <a:t>- расстояние между центрами площадок </a:t>
+            </a:r>
+            <a:r>
+              <a:rPr lang="ru-RU" sz="2000" i="1" err="1">
+                <a:ea typeface="+mn-lt"/>
+                <a:cs typeface="+mn-lt"/>
+              </a:rPr>
+              <a:t>dF_i</a:t>
+            </a:r>
+            <a:r>
+              <a:rPr lang="ru-RU" sz="2000" dirty="0">
+                <a:ea typeface="+mn-lt"/>
+                <a:cs typeface="+mn-lt"/>
+              </a:rPr>
+              <a:t> и </a:t>
+            </a:r>
+            <a:r>
+              <a:rPr lang="ru-RU" sz="2000" i="1" err="1">
+                <a:ea typeface="+mn-lt"/>
+                <a:cs typeface="+mn-lt"/>
+              </a:rPr>
+              <a:t>dF_j</a:t>
+            </a:r>
+            <a:endParaRPr lang="ru-RU" sz="2000" err="1">
+              <a:ea typeface="+mn-lt"/>
+              <a:cs typeface="+mn-lt"/>
+            </a:endParaRPr>
+          </a:p>
+          <a:p>
+            <a:pPr algn="ctr"/>
+            <a:endParaRPr lang="ru-RU" dirty="0"/>
+          </a:p>
+        </p:txBody>
+      </p:sp>
+    </p:spTree>
+    <p:extLst>
+      <p:ext uri="{BB962C8B-B14F-4D97-AF65-F5344CB8AC3E}">
+        <p14:creationId xmlns:p14="http://schemas.microsoft.com/office/powerpoint/2010/main" val="1571538001"/>
+      </p:ext>
+    </p:extLst>
+  </p:cSld>
+  <p:clrMapOvr>
+    <a:masterClrMapping/>
+  </p:clrMapOvr>
+  <p:timing>
+    <p:tnLst>
+      <p:par>
+        <p:cTn id="1" dur="indefinite" restart="never" nodeType="tmRoot">
+          <p:childTnLst>
+            <p:seq concurrent="1" nextAc="seek">
+              <p:cTn id="2" dur="indefinite" nodeType="mainSeq">
+                <p:childTnLst>
+                  <p:par>
+                    <p:cTn id="3" fill="hold">
+                      <p:stCondLst>
+                        <p:cond delay="indefinite"/>
+                      </p:stCondLst>
+                      <p:childTnLst>
+                        <p:par>
+                          <p:cTn id="4" fill="hold">
+                            <p:stCondLst>
+                              <p:cond delay="0"/>
+                            </p:stCondLst>
+                            <p:childTnLst>
+                              <p:par>
+                                <p:cTn id="5" presetID="2" presetClass="entr" presetSubtype="4" fill="hold" nodeType="clickEffect">
+                                  <p:stCondLst>
+                                    <p:cond delay="0"/>
+                                  </p:stCondLst>
+                                  <p:childTnLst>
+                                    <p:set>
+                                      <p:cBhvr>
+                                        <p:cTn id="6" dur="1" fill="hold">
+                                          <p:stCondLst>
+                                            <p:cond delay="0"/>
+                                          </p:stCondLst>
+                                        </p:cTn>
+                                        <p:tgtEl>
+                                          <p:spTgt spid="7"/>
+                                        </p:tgtEl>
+                                        <p:attrNameLst>
+                                          <p:attrName>style.visibility</p:attrName>
+                                        </p:attrNameLst>
+                                      </p:cBhvr>
+                                      <p:to>
+                                        <p:strVal val="visible"/>
+                                      </p:to>
+                                    </p:set>
+                                    <p:anim calcmode="lin" valueType="num">
+                                      <p:cBhvr additive="base">
+                                        <p:cTn id="7" dur="500" fill="hold"/>
+                                        <p:tgtEl>
+                                          <p:spTgt spid="7"/>
+                                        </p:tgtEl>
+                                        <p:attrNameLst>
+                                          <p:attrName>ppt_x</p:attrName>
+                                        </p:attrNameLst>
+                                      </p:cBhvr>
+                                      <p:tavLst>
+                                        <p:tav tm="0">
+                                          <p:val>
+                                            <p:strVal val="#ppt_x"/>
+                                          </p:val>
+                                        </p:tav>
+                                        <p:tav tm="100000">
+                                          <p:val>
+                                            <p:strVal val="#ppt_x"/>
+                                          </p:val>
+                                        </p:tav>
+                                      </p:tavLst>
+                                    </p:anim>
+                                    <p:anim calcmode="lin" valueType="num">
+                                      <p:cBhvr additive="base">
+                                        <p:cTn id="8" dur="500" fill="hold"/>
+                                        <p:tgtEl>
+                                          <p:spTgt spid="7"/>
+                                        </p:tgtEl>
+                                        <p:attrNameLst>
+                                          <p:attrName>ppt_y</p:attrName>
+                                        </p:attrNameLst>
+                                      </p:cBhvr>
+                                      <p:tavLst>
+                                        <p:tav tm="0">
+                                          <p:val>
+                                            <p:strVal val="1+#ppt_h/2"/>
+                                          </p:val>
+                                        </p:tav>
+                                        <p:tav tm="100000">
+                                          <p:val>
+                                            <p:strVal val="#ppt_y"/>
+                                          </p:val>
+                                        </p:tav>
+                                      </p:tavLst>
+                                    </p:anim>
+                                  </p:childTnLst>
+                                </p:cTn>
+                              </p:par>
+                            </p:childTnLst>
+                          </p:cTn>
+                        </p:par>
+                        <p:par>
+                          <p:cTn id="9" fill="hold">
+                            <p:stCondLst>
+                              <p:cond delay="500"/>
+                            </p:stCondLst>
+                            <p:childTnLst>
+                              <p:par>
+                                <p:cTn id="10" presetID="2" presetClass="entr" presetSubtype="4" fill="hold" grpId="0" nodeType="afterEffect">
+                                  <p:stCondLst>
+                                    <p:cond delay="0"/>
+                                  </p:stCondLst>
+                                  <p:childTnLst>
+                                    <p:set>
+                                      <p:cBhvr>
+                                        <p:cTn id="11" dur="1" fill="hold">
+                                          <p:stCondLst>
+                                            <p:cond delay="0"/>
+                                          </p:stCondLst>
+                                        </p:cTn>
+                                        <p:tgtEl>
+                                          <p:spTgt spid="9"/>
+                                        </p:tgtEl>
+                                        <p:attrNameLst>
+                                          <p:attrName>style.visibility</p:attrName>
+                                        </p:attrNameLst>
+                                      </p:cBhvr>
+                                      <p:to>
+                                        <p:strVal val="visible"/>
+                                      </p:to>
+                                    </p:set>
+                                    <p:anim calcmode="lin" valueType="num">
+                                      <p:cBhvr additive="base">
+                                        <p:cTn id="12" dur="500" fill="hold"/>
+                                        <p:tgtEl>
+                                          <p:spTgt spid="9"/>
+                                        </p:tgtEl>
+                                        <p:attrNameLst>
+                                          <p:attrName>ppt_x</p:attrName>
+                                        </p:attrNameLst>
+                                      </p:cBhvr>
+                                      <p:tavLst>
+                                        <p:tav tm="0">
+                                          <p:val>
+                                            <p:strVal val="#ppt_x"/>
+                                          </p:val>
+                                        </p:tav>
+                                        <p:tav tm="100000">
+                                          <p:val>
+                                            <p:strVal val="#ppt_x"/>
+                                          </p:val>
+                                        </p:tav>
+                                      </p:tavLst>
+                                    </p:anim>
+                                    <p:anim calcmode="lin" valueType="num">
+                                      <p:cBhvr additive="base">
+                                        <p:cTn id="13" dur="500" fill="hold"/>
+                                        <p:tgtEl>
+                                          <p:spTgt spid="9"/>
+                                        </p:tgtEl>
+                                        <p:attrNameLst>
+                                          <p:attrName>ppt_y</p:attrName>
+                                        </p:attrNameLst>
+                                      </p:cBhvr>
+                                      <p:tavLst>
+                                        <p:tav tm="0">
+                                          <p:val>
+                                            <p:strVal val="1+#ppt_h/2"/>
+                                          </p:val>
+                                        </p:tav>
+                                        <p:tav tm="100000">
+                                          <p:val>
+                                            <p:strVal val="#ppt_y"/>
+                                          </p:val>
+                                        </p:tav>
+                                      </p:tavLst>
+                                    </p:anim>
+                                  </p:childTnLst>
+                                </p:cTn>
+                              </p:par>
+                            </p:childTnLst>
+                          </p:cTn>
+                        </p:par>
+                      </p:childTnLst>
+                    </p:cTn>
+                  </p:par>
+                  <p:par>
+                    <p:cTn id="14" fill="hold">
+                      <p:stCondLst>
+                        <p:cond delay="indefinite"/>
+                      </p:stCondLst>
+                      <p:childTnLst>
+                        <p:par>
+                          <p:cTn id="15" fill="hold">
+                            <p:stCondLst>
+                              <p:cond delay="0"/>
+                            </p:stCondLst>
+                            <p:childTnLst>
+                              <p:par>
+                                <p:cTn id="16" presetID="2" presetClass="entr" presetSubtype="4" fill="hold" nodeType="clickEffect">
+                                  <p:stCondLst>
+                                    <p:cond delay="0"/>
+                                  </p:stCondLst>
+                                  <p:childTnLst>
+                                    <p:set>
+                                      <p:cBhvr>
+                                        <p:cTn id="17" dur="1" fill="hold">
+                                          <p:stCondLst>
+                                            <p:cond delay="0"/>
+                                          </p:stCondLst>
+                                        </p:cTn>
+                                        <p:tgtEl>
+                                          <p:spTgt spid="18"/>
+                                        </p:tgtEl>
+                                        <p:attrNameLst>
+                                          <p:attrName>style.visibility</p:attrName>
+                                        </p:attrNameLst>
+                                      </p:cBhvr>
+                                      <p:to>
+                                        <p:strVal val="visible"/>
+                                      </p:to>
+                                    </p:set>
+                                    <p:anim calcmode="lin" valueType="num">
+                                      <p:cBhvr additive="base">
+                                        <p:cTn id="18" dur="500" fill="hold"/>
+                                        <p:tgtEl>
+                                          <p:spTgt spid="18"/>
+                                        </p:tgtEl>
+                                        <p:attrNameLst>
+                                          <p:attrName>ppt_x</p:attrName>
+                                        </p:attrNameLst>
+                                      </p:cBhvr>
+                                      <p:tavLst>
+                                        <p:tav tm="0">
+                                          <p:val>
+                                            <p:strVal val="#ppt_x"/>
+                                          </p:val>
+                                        </p:tav>
+                                        <p:tav tm="100000">
+                                          <p:val>
+                                            <p:strVal val="#ppt_x"/>
+                                          </p:val>
+                                        </p:tav>
+                                      </p:tavLst>
+                                    </p:anim>
+                                    <p:anim calcmode="lin" valueType="num">
+                                      <p:cBhvr additive="base">
+                                        <p:cTn id="19" dur="500" fill="hold"/>
+                                        <p:tgtEl>
+                                          <p:spTgt spid="18"/>
+                                        </p:tgtEl>
+                                        <p:attrNameLst>
+                                          <p:attrName>ppt_y</p:attrName>
+                                        </p:attrNameLst>
+                                      </p:cBhvr>
+                                      <p:tavLst>
+                                        <p:tav tm="0">
+                                          <p:val>
+                                            <p:strVal val="1+#ppt_h/2"/>
+                                          </p:val>
+                                        </p:tav>
+                                        <p:tav tm="100000">
+                                          <p:val>
+                                            <p:strVal val="#ppt_y"/>
+                                          </p:val>
+                                        </p:tav>
+                                      </p:tavLst>
+                                    </p:anim>
+                                  </p:childTnLst>
+                                </p:cTn>
+                              </p:par>
+                            </p:childTnLst>
+                          </p:cTn>
+                        </p:par>
+                        <p:par>
+                          <p:cTn id="20" fill="hold">
+                            <p:stCondLst>
+                              <p:cond delay="500"/>
+                            </p:stCondLst>
+                            <p:childTnLst>
+                              <p:par>
+                                <p:cTn id="21" presetID="2" presetClass="entr" presetSubtype="4" fill="hold" grpId="0" nodeType="afterEffect">
+                                  <p:stCondLst>
+                                    <p:cond delay="0"/>
+                                  </p:stCondLst>
+                                  <p:childTnLst>
+                                    <p:set>
+                                      <p:cBhvr>
+                                        <p:cTn id="22" dur="1" fill="hold">
+                                          <p:stCondLst>
+                                            <p:cond delay="0"/>
+                                          </p:stCondLst>
+                                        </p:cTn>
+                                        <p:tgtEl>
+                                          <p:spTgt spid="23"/>
+                                        </p:tgtEl>
+                                        <p:attrNameLst>
+                                          <p:attrName>style.visibility</p:attrName>
+                                        </p:attrNameLst>
+                                      </p:cBhvr>
+                                      <p:to>
+                                        <p:strVal val="visible"/>
+                                      </p:to>
+                                    </p:set>
+                                    <p:anim calcmode="lin" valueType="num">
+                                      <p:cBhvr additive="base">
+                                        <p:cTn id="23" dur="500" fill="hold"/>
+                                        <p:tgtEl>
+                                          <p:spTgt spid="23"/>
+                                        </p:tgtEl>
+                                        <p:attrNameLst>
+                                          <p:attrName>ppt_x</p:attrName>
+                                        </p:attrNameLst>
+                                      </p:cBhvr>
+                                      <p:tavLst>
+                                        <p:tav tm="0">
+                                          <p:val>
+                                            <p:strVal val="#ppt_x"/>
+                                          </p:val>
+                                        </p:tav>
+                                        <p:tav tm="100000">
+                                          <p:val>
+                                            <p:strVal val="#ppt_x"/>
+                                          </p:val>
+                                        </p:tav>
+                                      </p:tavLst>
+                                    </p:anim>
+                                    <p:anim calcmode="lin" valueType="num">
+                                      <p:cBhvr additive="base">
+                                        <p:cTn id="24" dur="500" fill="hold"/>
+                                        <p:tgtEl>
+                                          <p:spTgt spid="23"/>
+                                        </p:tgtEl>
+                                        <p:attrNameLst>
+                                          <p:attrName>ppt_y</p:attrName>
+                                        </p:attrNameLst>
+                                      </p:cBhvr>
+                                      <p:tavLst>
+                                        <p:tav tm="0">
+                                          <p:val>
+                                            <p:strVal val="1+#ppt_h/2"/>
+                                          </p:val>
+                                        </p:tav>
+                                        <p:tav tm="100000">
+                                          <p:val>
+                                            <p:strVal val="#ppt_y"/>
+                                          </p:val>
+                                        </p:tav>
+                                      </p:tavLst>
+                                    </p:anim>
+                                  </p:childTnLst>
+                                </p:cTn>
+                              </p:par>
+                              <p:par>
+                                <p:cTn id="25" presetID="2" presetClass="entr" presetSubtype="4" fill="hold" grpId="0" nodeType="withEffect">
+                                  <p:stCondLst>
+                                    <p:cond delay="0"/>
+                                  </p:stCondLst>
+                                  <p:childTnLst>
+                                    <p:set>
+                                      <p:cBhvr>
+                                        <p:cTn id="26" dur="1" fill="hold">
+                                          <p:stCondLst>
+                                            <p:cond delay="0"/>
+                                          </p:stCondLst>
+                                        </p:cTn>
+                                        <p:tgtEl>
+                                          <p:spTgt spid="51"/>
+                                        </p:tgtEl>
+                                        <p:attrNameLst>
+                                          <p:attrName>style.visibility</p:attrName>
+                                        </p:attrNameLst>
+                                      </p:cBhvr>
+                                      <p:to>
+                                        <p:strVal val="visible"/>
+                                      </p:to>
+                                    </p:set>
+                                    <p:anim calcmode="lin" valueType="num">
+                                      <p:cBhvr additive="base">
+                                        <p:cTn id="27" dur="500" fill="hold"/>
+                                        <p:tgtEl>
+                                          <p:spTgt spid="51"/>
+                                        </p:tgtEl>
+                                        <p:attrNameLst>
+                                          <p:attrName>ppt_x</p:attrName>
+                                        </p:attrNameLst>
+                                      </p:cBhvr>
+                                      <p:tavLst>
+                                        <p:tav tm="0">
+                                          <p:val>
+                                            <p:strVal val="#ppt_x"/>
+                                          </p:val>
+                                        </p:tav>
+                                        <p:tav tm="100000">
+                                          <p:val>
+                                            <p:strVal val="#ppt_x"/>
+                                          </p:val>
+                                        </p:tav>
+                                      </p:tavLst>
+                                    </p:anim>
+                                    <p:anim calcmode="lin" valueType="num">
+                                      <p:cBhvr additive="base">
+                                        <p:cTn id="28" dur="500" fill="hold"/>
+                                        <p:tgtEl>
+                                          <p:spTgt spid="51"/>
+                                        </p:tgtEl>
+                                        <p:attrNameLst>
+                                          <p:attrName>ppt_y</p:attrName>
+                                        </p:attrNameLst>
+                                      </p:cBhvr>
+                                      <p:tavLst>
+                                        <p:tav tm="0">
+                                          <p:val>
+                                            <p:strVal val="1+#ppt_h/2"/>
+                                          </p:val>
+                                        </p:tav>
+                                        <p:tav tm="100000">
+                                          <p:val>
+                                            <p:strVal val="#ppt_y"/>
+                                          </p:val>
+                                        </p:tav>
+                                      </p:tavLst>
+                                    </p:anim>
+                                  </p:childTnLst>
+                                </p:cTn>
+                              </p:par>
+                            </p:childTnLst>
+                          </p:cTn>
+                        </p:par>
+                      </p:childTnLst>
+                    </p:cTn>
+                  </p:par>
+                  <p:par>
+                    <p:cTn id="29" fill="hold">
+                      <p:stCondLst>
+                        <p:cond delay="indefinite"/>
+                      </p:stCondLst>
+                      <p:childTnLst>
+                        <p:par>
+                          <p:cTn id="30" fill="hold">
+                            <p:stCondLst>
+                              <p:cond delay="0"/>
+                            </p:stCondLst>
+                            <p:childTnLst>
+                              <p:par>
+                                <p:cTn id="31" presetID="2" presetClass="entr" presetSubtype="4" fill="hold" nodeType="clickEffect">
+                                  <p:stCondLst>
+                                    <p:cond delay="0"/>
+                                  </p:stCondLst>
+                                  <p:childTnLst>
+                                    <p:set>
+                                      <p:cBhvr>
+                                        <p:cTn id="32" dur="1" fill="hold">
+                                          <p:stCondLst>
+                                            <p:cond delay="0"/>
+                                          </p:stCondLst>
+                                        </p:cTn>
+                                        <p:tgtEl>
+                                          <p:spTgt spid="17"/>
+                                        </p:tgtEl>
+                                        <p:attrNameLst>
+                                          <p:attrName>style.visibility</p:attrName>
+                                        </p:attrNameLst>
+                                      </p:cBhvr>
+                                      <p:to>
+                                        <p:strVal val="visible"/>
+                                      </p:to>
+                                    </p:set>
+                                    <p:anim calcmode="lin" valueType="num">
+                                      <p:cBhvr additive="base">
+                                        <p:cTn id="33" dur="500" fill="hold"/>
+                                        <p:tgtEl>
+                                          <p:spTgt spid="17"/>
+                                        </p:tgtEl>
+                                        <p:attrNameLst>
+                                          <p:attrName>ppt_x</p:attrName>
+                                        </p:attrNameLst>
+                                      </p:cBhvr>
+                                      <p:tavLst>
+                                        <p:tav tm="0">
+                                          <p:val>
+                                            <p:strVal val="#ppt_x"/>
+                                          </p:val>
+                                        </p:tav>
+                                        <p:tav tm="100000">
+                                          <p:val>
+                                            <p:strVal val="#ppt_x"/>
+                                          </p:val>
+                                        </p:tav>
+                                      </p:tavLst>
+                                    </p:anim>
+                                    <p:anim calcmode="lin" valueType="num">
+                                      <p:cBhvr additive="base">
+                                        <p:cTn id="34" dur="500" fill="hold"/>
+                                        <p:tgtEl>
+                                          <p:spTgt spid="17"/>
+                                        </p:tgtEl>
+                                        <p:attrNameLst>
+                                          <p:attrName>ppt_y</p:attrName>
+                                        </p:attrNameLst>
+                                      </p:cBhvr>
+                                      <p:tavLst>
+                                        <p:tav tm="0">
+                                          <p:val>
+                                            <p:strVal val="1+#ppt_h/2"/>
+                                          </p:val>
+                                        </p:tav>
+                                        <p:tav tm="100000">
+                                          <p:val>
+                                            <p:strVal val="#ppt_y"/>
+                                          </p:val>
+                                        </p:tav>
+                                      </p:tavLst>
+                                    </p:anim>
+                                  </p:childTnLst>
+                                </p:cTn>
+                              </p:par>
+                            </p:childTnLst>
+                          </p:cTn>
+                        </p:par>
+                        <p:par>
+                          <p:cTn id="35" fill="hold">
+                            <p:stCondLst>
+                              <p:cond delay="500"/>
+                            </p:stCondLst>
+                            <p:childTnLst>
+                              <p:par>
+                                <p:cTn id="36" presetID="2" presetClass="entr" presetSubtype="4" fill="hold" grpId="0" nodeType="afterEffect">
+                                  <p:stCondLst>
+                                    <p:cond delay="0"/>
+                                  </p:stCondLst>
+                                  <p:childTnLst>
+                                    <p:set>
+                                      <p:cBhvr>
+                                        <p:cTn id="37" dur="1" fill="hold">
+                                          <p:stCondLst>
+                                            <p:cond delay="0"/>
+                                          </p:stCondLst>
+                                        </p:cTn>
+                                        <p:tgtEl>
+                                          <p:spTgt spid="84"/>
+                                        </p:tgtEl>
+                                        <p:attrNameLst>
+                                          <p:attrName>style.visibility</p:attrName>
+                                        </p:attrNameLst>
+                                      </p:cBhvr>
+                                      <p:to>
+                                        <p:strVal val="visible"/>
+                                      </p:to>
+                                    </p:set>
+                                    <p:anim calcmode="lin" valueType="num">
+                                      <p:cBhvr additive="base">
+                                        <p:cTn id="38" dur="500" fill="hold"/>
+                                        <p:tgtEl>
+                                          <p:spTgt spid="84"/>
+                                        </p:tgtEl>
+                                        <p:attrNameLst>
+                                          <p:attrName>ppt_x</p:attrName>
+                                        </p:attrNameLst>
+                                      </p:cBhvr>
+                                      <p:tavLst>
+                                        <p:tav tm="0">
+                                          <p:val>
+                                            <p:strVal val="#ppt_x"/>
+                                          </p:val>
+                                        </p:tav>
+                                        <p:tav tm="100000">
+                                          <p:val>
+                                            <p:strVal val="#ppt_x"/>
+                                          </p:val>
+                                        </p:tav>
+                                      </p:tavLst>
+                                    </p:anim>
+                                    <p:anim calcmode="lin" valueType="num">
+                                      <p:cBhvr additive="base">
+                                        <p:cTn id="39" dur="500" fill="hold"/>
+                                        <p:tgtEl>
+                                          <p:spTgt spid="84"/>
+                                        </p:tgtEl>
+                                        <p:attrNameLst>
+                                          <p:attrName>ppt_y</p:attrName>
+                                        </p:attrNameLst>
+                                      </p:cBhvr>
+                                      <p:tavLst>
+                                        <p:tav tm="0">
+                                          <p:val>
+                                            <p:strVal val="1+#ppt_h/2"/>
+                                          </p:val>
+                                        </p:tav>
+                                        <p:tav tm="100000">
+                                          <p:val>
+                                            <p:strVal val="#ppt_y"/>
+                                          </p:val>
+                                        </p:tav>
+                                      </p:tavLst>
+                                    </p:anim>
+                                  </p:childTnLst>
+                                </p:cTn>
+                              </p:par>
+                              <p:par>
+                                <p:cTn id="40" presetID="2" presetClass="entr" presetSubtype="4" fill="hold" grpId="0" nodeType="withEffect">
+                                  <p:stCondLst>
+                                    <p:cond delay="0"/>
+                                  </p:stCondLst>
+                                  <p:childTnLst>
+                                    <p:set>
+                                      <p:cBhvr>
+                                        <p:cTn id="41" dur="1" fill="hold">
+                                          <p:stCondLst>
+                                            <p:cond delay="0"/>
+                                          </p:stCondLst>
+                                        </p:cTn>
+                                        <p:tgtEl>
+                                          <p:spTgt spid="85"/>
+                                        </p:tgtEl>
+                                        <p:attrNameLst>
+                                          <p:attrName>style.visibility</p:attrName>
+                                        </p:attrNameLst>
+                                      </p:cBhvr>
+                                      <p:to>
+                                        <p:strVal val="visible"/>
+                                      </p:to>
+                                    </p:set>
+                                    <p:anim calcmode="lin" valueType="num">
+                                      <p:cBhvr additive="base">
+                                        <p:cTn id="42" dur="500" fill="hold"/>
+                                        <p:tgtEl>
+                                          <p:spTgt spid="85"/>
+                                        </p:tgtEl>
+                                        <p:attrNameLst>
+                                          <p:attrName>ppt_x</p:attrName>
+                                        </p:attrNameLst>
+                                      </p:cBhvr>
+                                      <p:tavLst>
+                                        <p:tav tm="0">
+                                          <p:val>
+                                            <p:strVal val="#ppt_x"/>
+                                          </p:val>
+                                        </p:tav>
+                                        <p:tav tm="100000">
+                                          <p:val>
+                                            <p:strVal val="#ppt_x"/>
+                                          </p:val>
+                                        </p:tav>
+                                      </p:tavLst>
+                                    </p:anim>
+                                    <p:anim calcmode="lin" valueType="num">
+                                      <p:cBhvr additive="base">
+                                        <p:cTn id="43" dur="500" fill="hold"/>
+                                        <p:tgtEl>
+                                          <p:spTgt spid="85"/>
+                                        </p:tgtEl>
+                                        <p:attrNameLst>
+                                          <p:attrName>ppt_y</p:attrName>
+                                        </p:attrNameLst>
+                                      </p:cBhvr>
+                                      <p:tavLst>
+                                        <p:tav tm="0">
+                                          <p:val>
+                                            <p:strVal val="1+#ppt_h/2"/>
+                                          </p:val>
+                                        </p:tav>
+                                        <p:tav tm="100000">
+                                          <p:val>
+                                            <p:strVal val="#ppt_y"/>
+                                          </p:val>
+                                        </p:tav>
+                                      </p:tavLst>
+                                    </p:anim>
+                                  </p:childTnLst>
+                                </p:cTn>
+                              </p:par>
+                            </p:childTnLst>
+                          </p:cTn>
+                        </p:par>
+                      </p:childTnLst>
+                    </p:cTn>
+                  </p:par>
+                </p:childTnLst>
+              </p:cTn>
+              <p:prevCondLst>
+                <p:cond evt="onPrev" delay="0">
+                  <p:tgtEl>
+                    <p:sldTgt/>
+                  </p:tgtEl>
+                </p:cond>
+              </p:prevCondLst>
+              <p:nextCondLst>
+                <p:cond evt="onNext" delay="0">
+                  <p:tgtEl>
+                    <p:sldTgt/>
+                  </p:tgtEl>
+                </p:cond>
+              </p:nextCondLst>
+            </p:seq>
+          </p:childTnLst>
+        </p:cTn>
+      </p:par>
+    </p:tnLst>
+    <p:bldLst>
+      <p:bldGraphic spid="9" grpId="0">
+        <p:bldAsOne/>
+      </p:bldGraphic>
+      <p:bldP spid="23" grpId="0" animBg="1"/>
+      <p:bldP spid="51" grpId="0" animBg="1"/>
+      <p:bldP spid="84" grpId="0" animBg="1"/>
+      <p:bldP spid="85" grpId="0" animBg="1"/>
+    </p:bldLst>
+  </p:timing>
+</p:sld>
+</file>
+
+<file path=ppt/slides/slide4.xml><?xml version="1.0" encoding="utf-8"?>
+<p:sld xmlns:a="http://schemas.openxmlformats.org/drawingml/2006/main" xmlns:r="http://schemas.openxmlformats.org/officeDocument/2006/relationships" xmlns:p="http://schemas.openxmlformats.org/presentationml/2006/main">
+  <p:cSld>
+    <p:spTree>
+      <p:nvGrpSpPr>
+        <p:cNvPr id="1" name=""/>
+        <p:cNvGrpSpPr/>
+        <p:nvPr/>
+      </p:nvGrpSpPr>
+      <p:grpSpPr>
+        <a:xfrm>
+          <a:off x="0" y="0"/>
+          <a:ext cx="0" cy="0"/>
+          <a:chOff x="0" y="0"/>
+          <a:chExt cx="0" cy="0"/>
+        </a:xfrm>
+      </p:grpSpPr>
+      <p:pic>
+        <p:nvPicPr>
+          <p:cNvPr id="11" name="Объект 10" descr="Изображение выглядит как текст, Шрифт, рукописный текст, каллиграфия&#10;&#10;Автоматически созданное описание">
+            <a:extLst>
+              <a:ext uri="{FF2B5EF4-FFF2-40B4-BE49-F238E27FC236}">
+                <a16:creationId xmlns:a16="http://schemas.microsoft.com/office/drawing/2014/main" id="{122662EE-90EB-9DE9-F0B1-769D61C8917E}"/>
+              </a:ext>
+            </a:extLst>
+          </p:cNvPr>
+          <p:cNvPicPr>
+            <a:picLocks noGrp="1" noChangeAspect="1"/>
+          </p:cNvPicPr>
+          <p:nvPr>
+            <p:ph sz="quarter" idx="4"/>
+          </p:nvPr>
+        </p:nvPicPr>
+        <p:blipFill>
+          <a:blip r:embed="rId2"/>
+          <a:stretch>
+            <a:fillRect/>
+          </a:stretch>
+        </p:blipFill>
+        <p:spPr>
+          <a:xfrm>
+            <a:off x="6282054" y="3357563"/>
+            <a:ext cx="5134610" cy="2723515"/>
+          </a:xfrm>
+          <a:prstGeom prst="rect">
+            <a:avLst/>
+          </a:prstGeom>
+          <a:ln>
+            <a:noFill/>
+          </a:ln>
+          <a:effectLst>
+            <a:outerShdw blurRad="292100" dist="139700" dir="2700000" algn="tl" rotWithShape="0">
+              <a:srgbClr val="333333">
+                <a:alpha val="65000"/>
+              </a:srgbClr>
+            </a:outerShdw>
+          </a:effectLst>
+        </p:spPr>
+      </p:pic>
+      <p:sp>
+        <p:nvSpPr>
+          <p:cNvPr id="2" name="Заголовок 1">
+            <a:extLst>
+              <a:ext uri="{FF2B5EF4-FFF2-40B4-BE49-F238E27FC236}">
+                <a16:creationId xmlns:a16="http://schemas.microsoft.com/office/drawing/2014/main" id="{531BCE74-F81B-D950-AE98-75019E17ABB0}"/>
+              </a:ext>
+            </a:extLst>
+          </p:cNvPr>
+          <p:cNvSpPr>
+            <a:spLocks noGrp="1"/>
+          </p:cNvSpPr>
+          <p:nvPr>
+            <p:ph type="title"/>
+          </p:nvPr>
+        </p:nvSpPr>
+        <p:spPr/>
+        <p:txBody>
+          <a:bodyPr/>
+          <a:lstStyle/>
+          <a:p>
+            <a:r>
+              <a:rPr lang="ru-RU" b="1" dirty="0">
+                <a:solidFill>
+                  <a:schemeClr val="accent1">
+                    <a:lumMod val="40000"/>
+                    <a:lumOff val="60000"/>
+                  </a:schemeClr>
+                </a:solidFill>
+              </a:rPr>
+              <a:t>Постановка задачи</a:t>
+            </a:r>
+          </a:p>
+        </p:txBody>
+      </p:sp>
+      <p:sp>
+        <p:nvSpPr>
+          <p:cNvPr id="4" name="Текст 3">
+            <a:extLst>
+              <a:ext uri="{FF2B5EF4-FFF2-40B4-BE49-F238E27FC236}">
+                <a16:creationId xmlns:a16="http://schemas.microsoft.com/office/drawing/2014/main" id="{422C25B8-2C14-A1C1-C129-3578DEC81B35}"/>
+              </a:ext>
+            </a:extLst>
+          </p:cNvPr>
+          <p:cNvSpPr>
+            <a:spLocks noGrp="1"/>
+          </p:cNvSpPr>
+          <p:nvPr>
+            <p:ph type="body" idx="1"/>
+          </p:nvPr>
+        </p:nvSpPr>
+        <p:spPr/>
+        <p:txBody>
+          <a:bodyPr>
+            <a:normAutofit/>
+          </a:bodyPr>
+          <a:lstStyle/>
+          <a:p>
+            <a:r>
+              <a:rPr lang="ru-RU" sz="2800" dirty="0">
+                <a:solidFill>
+                  <a:schemeClr val="accent1">
+                    <a:lumMod val="40000"/>
+                    <a:lumOff val="60000"/>
+                  </a:schemeClr>
+                </a:solidFill>
+              </a:rPr>
+              <a:t>Общий вид</a:t>
+            </a:r>
+          </a:p>
+        </p:txBody>
+      </p:sp>
+      <p:sp>
+        <p:nvSpPr>
+          <p:cNvPr id="5" name="Текст 4">
+            <a:extLst>
+              <a:ext uri="{FF2B5EF4-FFF2-40B4-BE49-F238E27FC236}">
+                <a16:creationId xmlns:a16="http://schemas.microsoft.com/office/drawing/2014/main" id="{8B7EF574-F4D5-7E15-62C6-512898914DCF}"/>
+              </a:ext>
+            </a:extLst>
+          </p:cNvPr>
+          <p:cNvSpPr>
+            <a:spLocks noGrp="1"/>
+          </p:cNvSpPr>
+          <p:nvPr>
+            <p:ph type="body" sz="quarter" idx="3"/>
+          </p:nvPr>
+        </p:nvSpPr>
+        <p:spPr/>
+        <p:txBody>
+          <a:bodyPr>
+            <a:normAutofit/>
+          </a:bodyPr>
+          <a:lstStyle/>
+          <a:p>
+            <a:r>
+              <a:rPr lang="ru-RU" sz="2800" dirty="0">
+                <a:solidFill>
+                  <a:srgbClr val="9BEDCF"/>
+                </a:solidFill>
+              </a:rPr>
+              <a:t>Конкретная задача</a:t>
+            </a:r>
+          </a:p>
+        </p:txBody>
+      </p:sp>
+      <p:pic>
+        <p:nvPicPr>
+          <p:cNvPr id="10" name="Объект 9" descr="Изображение выглядит как текст, Шрифт, рукописный текст, документ&#10;&#10;Автоматически созданное описание">
+            <a:extLst>
+              <a:ext uri="{FF2B5EF4-FFF2-40B4-BE49-F238E27FC236}">
+                <a16:creationId xmlns:a16="http://schemas.microsoft.com/office/drawing/2014/main" id="{BEC8BA63-C6F5-2ECA-3CC7-F4EE348226D7}"/>
+              </a:ext>
+            </a:extLst>
+          </p:cNvPr>
+          <p:cNvPicPr>
+            <a:picLocks noGrp="1" noChangeAspect="1"/>
+          </p:cNvPicPr>
+          <p:nvPr>
+            <p:ph sz="half" idx="2"/>
+          </p:nvPr>
+        </p:nvPicPr>
+        <p:blipFill>
+          <a:blip r:embed="rId3"/>
+          <a:stretch>
+            <a:fillRect/>
+          </a:stretch>
+        </p:blipFill>
+        <p:spPr>
+          <a:xfrm>
+            <a:off x="762000" y="3360906"/>
+            <a:ext cx="5151119" cy="2737148"/>
+          </a:xfrm>
+          <a:prstGeom prst="rect">
+            <a:avLst/>
+          </a:prstGeom>
+          <a:ln>
+            <a:noFill/>
+          </a:ln>
+          <a:effectLst>
+            <a:outerShdw blurRad="292100" dist="139700" dir="2700000" algn="tl" rotWithShape="0">
+              <a:srgbClr val="333333">
+                <a:alpha val="65000"/>
+              </a:srgbClr>
+            </a:outerShdw>
+          </a:effectLst>
+        </p:spPr>
+      </p:pic>
+      <p:sp>
+        <p:nvSpPr>
+          <p:cNvPr id="8" name="Куб 7">
+            <a:extLst>
+              <a:ext uri="{FF2B5EF4-FFF2-40B4-BE49-F238E27FC236}">
+                <a16:creationId xmlns:a16="http://schemas.microsoft.com/office/drawing/2014/main" id="{9A4E57E2-2221-1164-046C-45ACA130D254}"/>
+              </a:ext>
+            </a:extLst>
+          </p:cNvPr>
+          <p:cNvSpPr/>
+          <p:nvPr/>
+        </p:nvSpPr>
+        <p:spPr>
+          <a:xfrm>
+            <a:off x="6898639" y="1046480"/>
+            <a:ext cx="4531359" cy="1239520"/>
+          </a:xfrm>
+          <a:prstGeom prst="cube">
+            <a:avLst/>
+          </a:prstGeom>
+        </p:spPr>
+        <p:style>
+          <a:lnRef idx="2">
+            <a:schemeClr val="accent1">
+              <a:shade val="15000"/>
+            </a:schemeClr>
+          </a:lnRef>
+          <a:fillRef idx="1">
+            <a:schemeClr val="accent1"/>
+          </a:fillRef>
+          <a:effectRef idx="0">
+            <a:schemeClr val="accent1"/>
+          </a:effectRef>
+          <a:fontRef idx="minor">
+            <a:schemeClr val="lt1"/>
+          </a:fontRef>
+        </p:style>
+        <p:txBody>
+          <a:bodyPr rtlCol="0" anchor="ctr"/>
+          <a:lstStyle/>
+          <a:p>
+            <a:pPr algn="ctr"/>
+            <a:r>
+              <a:rPr lang="ru-RU" b="1" dirty="0">
+                <a:solidFill>
+                  <a:schemeClr val="tx1"/>
+                </a:solidFill>
+              </a:rPr>
+              <a:t>Модель трубопровода</a:t>
+            </a:r>
+          </a:p>
+        </p:txBody>
+      </p:sp>
+      <p:sp>
+        <p:nvSpPr>
+          <p:cNvPr id="13" name="TextBox 12">
+            <a:extLst>
+              <a:ext uri="{FF2B5EF4-FFF2-40B4-BE49-F238E27FC236}">
+                <a16:creationId xmlns:a16="http://schemas.microsoft.com/office/drawing/2014/main" id="{C2BAB721-25AF-FA50-B98F-3A5C2F5DEB9C}"/>
+              </a:ext>
+            </a:extLst>
+          </p:cNvPr>
+          <p:cNvSpPr txBox="1"/>
+          <p:nvPr/>
+        </p:nvSpPr>
+        <p:spPr>
+          <a:xfrm>
+            <a:off x="6659880" y="3749040"/>
+            <a:ext cx="3779520" cy="1615440"/>
+          </a:xfrm>
+          <a:prstGeom prst="rect">
+            <a:avLst/>
+          </a:prstGeom>
+          <a:noFill/>
+        </p:spPr>
+        <p:txBody>
+          <a:bodyPr rot="0" spcFirstLastPara="0" vertOverflow="overflow" horzOverflow="overflow" vert="horz" wrap="square" lIns="91440" tIns="45720" rIns="91440" bIns="45720" numCol="1" spcCol="0" rtlCol="0" fromWordArt="0" anchor="t" anchorCtr="0" forceAA="0" compatLnSpc="1">
+            <a:prstTxWarp prst="textNoShape">
+              <a:avLst/>
+            </a:prstTxWarp>
+            <a:spAutoFit/>
+          </a:bodyPr>
+          <a:lstStyle/>
+          <a:p>
+            <a:pPr algn="l"/>
+            <a:endParaRPr lang="ru-RU"/>
+          </a:p>
+        </p:txBody>
+      </p:sp>
+      <p:sp>
+        <p:nvSpPr>
+          <p:cNvPr id="14" name="TextBox 13">
+            <a:extLst>
+              <a:ext uri="{FF2B5EF4-FFF2-40B4-BE49-F238E27FC236}">
+                <a16:creationId xmlns:a16="http://schemas.microsoft.com/office/drawing/2014/main" id="{9C1D00C3-A0A1-E3E6-3860-1D5E84499D7C}"/>
+              </a:ext>
+            </a:extLst>
+          </p:cNvPr>
+          <p:cNvSpPr txBox="1"/>
+          <p:nvPr/>
+        </p:nvSpPr>
+        <p:spPr>
+          <a:xfrm>
+            <a:off x="6273800" y="3347720"/>
+            <a:ext cx="5161279" cy="1938992"/>
+          </a:xfrm>
+          <a:prstGeom prst="rect">
+            <a:avLst/>
+          </a:prstGeom>
+          <a:noFill/>
+        </p:spPr>
+        <p:txBody>
+          <a:bodyPr rot="0" spcFirstLastPara="0" vertOverflow="overflow" horzOverflow="overflow" vert="horz" wrap="square" lIns="91440" tIns="45720" rIns="91440" bIns="45720" numCol="1" spcCol="0" rtlCol="0" fromWordArt="0" anchor="t" anchorCtr="0" forceAA="0" compatLnSpc="1">
+            <a:prstTxWarp prst="textNoShape">
+              <a:avLst/>
+            </a:prstTxWarp>
+            <a:spAutoFit/>
+          </a:bodyPr>
+          <a:lstStyle/>
+          <a:p>
+            <a:r>
+              <a:rPr lang="ru-RU" sz="2400" err="1">
+                <a:solidFill>
+                  <a:schemeClr val="accent1">
+                    <a:lumMod val="40000"/>
+                    <a:lumOff val="60000"/>
+                  </a:schemeClr>
+                </a:solidFill>
+              </a:rPr>
+              <a:t>Q_i</a:t>
+            </a:r>
+            <a:r>
+              <a:rPr lang="ru-RU" sz="2400" dirty="0">
+                <a:solidFill>
+                  <a:schemeClr val="accent1">
+                    <a:lumMod val="40000"/>
+                    <a:lumOff val="60000"/>
+                  </a:schemeClr>
+                </a:solidFill>
+              </a:rPr>
+              <a:t> - </a:t>
+            </a:r>
+            <a:r>
+              <a:rPr lang="ru-RU" sz="2400" dirty="0">
+                <a:solidFill>
+                  <a:schemeClr val="accent1">
+                    <a:lumMod val="40000"/>
+                    <a:lumOff val="60000"/>
+                  </a:schemeClr>
+                </a:solidFill>
+                <a:ea typeface="+mn-lt"/>
+                <a:cs typeface="+mn-lt"/>
+              </a:rPr>
+              <a:t>поток, покидающий площадку</a:t>
+            </a:r>
+          </a:p>
+          <a:p>
+            <a:r>
+              <a:rPr lang="ru-RU" sz="2400" err="1">
+                <a:solidFill>
+                  <a:schemeClr val="accent1">
+                    <a:lumMod val="40000"/>
+                    <a:lumOff val="60000"/>
+                  </a:schemeClr>
+                </a:solidFill>
+              </a:rPr>
+              <a:t>Q_дi</a:t>
+            </a:r>
+            <a:r>
+              <a:rPr lang="ru-RU" sz="2400" dirty="0">
+                <a:solidFill>
+                  <a:schemeClr val="accent1">
+                    <a:lumMod val="40000"/>
+                    <a:lumOff val="60000"/>
+                  </a:schemeClr>
+                </a:solidFill>
+              </a:rPr>
+              <a:t> - поток, </a:t>
+            </a:r>
+            <a:r>
+              <a:rPr lang="ru-RU" sz="2400" err="1">
+                <a:solidFill>
+                  <a:schemeClr val="accent1">
+                    <a:lumMod val="40000"/>
+                    <a:lumOff val="60000"/>
+                  </a:schemeClr>
+                </a:solidFill>
+              </a:rPr>
+              <a:t>испускамый</a:t>
+            </a:r>
+            <a:r>
+              <a:rPr lang="ru-RU" sz="2400" dirty="0">
+                <a:solidFill>
+                  <a:schemeClr val="accent1">
+                    <a:lumMod val="40000"/>
+                    <a:lumOff val="60000"/>
+                  </a:schemeClr>
+                </a:solidFill>
+              </a:rPr>
+              <a:t> площадкой</a:t>
+            </a:r>
+          </a:p>
+          <a:p>
+            <a:r>
+              <a:rPr lang="ru-RU" sz="2400" err="1">
+                <a:solidFill>
+                  <a:schemeClr val="accent1">
+                    <a:lumMod val="40000"/>
+                    <a:lumOff val="60000"/>
+                  </a:schemeClr>
+                </a:solidFill>
+              </a:rPr>
+              <a:t>Beta_i</a:t>
+            </a:r>
+            <a:r>
+              <a:rPr lang="ru-RU" sz="2400" dirty="0">
+                <a:solidFill>
+                  <a:schemeClr val="accent1">
+                    <a:lumMod val="40000"/>
+                    <a:lumOff val="60000"/>
+                  </a:schemeClr>
+                </a:solidFill>
+              </a:rPr>
+              <a:t> - коэффициент отражения</a:t>
+            </a:r>
+          </a:p>
+          <a:p>
+            <a:r>
+              <a:rPr lang="ru-RU" sz="2400" dirty="0">
+                <a:solidFill>
+                  <a:schemeClr val="accent1">
+                    <a:lumMod val="40000"/>
+                    <a:lumOff val="60000"/>
+                  </a:schemeClr>
+                </a:solidFill>
+              </a:rPr>
+              <a:t>Слагаемые в скобочках - поток из-за отражения потоков от других граней</a:t>
+            </a:r>
+          </a:p>
+        </p:txBody>
+      </p:sp>
+    </p:spTree>
+    <p:extLst>
+      <p:ext uri="{BB962C8B-B14F-4D97-AF65-F5344CB8AC3E}">
+        <p14:creationId xmlns:p14="http://schemas.microsoft.com/office/powerpoint/2010/main" val="1662573559"/>
+      </p:ext>
+    </p:extLst>
+  </p:cSld>
+  <p:clrMapOvr>
+    <a:masterClrMapping/>
+  </p:clrMapOvr>
+  <p:timing>
+    <p:tnLst>
+      <p:par>
+        <p:cTn id="1" dur="indefinite" restart="never" nodeType="tmRoot">
+          <p:childTnLst>
+            <p:seq concurrent="1" nextAc="seek">
+              <p:cTn id="2" dur="indefinite" nodeType="mainSeq">
+                <p:childTnLst>
+                  <p:par>
+                    <p:cTn id="3" fill="hold">
+                      <p:stCondLst>
+                        <p:cond delay="indefinite"/>
+                      </p:stCondLst>
+                      <p:childTnLst>
+                        <p:par>
+                          <p:cTn id="4" fill="hold">
+                            <p:stCondLst>
+                              <p:cond delay="0"/>
+                            </p:stCondLst>
+                            <p:childTnLst>
+                              <p:par>
+                                <p:cTn id="5" presetID="2" presetClass="entr" presetSubtype="4" fill="hold" grpId="0" nodeType="clickEffect">
+                                  <p:stCondLst>
+                                    <p:cond delay="0"/>
+                                  </p:stCondLst>
+                                  <p:childTnLst>
+                                    <p:set>
+                                      <p:cBhvr>
+                                        <p:cTn id="6" dur="1" fill="hold">
+                                          <p:stCondLst>
+                                            <p:cond delay="0"/>
+                                          </p:stCondLst>
+                                        </p:cTn>
+                                        <p:tgtEl>
+                                          <p:spTgt spid="8"/>
+                                        </p:tgtEl>
+                                        <p:attrNameLst>
+                                          <p:attrName>style.visibility</p:attrName>
+                                        </p:attrNameLst>
+                                      </p:cBhvr>
+                                      <p:to>
+                                        <p:strVal val="visible"/>
+                                      </p:to>
+                                    </p:set>
+                                    <p:anim calcmode="lin" valueType="num">
+                                      <p:cBhvr additive="base">
+                                        <p:cTn id="7" dur="500" fill="hold"/>
+                                        <p:tgtEl>
+                                          <p:spTgt spid="8"/>
+                                        </p:tgtEl>
+                                        <p:attrNameLst>
+                                          <p:attrName>ppt_x</p:attrName>
+                                        </p:attrNameLst>
+                                      </p:cBhvr>
+                                      <p:tavLst>
+                                        <p:tav tm="0">
+                                          <p:val>
+                                            <p:strVal val="#ppt_x"/>
+                                          </p:val>
+                                        </p:tav>
+                                        <p:tav tm="100000">
+                                          <p:val>
+                                            <p:strVal val="#ppt_x"/>
+                                          </p:val>
+                                        </p:tav>
+                                      </p:tavLst>
+                                    </p:anim>
+                                    <p:anim calcmode="lin" valueType="num">
+                                      <p:cBhvr additive="base">
+                                        <p:cTn id="8" dur="500" fill="hold"/>
+                                        <p:tgtEl>
+                                          <p:spTgt spid="8"/>
+                                        </p:tgtEl>
+                                        <p:attrNameLst>
+                                          <p:attrName>ppt_y</p:attrName>
+                                        </p:attrNameLst>
+                                      </p:cBhvr>
+                                      <p:tavLst>
+                                        <p:tav tm="0">
+                                          <p:val>
+                                            <p:strVal val="1+#ppt_h/2"/>
+                                          </p:val>
+                                        </p:tav>
+                                        <p:tav tm="100000">
+                                          <p:val>
+                                            <p:strVal val="#ppt_y"/>
+                                          </p:val>
+                                        </p:tav>
+                                      </p:tavLst>
+                                    </p:anim>
+                                  </p:childTnLst>
+                                </p:cTn>
+                              </p:par>
+                            </p:childTnLst>
+                          </p:cTn>
+                        </p:par>
+                      </p:childTnLst>
+                    </p:cTn>
+                  </p:par>
+                  <p:par>
+                    <p:cTn id="9" fill="hold">
+                      <p:stCondLst>
+                        <p:cond delay="indefinite"/>
+                      </p:stCondLst>
+                      <p:childTnLst>
+                        <p:par>
+                          <p:cTn id="10" fill="hold">
+                            <p:stCondLst>
+                              <p:cond delay="0"/>
+                            </p:stCondLst>
+                            <p:childTnLst>
+                              <p:par>
+                                <p:cTn id="11" presetID="1" presetClass="exit" presetSubtype="0" fill="hold" grpId="0" nodeType="clickEffect">
+                                  <p:stCondLst>
+                                    <p:cond delay="0"/>
+                                  </p:stCondLst>
+                                  <p:childTnLst>
+                                    <p:set>
+                                      <p:cBhvr>
+                                        <p:cTn id="12" dur="1" fill="hold">
+                                          <p:stCondLst>
+                                            <p:cond delay="0"/>
+                                          </p:stCondLst>
+                                        </p:cTn>
+                                        <p:tgtEl>
+                                          <p:spTgt spid="14"/>
+                                        </p:tgtEl>
+                                        <p:attrNameLst>
+                                          <p:attrName>style.visibility</p:attrName>
+                                        </p:attrNameLst>
+                                      </p:cBhvr>
+                                      <p:to>
+                                        <p:strVal val="hidden"/>
+                                      </p:to>
+                                    </p:set>
+                                  </p:childTnLst>
+                                </p:cTn>
+                              </p:par>
+                            </p:childTnLst>
+                          </p:cTn>
+                        </p:par>
+                      </p:childTnLst>
+                    </p:cTn>
+                  </p:par>
+                  <p:par>
+                    <p:cTn id="13" fill="hold">
+                      <p:stCondLst>
+                        <p:cond delay="indefinite"/>
+                      </p:stCondLst>
+                      <p:childTnLst>
+                        <p:par>
+                          <p:cTn id="14" fill="hold">
+                            <p:stCondLst>
+                              <p:cond delay="0"/>
+                            </p:stCondLst>
+                            <p:childTnLst>
+                              <p:par>
+                                <p:cTn id="15" presetID="2" presetClass="entr" presetSubtype="4" fill="hold" grpId="0" nodeType="clickEffect">
+                                  <p:stCondLst>
+                                    <p:cond delay="0"/>
+                                  </p:stCondLst>
+                                  <p:childTnLst>
+                                    <p:set>
+                                      <p:cBhvr>
+                                        <p:cTn id="16" dur="1" fill="hold">
+                                          <p:stCondLst>
+                                            <p:cond delay="0"/>
+                                          </p:stCondLst>
+                                        </p:cTn>
+                                        <p:tgtEl>
+                                          <p:spTgt spid="5">
+                                            <p:txEl>
+                                              <p:pRg st="0" end="0"/>
+                                            </p:txEl>
+                                          </p:spTgt>
+                                        </p:tgtEl>
+                                        <p:attrNameLst>
+                                          <p:attrName>style.visibility</p:attrName>
+                                        </p:attrNameLst>
+                                      </p:cBhvr>
+                                      <p:to>
+                                        <p:strVal val="visible"/>
+                                      </p:to>
+                                    </p:set>
+                                    <p:anim calcmode="lin" valueType="num">
+                                      <p:cBhvr additive="base">
+                                        <p:cTn id="17" dur="500" fill="hold"/>
+                                        <p:tgtEl>
+                                          <p:spTgt spid="5">
+                                            <p:txEl>
+                                              <p:pRg st="0" end="0"/>
+                                            </p:txEl>
+                                          </p:spTgt>
+                                        </p:tgtEl>
+                                        <p:attrNameLst>
+                                          <p:attrName>ppt_x</p:attrName>
+                                        </p:attrNameLst>
+                                      </p:cBhvr>
+                                      <p:tavLst>
+                                        <p:tav tm="0">
+                                          <p:val>
+                                            <p:strVal val="#ppt_x"/>
+                                          </p:val>
+                                        </p:tav>
+                                        <p:tav tm="100000">
+                                          <p:val>
+                                            <p:strVal val="#ppt_x"/>
+                                          </p:val>
+                                        </p:tav>
+                                      </p:tavLst>
+                                    </p:anim>
+                                    <p:anim calcmode="lin" valueType="num">
+                                      <p:cBhvr additive="base">
+                                        <p:cTn id="18" dur="500" fill="hold"/>
+                                        <p:tgtEl>
+                                          <p:spTgt spid="5">
+                                            <p:txEl>
+                                              <p:pRg st="0" end="0"/>
+                                            </p:txEl>
+                                          </p:spTgt>
+                                        </p:tgtEl>
+                                        <p:attrNameLst>
+                                          <p:attrName>ppt_y</p:attrName>
+                                        </p:attrNameLst>
+                                      </p:cBhvr>
+                                      <p:tavLst>
+                                        <p:tav tm="0">
+                                          <p:val>
+                                            <p:strVal val="1+#ppt_h/2"/>
+                                          </p:val>
+                                        </p:tav>
+                                        <p:tav tm="100000">
+                                          <p:val>
+                                            <p:strVal val="#ppt_y"/>
+                                          </p:val>
+                                        </p:tav>
+                                      </p:tavLst>
+                                    </p:anim>
+                                  </p:childTnLst>
+                                </p:cTn>
+                              </p:par>
+                            </p:childTnLst>
+                          </p:cTn>
+                        </p:par>
+                        <p:par>
+                          <p:cTn id="19" fill="hold">
+                            <p:stCondLst>
+                              <p:cond delay="500"/>
+                            </p:stCondLst>
+                            <p:childTnLst>
+                              <p:par>
+                                <p:cTn id="20" presetID="2" presetClass="entr" presetSubtype="4" fill="hold" nodeType="afterEffect">
+                                  <p:stCondLst>
+                                    <p:cond delay="0"/>
+                                  </p:stCondLst>
+                                  <p:childTnLst>
+                                    <p:set>
+                                      <p:cBhvr>
+                                        <p:cTn id="21" dur="1" fill="hold">
+                                          <p:stCondLst>
+                                            <p:cond delay="0"/>
+                                          </p:stCondLst>
+                                        </p:cTn>
+                                        <p:tgtEl>
+                                          <p:spTgt spid="11"/>
+                                        </p:tgtEl>
+                                        <p:attrNameLst>
+                                          <p:attrName>style.visibility</p:attrName>
+                                        </p:attrNameLst>
+                                      </p:cBhvr>
+                                      <p:to>
+                                        <p:strVal val="visible"/>
+                                      </p:to>
+                                    </p:set>
+                                    <p:anim calcmode="lin" valueType="num">
+                                      <p:cBhvr additive="base">
+                                        <p:cTn id="22" dur="500" fill="hold"/>
+                                        <p:tgtEl>
+                                          <p:spTgt spid="11"/>
+                                        </p:tgtEl>
+                                        <p:attrNameLst>
+                                          <p:attrName>ppt_x</p:attrName>
+                                        </p:attrNameLst>
+                                      </p:cBhvr>
+                                      <p:tavLst>
+                                        <p:tav tm="0">
+                                          <p:val>
+                                            <p:strVal val="#ppt_x"/>
+                                          </p:val>
+                                        </p:tav>
+                                        <p:tav tm="100000">
+                                          <p:val>
+                                            <p:strVal val="#ppt_x"/>
+                                          </p:val>
+                                        </p:tav>
+                                      </p:tavLst>
+                                    </p:anim>
+                                    <p:anim calcmode="lin" valueType="num">
+                                      <p:cBhvr additive="base">
+                                        <p:cTn id="23" dur="500" fill="hold"/>
+                                        <p:tgtEl>
+                                          <p:spTgt spid="11"/>
+                                        </p:tgtEl>
+                                        <p:attrNameLst>
+                                          <p:attrName>ppt_y</p:attrName>
+                                        </p:attrNameLst>
+                                      </p:cBhvr>
+                                      <p:tavLst>
+                                        <p:tav tm="0">
+                                          <p:val>
+                                            <p:strVal val="1+#ppt_h/2"/>
+                                          </p:val>
+                                        </p:tav>
+                                        <p:tav tm="100000">
+                                          <p:val>
+                                            <p:strVal val="#ppt_y"/>
+                                          </p:val>
+                                        </p:tav>
+                                      </p:tavLst>
+                                    </p:anim>
+                                  </p:childTnLst>
+                                </p:cTn>
+                              </p:par>
+                            </p:childTnLst>
+                          </p:cTn>
+                        </p:par>
+                      </p:childTnLst>
+                    </p:cTn>
+                  </p:par>
+                </p:childTnLst>
+              </p:cTn>
+              <p:prevCondLst>
+                <p:cond evt="onPrev" delay="0">
+                  <p:tgtEl>
+                    <p:sldTgt/>
+                  </p:tgtEl>
+                </p:cond>
+              </p:prevCondLst>
+              <p:nextCondLst>
+                <p:cond evt="onNext" delay="0">
+                  <p:tgtEl>
+                    <p:sldTgt/>
+                  </p:tgtEl>
+                </p:cond>
+              </p:nextCondLst>
+            </p:seq>
+          </p:childTnLst>
+        </p:cTn>
+      </p:par>
+    </p:tnLst>
+    <p:bldLst>
+      <p:bldP spid="5" grpId="0" build="p"/>
+      <p:bldP spid="8" grpId="0" animBg="1"/>
+      <p:bldP spid="14" grpId="0"/>
+    </p:bldLst>
+  </p:timing>
+</p:sld>
+</file>
+
+<file path=ppt/slides/slide5.xml><?xml version="1.0" encoding="utf-8"?>
+<p:sld xmlns:a="http://schemas.openxmlformats.org/drawingml/2006/main" xmlns:r="http://schemas.openxmlformats.org/officeDocument/2006/relationships" xmlns:p="http://schemas.openxmlformats.org/presentationml/2006/main">
+  <p:cSld>
+    <p:spTree>
+      <p:nvGrpSpPr>
+        <p:cNvPr id="1" name=""/>
+        <p:cNvGrpSpPr/>
+        <p:nvPr/>
+      </p:nvGrpSpPr>
+      <p:grpSpPr>
+        <a:xfrm>
+          <a:off x="0" y="0"/>
+          <a:ext cx="0" cy="0"/>
+          <a:chOff x="0" y="0"/>
+          <a:chExt cx="0" cy="0"/>
+        </a:xfrm>
+      </p:grpSpPr>
+      <p:sp>
+        <p:nvSpPr>
+          <p:cNvPr id="2" name="Заголовок 1">
+            <a:extLst>
+              <a:ext uri="{FF2B5EF4-FFF2-40B4-BE49-F238E27FC236}">
+                <a16:creationId xmlns:a16="http://schemas.microsoft.com/office/drawing/2014/main" id="{C131230A-008A-15B6-9794-BD04EA9B0710}"/>
+              </a:ext>
+            </a:extLst>
+          </p:cNvPr>
+          <p:cNvSpPr>
+            <a:spLocks noGrp="1"/>
+          </p:cNvSpPr>
+          <p:nvPr>
+            <p:ph type="title"/>
+          </p:nvPr>
+        </p:nvSpPr>
+        <p:spPr>
+          <a:xfrm>
+            <a:off x="508000" y="294640"/>
+            <a:ext cx="10668000" cy="1524000"/>
+          </a:xfrm>
+        </p:spPr>
+        <p:txBody>
+          <a:bodyPr/>
+          <a:lstStyle/>
+          <a:p>
+            <a:r>
+              <a:rPr lang="ru-RU" b="1" dirty="0">
+                <a:solidFill>
+                  <a:schemeClr val="accent1">
+                    <a:lumMod val="40000"/>
+                    <a:lumOff val="60000"/>
+                  </a:schemeClr>
+                </a:solidFill>
+              </a:rPr>
+              <a:t>Реализация</a:t>
+            </a:r>
+          </a:p>
+        </p:txBody>
+      </p:sp>
+      <p:sp>
+        <p:nvSpPr>
+          <p:cNvPr id="3" name="Текст 2">
+            <a:extLst>
+              <a:ext uri="{FF2B5EF4-FFF2-40B4-BE49-F238E27FC236}">
+                <a16:creationId xmlns:a16="http://schemas.microsoft.com/office/drawing/2014/main" id="{F3AA6A6C-AAF9-0E71-2E29-9E06DD31869D}"/>
+              </a:ext>
+            </a:extLst>
+          </p:cNvPr>
+          <p:cNvSpPr>
+            <a:spLocks noGrp="1"/>
+          </p:cNvSpPr>
+          <p:nvPr>
+            <p:ph type="body" idx="1"/>
+          </p:nvPr>
+        </p:nvSpPr>
+        <p:spPr>
+          <a:xfrm>
+            <a:off x="508000" y="1818639"/>
+            <a:ext cx="5151119" cy="761999"/>
+          </a:xfrm>
+        </p:spPr>
+        <p:txBody>
+          <a:bodyPr>
+            <a:normAutofit/>
+          </a:bodyPr>
+          <a:lstStyle/>
+          <a:p>
+            <a:r>
+              <a:rPr lang="ru-RU" sz="2800" dirty="0">
+                <a:solidFill>
+                  <a:schemeClr val="accent1">
+                    <a:lumMod val="40000"/>
+                    <a:lumOff val="60000"/>
+                  </a:schemeClr>
+                </a:solidFill>
+              </a:rPr>
+              <a:t>Расчет УК</a:t>
+            </a:r>
+          </a:p>
+        </p:txBody>
+      </p:sp>
+      <p:pic>
+        <p:nvPicPr>
+          <p:cNvPr id="11" name="Объект 10" descr="Изображение выглядит как текст, снимок экрана, Шрифт, число&#10;&#10;Автоматически созданное описание">
+            <a:extLst>
+              <a:ext uri="{FF2B5EF4-FFF2-40B4-BE49-F238E27FC236}">
+                <a16:creationId xmlns:a16="http://schemas.microsoft.com/office/drawing/2014/main" id="{BD441A99-A812-1885-9722-10D6CDE1FC89}"/>
+              </a:ext>
+            </a:extLst>
+          </p:cNvPr>
+          <p:cNvPicPr>
+            <a:picLocks noGrp="1" noChangeAspect="1"/>
+          </p:cNvPicPr>
+          <p:nvPr>
+            <p:ph sz="half" idx="2"/>
+          </p:nvPr>
+        </p:nvPicPr>
+        <p:blipFill>
+          <a:blip r:embed="rId2"/>
+          <a:stretch>
+            <a:fillRect/>
+          </a:stretch>
+        </p:blipFill>
+        <p:spPr>
+          <a:xfrm>
+            <a:off x="508000" y="2575973"/>
+            <a:ext cx="5486399" cy="3839654"/>
+          </a:xfrm>
+        </p:spPr>
+      </p:pic>
+      <p:sp>
+        <p:nvSpPr>
+          <p:cNvPr id="5" name="Текст 4">
+            <a:extLst>
+              <a:ext uri="{FF2B5EF4-FFF2-40B4-BE49-F238E27FC236}">
+                <a16:creationId xmlns:a16="http://schemas.microsoft.com/office/drawing/2014/main" id="{58796474-7B20-6DE1-CC06-EB330E6166EA}"/>
+              </a:ext>
+            </a:extLst>
+          </p:cNvPr>
+          <p:cNvSpPr>
+            <a:spLocks noGrp="1"/>
+          </p:cNvSpPr>
+          <p:nvPr>
+            <p:ph type="body" sz="quarter" idx="3"/>
+          </p:nvPr>
+        </p:nvSpPr>
+        <p:spPr>
+          <a:xfrm>
+            <a:off x="6207758" y="1818640"/>
+            <a:ext cx="5151122" cy="761999"/>
+          </a:xfrm>
+        </p:spPr>
+        <p:txBody>
+          <a:bodyPr>
+            <a:normAutofit/>
+          </a:bodyPr>
+          <a:lstStyle/>
+          <a:p>
+            <a:r>
+              <a:rPr lang="ru-RU" sz="2800" dirty="0">
+                <a:solidFill>
+                  <a:schemeClr val="accent1">
+                    <a:lumMod val="40000"/>
+                    <a:lumOff val="60000"/>
+                  </a:schemeClr>
+                </a:solidFill>
+              </a:rPr>
+              <a:t>Решение системы</a:t>
+            </a:r>
+          </a:p>
+        </p:txBody>
+      </p:sp>
+      <p:pic>
+        <p:nvPicPr>
+          <p:cNvPr id="10" name="Объект 9" descr="Изображение выглядит как текст, снимок экрана, Шрифт, число&#10;&#10;Автоматически созданное описание">
+            <a:extLst>
+              <a:ext uri="{FF2B5EF4-FFF2-40B4-BE49-F238E27FC236}">
+                <a16:creationId xmlns:a16="http://schemas.microsoft.com/office/drawing/2014/main" id="{117D9316-A49F-8D3A-41BF-6BD8F00701F5}"/>
+              </a:ext>
+            </a:extLst>
+          </p:cNvPr>
+          <p:cNvPicPr>
+            <a:picLocks noGrp="1" noChangeAspect="1"/>
+          </p:cNvPicPr>
+          <p:nvPr>
+            <p:ph sz="quarter" idx="4"/>
+          </p:nvPr>
+        </p:nvPicPr>
+        <p:blipFill>
+          <a:blip r:embed="rId3"/>
+          <a:stretch>
+            <a:fillRect/>
+          </a:stretch>
+        </p:blipFill>
+        <p:spPr>
+          <a:xfrm>
+            <a:off x="6204618" y="2580640"/>
+            <a:ext cx="5492681" cy="3830320"/>
+          </a:xfrm>
+        </p:spPr>
+      </p:pic>
+    </p:spTree>
+    <p:extLst>
+      <p:ext uri="{BB962C8B-B14F-4D97-AF65-F5344CB8AC3E}">
+        <p14:creationId xmlns:p14="http://schemas.microsoft.com/office/powerpoint/2010/main" val="550250278"/>
+      </p:ext>
+    </p:extLst>
+  </p:cSld>
+  <p:clrMapOvr>
+    <a:masterClrMapping/>
+  </p:clrMapOvr>
+  <p:timing>
+    <p:tnLst>
+      <p:par>
+        <p:cTn id="1" dur="indefinite" restart="never" nodeType="tmRoot">
+          <p:childTnLst>
+            <p:seq concurrent="1" nextAc="seek">
+              <p:cTn id="2" dur="indefinite" nodeType="mainSeq">
+                <p:childTnLst>
+                  <p:par>
+                    <p:cTn id="3" fill="hold">
+                      <p:stCondLst>
+                        <p:cond delay="indefinite"/>
+                      </p:stCondLst>
+                      <p:childTnLst>
+                        <p:par>
+                          <p:cTn id="4" fill="hold">
+                            <p:stCondLst>
+                              <p:cond delay="0"/>
+                            </p:stCondLst>
+                            <p:childTnLst>
+                              <p:par>
+                                <p:cTn id="5" presetID="2" presetClass="entr" presetSubtype="4" fill="hold" grpId="0" nodeType="clickEffect">
+                                  <p:stCondLst>
+                                    <p:cond delay="0"/>
+                                  </p:stCondLst>
+                                  <p:childTnLst>
+                                    <p:set>
+                                      <p:cBhvr>
+                                        <p:cTn id="6" dur="1" fill="hold">
+                                          <p:stCondLst>
+                                            <p:cond delay="0"/>
+                                          </p:stCondLst>
+                                        </p:cTn>
+                                        <p:tgtEl>
+                                          <p:spTgt spid="3">
+                                            <p:txEl>
+                                              <p:pRg st="0" end="0"/>
+                                            </p:txEl>
+                                          </p:spTgt>
+                                        </p:tgtEl>
+                                        <p:attrNameLst>
+                                          <p:attrName>style.visibility</p:attrName>
+                                        </p:attrNameLst>
+                                      </p:cBhvr>
+                                      <p:to>
+                                        <p:strVal val="visible"/>
+                                      </p:to>
+                                    </p:set>
+                                    <p:anim calcmode="lin" valueType="num">
+                                      <p:cBhvr additive="base">
+                                        <p:cTn id="7" dur="500" fill="hold"/>
+                                        <p:tgtEl>
+                                          <p:spTgt spid="3">
+                                            <p:txEl>
+                                              <p:pRg st="0" end="0"/>
+                                            </p:txEl>
+                                          </p:spTgt>
+                                        </p:tgtEl>
+                                        <p:attrNameLst>
+                                          <p:attrName>ppt_x</p:attrName>
+                                        </p:attrNameLst>
+                                      </p:cBhvr>
+                                      <p:tavLst>
+                                        <p:tav tm="0">
+                                          <p:val>
+                                            <p:strVal val="#ppt_x"/>
+                                          </p:val>
+                                        </p:tav>
+                                        <p:tav tm="100000">
+                                          <p:val>
+                                            <p:strVal val="#ppt_x"/>
+                                          </p:val>
+                                        </p:tav>
+                                      </p:tavLst>
+                                    </p:anim>
+                                    <p:anim calcmode="lin" valueType="num">
+                                      <p:cBhvr additive="base">
+                                        <p:cTn id="8" dur="500" fill="hold"/>
+                                        <p:tgtEl>
+                                          <p:spTgt spid="3">
+                                            <p:txEl>
+                                              <p:pRg st="0" end="0"/>
+                                            </p:txEl>
+                                          </p:spTgt>
+                                        </p:tgtEl>
+                                        <p:attrNameLst>
+                                          <p:attrName>ppt_y</p:attrName>
+                                        </p:attrNameLst>
+                                      </p:cBhvr>
+                                      <p:tavLst>
+                                        <p:tav tm="0">
+                                          <p:val>
+                                            <p:strVal val="1+#ppt_h/2"/>
+                                          </p:val>
+                                        </p:tav>
+                                        <p:tav tm="100000">
+                                          <p:val>
+                                            <p:strVal val="#ppt_y"/>
+                                          </p:val>
+                                        </p:tav>
+                                      </p:tavLst>
+                                    </p:anim>
+                                  </p:childTnLst>
+                                </p:cTn>
+                              </p:par>
+                            </p:childTnLst>
+                          </p:cTn>
+                        </p:par>
+                        <p:par>
+                          <p:cTn id="9" fill="hold">
+                            <p:stCondLst>
+                              <p:cond delay="500"/>
+                            </p:stCondLst>
+                            <p:childTnLst>
+                              <p:par>
+                                <p:cTn id="10" presetID="2" presetClass="entr" presetSubtype="4" fill="hold" nodeType="afterEffect">
+                                  <p:stCondLst>
+                                    <p:cond delay="0"/>
+                                  </p:stCondLst>
+                                  <p:childTnLst>
+                                    <p:set>
+                                      <p:cBhvr>
+                                        <p:cTn id="11" dur="1" fill="hold">
+                                          <p:stCondLst>
+                                            <p:cond delay="0"/>
+                                          </p:stCondLst>
+                                        </p:cTn>
+                                        <p:tgtEl>
+                                          <p:spTgt spid="11"/>
+                                        </p:tgtEl>
+                                        <p:attrNameLst>
+                                          <p:attrName>style.visibility</p:attrName>
+                                        </p:attrNameLst>
+                                      </p:cBhvr>
+                                      <p:to>
+                                        <p:strVal val="visible"/>
+                                      </p:to>
+                                    </p:set>
+                                    <p:anim calcmode="lin" valueType="num">
+                                      <p:cBhvr additive="base">
+                                        <p:cTn id="12" dur="500" fill="hold"/>
+                                        <p:tgtEl>
+                                          <p:spTgt spid="11"/>
+                                        </p:tgtEl>
+                                        <p:attrNameLst>
+                                          <p:attrName>ppt_x</p:attrName>
+                                        </p:attrNameLst>
+                                      </p:cBhvr>
+                                      <p:tavLst>
+                                        <p:tav tm="0">
+                                          <p:val>
+                                            <p:strVal val="#ppt_x"/>
+                                          </p:val>
+                                        </p:tav>
+                                        <p:tav tm="100000">
+                                          <p:val>
+                                            <p:strVal val="#ppt_x"/>
+                                          </p:val>
+                                        </p:tav>
+                                      </p:tavLst>
+                                    </p:anim>
+                                    <p:anim calcmode="lin" valueType="num">
+                                      <p:cBhvr additive="base">
+                                        <p:cTn id="13" dur="500" fill="hold"/>
+                                        <p:tgtEl>
+                                          <p:spTgt spid="11"/>
+                                        </p:tgtEl>
+                                        <p:attrNameLst>
+                                          <p:attrName>ppt_y</p:attrName>
+                                        </p:attrNameLst>
+                                      </p:cBhvr>
+                                      <p:tavLst>
+                                        <p:tav tm="0">
+                                          <p:val>
+                                            <p:strVal val="1+#ppt_h/2"/>
+                                          </p:val>
+                                        </p:tav>
+                                        <p:tav tm="100000">
+                                          <p:val>
+                                            <p:strVal val="#ppt_y"/>
+                                          </p:val>
+                                        </p:tav>
+                                      </p:tavLst>
+                                    </p:anim>
+                                  </p:childTnLst>
+                                </p:cTn>
+                              </p:par>
+                            </p:childTnLst>
+                          </p:cTn>
+                        </p:par>
+                      </p:childTnLst>
+                    </p:cTn>
+                  </p:par>
+                  <p:par>
+                    <p:cTn id="14" fill="hold">
+                      <p:stCondLst>
+                        <p:cond delay="indefinite"/>
+                      </p:stCondLst>
+                      <p:childTnLst>
+                        <p:par>
+                          <p:cTn id="15" fill="hold">
+                            <p:stCondLst>
+                              <p:cond delay="0"/>
+                            </p:stCondLst>
+                            <p:childTnLst>
+                              <p:par>
+                                <p:cTn id="16" presetID="2" presetClass="entr" presetSubtype="4" fill="hold" grpId="0" nodeType="clickEffect">
+                                  <p:stCondLst>
+                                    <p:cond delay="0"/>
+                                  </p:stCondLst>
+                                  <p:childTnLst>
+                                    <p:set>
+                                      <p:cBhvr>
+                                        <p:cTn id="17" dur="1" fill="hold">
+                                          <p:stCondLst>
+                                            <p:cond delay="0"/>
+                                          </p:stCondLst>
+                                        </p:cTn>
+                                        <p:tgtEl>
+                                          <p:spTgt spid="5">
+                                            <p:txEl>
+                                              <p:pRg st="0" end="0"/>
+                                            </p:txEl>
+                                          </p:spTgt>
+                                        </p:tgtEl>
+                                        <p:attrNameLst>
+                                          <p:attrName>style.visibility</p:attrName>
+                                        </p:attrNameLst>
+                                      </p:cBhvr>
+                                      <p:to>
+                                        <p:strVal val="visible"/>
+                                      </p:to>
+                                    </p:set>
+                                    <p:anim calcmode="lin" valueType="num">
+                                      <p:cBhvr additive="base">
+                                        <p:cTn id="18" dur="500" fill="hold"/>
+                                        <p:tgtEl>
+                                          <p:spTgt spid="5">
+                                            <p:txEl>
+                                              <p:pRg st="0" end="0"/>
+                                            </p:txEl>
+                                          </p:spTgt>
+                                        </p:tgtEl>
+                                        <p:attrNameLst>
+                                          <p:attrName>ppt_x</p:attrName>
+                                        </p:attrNameLst>
+                                      </p:cBhvr>
+                                      <p:tavLst>
+                                        <p:tav tm="0">
+                                          <p:val>
+                                            <p:strVal val="#ppt_x"/>
+                                          </p:val>
+                                        </p:tav>
+                                        <p:tav tm="100000">
+                                          <p:val>
+                                            <p:strVal val="#ppt_x"/>
+                                          </p:val>
+                                        </p:tav>
+                                      </p:tavLst>
+                                    </p:anim>
+                                    <p:anim calcmode="lin" valueType="num">
+                                      <p:cBhvr additive="base">
+                                        <p:cTn id="19" dur="500" fill="hold"/>
+                                        <p:tgtEl>
+                                          <p:spTgt spid="5">
+                                            <p:txEl>
+                                              <p:pRg st="0" end="0"/>
+                                            </p:txEl>
+                                          </p:spTgt>
+                                        </p:tgtEl>
+                                        <p:attrNameLst>
+                                          <p:attrName>ppt_y</p:attrName>
+                                        </p:attrNameLst>
+                                      </p:cBhvr>
+                                      <p:tavLst>
+                                        <p:tav tm="0">
+                                          <p:val>
+                                            <p:strVal val="1+#ppt_h/2"/>
+                                          </p:val>
+                                        </p:tav>
+                                        <p:tav tm="100000">
+                                          <p:val>
+                                            <p:strVal val="#ppt_y"/>
+                                          </p:val>
+                                        </p:tav>
+                                      </p:tavLst>
+                                    </p:anim>
+                                  </p:childTnLst>
+                                </p:cTn>
+                              </p:par>
+                            </p:childTnLst>
+                          </p:cTn>
+                        </p:par>
+                        <p:par>
+                          <p:cTn id="20" fill="hold">
+                            <p:stCondLst>
+                              <p:cond delay="500"/>
+                            </p:stCondLst>
+                            <p:childTnLst>
+                              <p:par>
+                                <p:cTn id="21" presetID="2" presetClass="entr" presetSubtype="4" fill="hold" nodeType="afterEffect">
+                                  <p:stCondLst>
+                                    <p:cond delay="0"/>
+                                  </p:stCondLst>
+                                  <p:childTnLst>
+                                    <p:set>
+                                      <p:cBhvr>
+                                        <p:cTn id="22" dur="1" fill="hold">
+                                          <p:stCondLst>
+                                            <p:cond delay="0"/>
+                                          </p:stCondLst>
+                                        </p:cTn>
+                                        <p:tgtEl>
+                                          <p:spTgt spid="10"/>
+                                        </p:tgtEl>
+                                        <p:attrNameLst>
+                                          <p:attrName>style.visibility</p:attrName>
+                                        </p:attrNameLst>
+                                      </p:cBhvr>
+                                      <p:to>
+                                        <p:strVal val="visible"/>
+                                      </p:to>
+                                    </p:set>
+                                    <p:anim calcmode="lin" valueType="num">
+                                      <p:cBhvr additive="base">
+                                        <p:cTn id="23" dur="500" fill="hold"/>
+                                        <p:tgtEl>
+                                          <p:spTgt spid="10"/>
+                                        </p:tgtEl>
+                                        <p:attrNameLst>
+                                          <p:attrName>ppt_x</p:attrName>
+                                        </p:attrNameLst>
+                                      </p:cBhvr>
+                                      <p:tavLst>
+                                        <p:tav tm="0">
+                                          <p:val>
+                                            <p:strVal val="#ppt_x"/>
+                                          </p:val>
+                                        </p:tav>
+                                        <p:tav tm="100000">
+                                          <p:val>
+                                            <p:strVal val="#ppt_x"/>
+                                          </p:val>
+                                        </p:tav>
+                                      </p:tavLst>
+                                    </p:anim>
+                                    <p:anim calcmode="lin" valueType="num">
+                                      <p:cBhvr additive="base">
+                                        <p:cTn id="24" dur="500" fill="hold"/>
+                                        <p:tgtEl>
+                                          <p:spTgt spid="10"/>
+                                        </p:tgtEl>
+                                        <p:attrNameLst>
+                                          <p:attrName>ppt_y</p:attrName>
+                                        </p:attrNameLst>
+                                      </p:cBhvr>
+                                      <p:tavLst>
+                                        <p:tav tm="0">
+                                          <p:val>
+                                            <p:strVal val="1+#ppt_h/2"/>
+                                          </p:val>
+                                        </p:tav>
+                                        <p:tav tm="100000">
+                                          <p:val>
+                                            <p:strVal val="#ppt_y"/>
+                                          </p:val>
+                                        </p:tav>
+                                      </p:tavLst>
+                                    </p:anim>
+                                  </p:childTnLst>
+                                </p:cTn>
+                              </p:par>
+                            </p:childTnLst>
+                          </p:cTn>
+                        </p:par>
+                      </p:childTnLst>
+                    </p:cTn>
+                  </p:par>
+                </p:childTnLst>
+              </p:cTn>
+              <p:prevCondLst>
+                <p:cond evt="onPrev" delay="0">
+                  <p:tgtEl>
+                    <p:sldTgt/>
+                  </p:tgtEl>
+                </p:cond>
+              </p:prevCondLst>
+              <p:nextCondLst>
+                <p:cond evt="onNext" delay="0">
+                  <p:tgtEl>
+                    <p:sldTgt/>
+                  </p:tgtEl>
+                </p:cond>
+              </p:nextCondLst>
+            </p:seq>
+          </p:childTnLst>
+        </p:cTn>
+      </p:par>
+    </p:tnLst>
+    <p:bldLst>
+      <p:bldP spid="3" grpId="0" build="p"/>
+      <p:bldP spid="5" grpId="0" build="p"/>
+    </p:bldLst>
+  </p:timing>
+</p:sld>
+</file>
+
+<file path=ppt/slides/slide6.xml><?xml version="1.0" encoding="utf-8"?>
 <p:sld xmlns:a="http://schemas.openxmlformats.org/drawingml/2006/main" xmlns:r="http://schemas.openxmlformats.org/officeDocument/2006/relationships" xmlns:p="http://schemas.openxmlformats.org/presentationml/2006/main">
   <p:cSld>
     <p:spTree>
@@ -4520,12 +10412,9 @@
           <a:lstStyle/>
           <a:p>
             <a:r>
-              <a:rPr lang="ru-RU" dirty="0">
+              <a:rPr lang="ru-RU" b="1" dirty="0">
                 <a:solidFill>
-                  <a:schemeClr val="accent1">
-                    <a:lumMod val="40000"/>
-                    <a:lumOff val="60000"/>
-                  </a:schemeClr>
+                  <a:srgbClr val="9BEDCF"/>
                 </a:solidFill>
               </a:rPr>
               <a:t>Источники:</a:t>
@@ -4605,6 +10494,34 @@
           </a:p>
           <a:p>
             <a:r>
+              <a:rPr lang="ru-RU" u="sng" dirty="0">
+                <a:solidFill>
+                  <a:schemeClr val="accent6">
+                    <a:lumMod val="40000"/>
+                    <a:lumOff val="60000"/>
+                  </a:schemeClr>
+                </a:solidFill>
+                <a:ea typeface="+mn-lt"/>
+                <a:cs typeface="+mn-lt"/>
+              </a:rPr>
+              <a:t>"Вакуумная техника"</a:t>
+            </a:r>
+            <a:r>
+              <a:rPr lang="ru-RU" dirty="0">
+                <a:solidFill>
+                  <a:schemeClr val="accent1">
+                    <a:lumMod val="40000"/>
+                    <a:lumOff val="60000"/>
+                  </a:schemeClr>
+                </a:solidFill>
+                <a:ea typeface="+mn-lt"/>
+                <a:cs typeface="+mn-lt"/>
+              </a:rPr>
+              <a:t>; В.И. Иванов</a:t>
+            </a:r>
+          </a:p>
+          <a:p>
+            <a:r>
               <a:rPr lang="ru-RU" dirty="0">
                 <a:solidFill>
                   <a:schemeClr val="accent6">
@@ -4622,7 +10539,7 @@
                   </a:extLst>
                 </a:hlinkClick>
               </a:rPr>
-              <a:t>"Вакуумная техника"</a:t>
+              <a:t>"Молекулярная физика"</a:t>
             </a:r>
             <a:r>
               <a:rPr lang="ru-RU" dirty="0">
@@ -4635,7 +10552,42 @@
                 <a:ea typeface="+mn-lt"/>
                 <a:cs typeface="+mn-lt"/>
               </a:rPr>
-              <a:t>; В.И. Иванов</a:t>
+              <a:t>; Т.А, Бушина</a:t>
+            </a:r>
+          </a:p>
+          <a:p>
+            <a:r>
+              <a:rPr lang="ru-RU" dirty="0">
+                <a:solidFill>
+                  <a:schemeClr val="accent6">
+                    <a:lumMod val="40000"/>
+                    <a:lumOff val="60000"/>
+                  </a:schemeClr>
+                </a:solidFill>
+                <a:ea typeface="+mn-lt"/>
+                <a:cs typeface="+mn-lt"/>
+                <a:hlinkClick r:id="rId4">
+                  <a:extLst>
+                    <a:ext uri="{A12FA001-AC4F-418D-AE19-62706E023703}">
+                      <ahyp:hlinkClr xmlns:ahyp="http://schemas.microsoft.com/office/drawing/2018/hyperlinkcolor" val="tx"/>
+                    </a:ext>
+                  </a:extLst>
+                </a:hlinkClick>
+              </a:rPr>
+              <a:t>"Вакуумная техника"</a:t>
+            </a:r>
+            <a:r>
+              <a:rPr lang="ru-RU" dirty="0">
+                <a:solidFill>
+                  <a:schemeClr val="accent1">
+                    <a:lumMod val="40000"/>
+                    <a:lumOff val="60000"/>
+                  </a:schemeClr>
+                </a:solidFill>
+                <a:ea typeface="+mn-lt"/>
+                <a:cs typeface="+mn-lt"/>
+              </a:rPr>
+              <a:t>; Л.Н. Розанов</a:t>
             </a:r>
           </a:p>
         </p:txBody>

--- a/Presentation/Тестовое задание.pptx
+++ b/Presentation/Тестовое задание.pptx
@@ -12,9 +12,9 @@
     <p:sldId id="266" r:id="rId6"/>
     <p:sldId id="264" r:id="rId7"/>
     <p:sldId id="265" r:id="rId8"/>
-    <p:sldId id="268" r:id="rId9"/>
-    <p:sldId id="259" r:id="rId10"/>
-    <p:sldId id="267" r:id="rId11"/>
+    <p:sldId id="259" r:id="rId9"/>
+    <p:sldId id="267" r:id="rId10"/>
+    <p:sldId id="268" r:id="rId11"/>
     <p:sldId id="258" r:id="rId12"/>
   </p:sldIdLst>
   <p:sldSz cx="12192000" cy="6858000"/>
@@ -125,7 +125,7 @@
 <file path=ppt/revisionInfo.xml><?xml version="1.0" encoding="utf-8"?>
 <p1510:revInfo xmlns:a="http://schemas.openxmlformats.org/drawingml/2006/main" xmlns:r="http://schemas.openxmlformats.org/officeDocument/2006/relationships" xmlns:p1510="http://schemas.microsoft.com/office/powerpoint/2015/10/main">
   <p1510:revLst>
-    <p1510:client id="{083DA1AE-7735-4B1C-9A32-0F154CFCC015}" v="417" dt="2023-09-04T15:28:30.870"/>
+    <p1510:client id="{083DA1AE-7735-4B1C-9A32-0F154CFCC015}" v="420" dt="2023-09-04T15:57:04.770"/>
     <p1510:client id="{14EF21BB-93E2-4594-AA6C-B88561939903}" v="41" dt="2023-09-03T14:08:58.552"/>
     <p1510:client id="{2261DBFD-1180-4137-9B79-76D846A1DF26}" v="116" dt="2023-08-31T17:51:11.392"/>
     <p1510:client id="{4A66EAA4-EB81-4309-A025-DC543AA76EDB}" v="515" dt="2023-09-03T14:39:46.914"/>
@@ -135,6 +135,7 @@
     <p1510:client id="{8C55CC72-D5F4-4512-AF24-FEB58714A3AC}" v="373" dt="2023-09-03T15:41:41.680"/>
     <p1510:client id="{8F51929E-9987-49C3-93C3-07886AB366C6}" v="1184" dt="2023-09-04T11:45:33.084"/>
     <p1510:client id="{C9673323-E64F-44E4-ABE1-06B158228554}" v="53" dt="2023-08-29T19:19:07.300"/>
+    <p1510:client id="{E42EF667-6464-4705-BF49-21D6E195CD8E}" v="38" dt="2023-09-05T11:11:13.034"/>
   </p1510:revLst>
 </p1510:revInfo>
 </file>
@@ -5354,7 +5355,7 @@
           <a:p>
             <a:fld id="{76969C88-B244-455D-A017-012B25B1ACDD}" type="datetimeFigureOut">
               <a:rPr lang="en-US" smtClean="0"/>
-              <a:t>9/4/2023</a:t>
+              <a:t>9/5/2023</a:t>
             </a:fld>
             <a:endParaRPr lang="en-US"/>
           </a:p>
@@ -5555,7 +5556,7 @@
           <a:p>
             <a:fld id="{76969C88-B244-455D-A017-012B25B1ACDD}" type="datetimeFigureOut">
               <a:rPr lang="en-US" smtClean="0"/>
-              <a:t>9/4/2023</a:t>
+              <a:t>9/5/2023</a:t>
             </a:fld>
             <a:endParaRPr lang="en-US"/>
           </a:p>
@@ -5766,7 +5767,7 @@
           <a:p>
             <a:fld id="{76969C88-B244-455D-A017-012B25B1ACDD}" type="datetimeFigureOut">
               <a:rPr lang="en-US" smtClean="0"/>
-              <a:t>9/4/2023</a:t>
+              <a:t>9/5/2023</a:t>
             </a:fld>
             <a:endParaRPr lang="en-US"/>
           </a:p>
@@ -5968,7 +5969,7 @@
           <a:p>
             <a:fld id="{76969C88-B244-455D-A017-012B25B1ACDD}" type="datetimeFigureOut">
               <a:rPr lang="en-US" smtClean="0"/>
-              <a:t>9/4/2023</a:t>
+              <a:t>9/5/2023</a:t>
             </a:fld>
             <a:endParaRPr lang="en-US"/>
           </a:p>
@@ -6246,7 +6247,7 @@
           <a:p>
             <a:fld id="{76969C88-B244-455D-A017-012B25B1ACDD}" type="datetimeFigureOut">
               <a:rPr lang="en-US" smtClean="0"/>
-              <a:t>9/4/2023</a:t>
+              <a:t>9/5/2023</a:t>
             </a:fld>
             <a:endParaRPr lang="en-US"/>
           </a:p>
@@ -6514,7 +6515,7 @@
           <a:p>
             <a:fld id="{76969C88-B244-455D-A017-012B25B1ACDD}" type="datetimeFigureOut">
               <a:rPr lang="en-US" smtClean="0"/>
-              <a:t>9/4/2023</a:t>
+              <a:t>9/5/2023</a:t>
             </a:fld>
             <a:endParaRPr lang="en-US"/>
           </a:p>
@@ -6929,7 +6930,7 @@
           <a:p>
             <a:fld id="{76969C88-B244-455D-A017-012B25B1ACDD}" type="datetimeFigureOut">
               <a:rPr lang="en-US" smtClean="0"/>
-              <a:t>9/4/2023</a:t>
+              <a:t>9/5/2023</a:t>
             </a:fld>
             <a:endParaRPr lang="en-US"/>
           </a:p>
@@ -7073,7 +7074,7 @@
           <a:p>
             <a:fld id="{76969C88-B244-455D-A017-012B25B1ACDD}" type="datetimeFigureOut">
               <a:rPr lang="en-US" smtClean="0"/>
-              <a:t>9/4/2023</a:t>
+              <a:t>9/5/2023</a:t>
             </a:fld>
             <a:endParaRPr lang="en-US"/>
           </a:p>
@@ -7189,7 +7190,7 @@
           <a:p>
             <a:fld id="{76969C88-B244-455D-A017-012B25B1ACDD}" type="datetimeFigureOut">
               <a:rPr lang="en-US" smtClean="0"/>
-              <a:t>9/4/2023</a:t>
+              <a:t>9/5/2023</a:t>
             </a:fld>
             <a:endParaRPr lang="en-US"/>
           </a:p>
@@ -7504,7 +7505,7 @@
           <a:p>
             <a:fld id="{76969C88-B244-455D-A017-012B25B1ACDD}" type="datetimeFigureOut">
               <a:rPr lang="en-US" smtClean="0"/>
-              <a:t>9/4/2023</a:t>
+              <a:t>9/5/2023</a:t>
             </a:fld>
             <a:endParaRPr lang="en-US"/>
           </a:p>
@@ -7798,7 +7799,7 @@
           <a:p>
             <a:fld id="{76969C88-B244-455D-A017-012B25B1ACDD}" type="datetimeFigureOut">
               <a:rPr lang="en-US" smtClean="0"/>
-              <a:t>9/4/2023</a:t>
+              <a:t>9/5/2023</a:t>
             </a:fld>
             <a:endParaRPr lang="en-US"/>
           </a:p>
@@ -8557,7 +8558,7 @@
             <a:fld id="{76969C88-B244-455D-A017-012B25B1ACDD}" type="datetimeFigureOut">
               <a:rPr lang="en-US" smtClean="0"/>
               <a:pPr/>
-              <a:t>9/4/2023</a:t>
+              <a:t>9/5/2023</a:t>
             </a:fld>
             <a:endParaRPr lang="en-US"/>
           </a:p>
@@ -9556,7 +9557,7 @@
           <p:cNvPr id="2" name="Заголовок 1">
             <a:extLst>
               <a:ext uri="{FF2B5EF4-FFF2-40B4-BE49-F238E27FC236}">
-                <a16:creationId xmlns:a16="http://schemas.microsoft.com/office/drawing/2014/main" id="{1EAAD943-24F1-BAF7-C15F-E86E3768D70B}"/>
+                <a16:creationId xmlns:a16="http://schemas.microsoft.com/office/drawing/2014/main" id="{9E2B43AE-314E-2102-A0AA-98C573E7AE6D}"/>
               </a:ext>
             </a:extLst>
           </p:cNvPr>
@@ -9569,8 +9570,8 @@
         </p:nvSpPr>
         <p:spPr>
           <a:xfrm>
-            <a:off x="467360" y="0"/>
-            <a:ext cx="11724640" cy="1524000"/>
+            <a:off x="599440" y="0"/>
+            <a:ext cx="10668000" cy="1524000"/>
           </a:xfrm>
         </p:spPr>
         <p:txBody>
@@ -9586,45 +9587,74 @@
                   </a:schemeClr>
                 </a:solidFill>
               </a:rPr>
-              <a:t>Результаты для прямоугольной трубы</a:t>
+              <a:t>Зависимость от размера ячейки</a:t>
             </a:r>
           </a:p>
         </p:txBody>
       </p:sp>
-      <p:sp>
-        <p:nvSpPr>
-          <p:cNvPr id="3" name="Объект 2">
+      <p:pic>
+        <p:nvPicPr>
+          <p:cNvPr id="4" name="Объект 3" descr="Изображение выглядит как текст, снимок экрана, линия, График&#10;&#10;Автоматически созданное описание">
             <a:extLst>
               <a:ext uri="{FF2B5EF4-FFF2-40B4-BE49-F238E27FC236}">
-                <a16:creationId xmlns:a16="http://schemas.microsoft.com/office/drawing/2014/main" id="{F2FD0349-CC92-9522-6BD8-0548C309922A}"/>
+                <a16:creationId xmlns:a16="http://schemas.microsoft.com/office/drawing/2014/main" id="{D9127291-59C3-63C7-18C0-F6DC8958122D}"/>
               </a:ext>
             </a:extLst>
           </p:cNvPr>
-          <p:cNvSpPr>
-            <a:spLocks noGrp="1"/>
-          </p:cNvSpPr>
+          <p:cNvPicPr>
+            <a:picLocks noGrp="1" noChangeAspect="1"/>
+          </p:cNvPicPr>
           <p:nvPr>
             <p:ph idx="1"/>
           </p:nvPr>
-        </p:nvSpPr>
+        </p:nvPicPr>
+        <p:blipFill>
+          <a:blip r:embed="rId2"/>
+          <a:stretch>
+            <a:fillRect/>
+          </a:stretch>
+        </p:blipFill>
         <p:spPr>
           <a:xfrm>
-            <a:off x="467360" y="1310640"/>
-            <a:ext cx="11399520" cy="5149043"/>
+            <a:off x="-7527" y="1069475"/>
+            <a:ext cx="12189407" cy="5141555"/>
           </a:xfrm>
         </p:spPr>
-        <p:txBody>
-          <a:bodyPr/>
-          <a:lstStyle/>
-          <a:p>
-            <a:endParaRPr lang="ru-RU"/>
-          </a:p>
-        </p:txBody>
-      </p:sp>
+      </p:pic>
+      <p:pic>
+        <p:nvPicPr>
+          <p:cNvPr id="5" name="Рисунок 4" descr="Изображение выглядит как текст, снимок экрана, линия, График&#10;&#10;Автоматически созданное описание">
+            <a:extLst>
+              <a:ext uri="{FF2B5EF4-FFF2-40B4-BE49-F238E27FC236}">
+                <a16:creationId xmlns:a16="http://schemas.microsoft.com/office/drawing/2014/main" id="{64A1C220-46B5-28C2-B57F-242DAA9EE29E}"/>
+              </a:ext>
+            </a:extLst>
+          </p:cNvPr>
+          <p:cNvPicPr>
+            <a:picLocks noChangeAspect="1"/>
+          </p:cNvPicPr>
+          <p:nvPr/>
+        </p:nvPicPr>
+        <p:blipFill>
+          <a:blip r:embed="rId3"/>
+          <a:stretch>
+            <a:fillRect/>
+          </a:stretch>
+        </p:blipFill>
+        <p:spPr>
+          <a:xfrm>
+            <a:off x="5348" y="1063458"/>
+            <a:ext cx="12181304" cy="5158873"/>
+          </a:xfrm>
+          <a:prstGeom prst="rect">
+            <a:avLst/>
+          </a:prstGeom>
+        </p:spPr>
+      </p:pic>
     </p:spTree>
     <p:extLst>
       <p:ext uri="{BB962C8B-B14F-4D97-AF65-F5344CB8AC3E}">
-        <p14:creationId xmlns:p14="http://schemas.microsoft.com/office/powerpoint/2010/main" val="1701339192"/>
+        <p14:creationId xmlns:p14="http://schemas.microsoft.com/office/powerpoint/2010/main" val="1774082163"/>
       </p:ext>
     </p:extLst>
   </p:cSld>
@@ -9634,6 +9664,163 @@
   <p:transition spd="med">
     <p:pull dir="u"/>
   </p:transition>
+  <p:timing>
+    <p:tnLst>
+      <p:par>
+        <p:cTn id="1" dur="indefinite" restart="never" nodeType="tmRoot">
+          <p:childTnLst>
+            <p:seq concurrent="1" nextAc="seek">
+              <p:cTn id="2" dur="indefinite" nodeType="mainSeq">
+                <p:childTnLst>
+                  <p:par>
+                    <p:cTn id="3" fill="hold">
+                      <p:stCondLst>
+                        <p:cond delay="indefinite"/>
+                      </p:stCondLst>
+                      <p:childTnLst>
+                        <p:par>
+                          <p:cTn id="4" fill="hold">
+                            <p:stCondLst>
+                              <p:cond delay="0"/>
+                            </p:stCondLst>
+                            <p:childTnLst>
+                              <p:par>
+                                <p:cTn id="5" presetID="1" presetClass="exit" presetSubtype="0" fill="hold" nodeType="clickEffect">
+                                  <p:stCondLst>
+                                    <p:cond delay="0"/>
+                                  </p:stCondLst>
+                                  <p:childTnLst>
+                                    <p:set>
+                                      <p:cBhvr>
+                                        <p:cTn id="6" dur="1" fill="hold">
+                                          <p:stCondLst>
+                                            <p:cond delay="0"/>
+                                          </p:stCondLst>
+                                        </p:cTn>
+                                        <p:tgtEl>
+                                          <p:spTgt spid="4"/>
+                                        </p:tgtEl>
+                                        <p:attrNameLst>
+                                          <p:attrName>style.visibility</p:attrName>
+                                        </p:attrNameLst>
+                                      </p:cBhvr>
+                                      <p:to>
+                                        <p:strVal val="hidden"/>
+                                      </p:to>
+                                    </p:set>
+                                  </p:childTnLst>
+                                </p:cTn>
+                              </p:par>
+                            </p:childTnLst>
+                          </p:cTn>
+                        </p:par>
+                        <p:par>
+                          <p:cTn id="7" fill="hold">
+                            <p:stCondLst>
+                              <p:cond delay="0"/>
+                            </p:stCondLst>
+                            <p:childTnLst>
+                              <p:par>
+                                <p:cTn id="8" presetID="2" presetClass="entr" presetSubtype="4" fill="hold" nodeType="afterEffect">
+                                  <p:stCondLst>
+                                    <p:cond delay="0"/>
+                                  </p:stCondLst>
+                                  <p:childTnLst>
+                                    <p:set>
+                                      <p:cBhvr>
+                                        <p:cTn id="9" dur="1" fill="hold">
+                                          <p:stCondLst>
+                                            <p:cond delay="0"/>
+                                          </p:stCondLst>
+                                        </p:cTn>
+                                        <p:tgtEl>
+                                          <p:spTgt spid="5"/>
+                                        </p:tgtEl>
+                                        <p:attrNameLst>
+                                          <p:attrName>style.visibility</p:attrName>
+                                        </p:attrNameLst>
+                                      </p:cBhvr>
+                                      <p:to>
+                                        <p:strVal val="visible"/>
+                                      </p:to>
+                                    </p:set>
+                                    <p:anim calcmode="lin" valueType="num">
+                                      <p:cBhvr additive="base">
+                                        <p:cTn id="10" dur="500" fill="hold"/>
+                                        <p:tgtEl>
+                                          <p:spTgt spid="5"/>
+                                        </p:tgtEl>
+                                        <p:attrNameLst>
+                                          <p:attrName>ppt_x</p:attrName>
+                                        </p:attrNameLst>
+                                      </p:cBhvr>
+                                      <p:tavLst>
+                                        <p:tav tm="0">
+                                          <p:val>
+                                            <p:strVal val="#ppt_x"/>
+                                          </p:val>
+                                        </p:tav>
+                                        <p:tav tm="100000">
+                                          <p:val>
+                                            <p:strVal val="#ppt_x"/>
+                                          </p:val>
+                                        </p:tav>
+                                      </p:tavLst>
+                                    </p:anim>
+                                    <p:anim calcmode="lin" valueType="num">
+                                      <p:cBhvr additive="base">
+                                        <p:cTn id="11" dur="500" fill="hold"/>
+                                        <p:tgtEl>
+                                          <p:spTgt spid="5"/>
+                                        </p:tgtEl>
+                                        <p:attrNameLst>
+                                          <p:attrName>ppt_y</p:attrName>
+                                        </p:attrNameLst>
+                                      </p:cBhvr>
+                                      <p:tavLst>
+                                        <p:tav tm="0">
+                                          <p:val>
+                                            <p:strVal val="1+#ppt_h/2"/>
+                                          </p:val>
+                                        </p:tav>
+                                        <p:tav tm="100000">
+                                          <p:val>
+                                            <p:strVal val="#ppt_y"/>
+                                          </p:val>
+                                        </p:tav>
+                                      </p:tavLst>
+                                    </p:anim>
+                                  </p:childTnLst>
+                                </p:cTn>
+                              </p:par>
+                            </p:childTnLst>
+                          </p:cTn>
+                        </p:par>
+                      </p:childTnLst>
+                    </p:cTn>
+                  </p:par>
+                </p:childTnLst>
+              </p:cTn>
+              <p:prevCondLst>
+                <p:cond evt="onPrev" delay="0">
+                  <p:tgtEl>
+                    <p:sldTgt/>
+                  </p:tgtEl>
+                </p:cond>
+              </p:prevCondLst>
+              <p:nextCondLst>
+                <p:cond evt="onNext" delay="0">
+                  <p:tgtEl>
+                    <p:sldTgt/>
+                  </p:tgtEl>
+                </p:cond>
+              </p:nextCondLst>
+            </p:seq>
+          </p:childTnLst>
+        </p:cTn>
+      </p:par>
+    </p:tnLst>
+  </p:timing>
 </p:sld>
 </file>
 
@@ -9778,25 +9965,10 @@
                 <a:ea typeface="+mn-lt"/>
                 <a:cs typeface="+mn-lt"/>
               </a:rPr>
-              <a:t>"Вакуумная техника"</a:t>
-            </a:r>
-            <a:r>
-              <a:rPr lang="ru-RU" dirty="0">
-                <a:solidFill>
-                  <a:schemeClr val="accent1">
-                    <a:lumMod val="40000"/>
-                    <a:lumOff val="60000"/>
-                  </a:schemeClr>
-                </a:solidFill>
-                <a:ea typeface="+mn-lt"/>
-                <a:cs typeface="+mn-lt"/>
-              </a:rPr>
-              <a:t>; В.И. Иванов</a:t>
-            </a:r>
-          </a:p>
-          <a:p>
-            <a:r>
-              <a:rPr lang="ru-RU" dirty="0">
+              <a:t>"</a:t>
+            </a:r>
+            <a:r>
+              <a:rPr lang="ru-RU" u="sng" dirty="0">
                 <a:solidFill>
                   <a:schemeClr val="accent6">
                     <a:lumMod val="40000"/>
@@ -9813,6 +9985,54 @@
                   </a:extLst>
                 </a:hlinkClick>
               </a:rPr>
+              <a:t>Вакуумная техника</a:t>
+            </a:r>
+            <a:r>
+              <a:rPr lang="ru-RU" u="sng" dirty="0">
+                <a:solidFill>
+                  <a:schemeClr val="accent6">
+                    <a:lumMod val="40000"/>
+                    <a:lumOff val="60000"/>
+                  </a:schemeClr>
+                </a:solidFill>
+                <a:ea typeface="+mn-lt"/>
+                <a:cs typeface="+mn-lt"/>
+              </a:rPr>
+              <a:t>"</a:t>
+            </a:r>
+            <a:r>
+              <a:rPr lang="ru-RU" dirty="0">
+                <a:solidFill>
+                  <a:schemeClr val="accent1">
+                    <a:lumMod val="40000"/>
+                    <a:lumOff val="60000"/>
+                  </a:schemeClr>
+                </a:solidFill>
+                <a:ea typeface="+mn-lt"/>
+                <a:cs typeface="+mn-lt"/>
+              </a:rPr>
+              <a:t>; В.И. Иванов</a:t>
+            </a:r>
+          </a:p>
+          <a:p>
+            <a:r>
+              <a:rPr lang="ru-RU" dirty="0">
+                <a:solidFill>
+                  <a:schemeClr val="accent6">
+                    <a:lumMod val="40000"/>
+                    <a:lumOff val="60000"/>
+                  </a:schemeClr>
+                </a:solidFill>
+                <a:ea typeface="+mn-lt"/>
+                <a:cs typeface="+mn-lt"/>
+                <a:hlinkClick r:id="rId4">
+                  <a:extLst>
+                    <a:ext uri="{A12FA001-AC4F-418D-AE19-62706E023703}">
+                      <ahyp:hlinkClr xmlns:ahyp="http://schemas.microsoft.com/office/drawing/2018/hyperlinkcolor" val="tx"/>
+                    </a:ext>
+                  </a:extLst>
+                </a:hlinkClick>
+              </a:rPr>
               <a:t>"Молекулярная физика"</a:t>
             </a:r>
             <a:r>
@@ -9840,7 +10060,7 @@
                 </a:solidFill>
                 <a:ea typeface="+mn-lt"/>
                 <a:cs typeface="+mn-lt"/>
-                <a:hlinkClick r:id="rId4">
+                <a:hlinkClick r:id="rId5">
                   <a:extLst>
                     <a:ext uri="{A12FA001-AC4F-418D-AE19-62706E023703}">
                       <ahyp:hlinkClr xmlns:ahyp="http://schemas.microsoft.com/office/drawing/2018/hyperlinkcolor" val="tx"/>
@@ -14973,109 +15193,6 @@
           <a:chExt cx="0" cy="0"/>
         </a:xfrm>
       </p:grpSpPr>
-      <p:sp>
-        <p:nvSpPr>
-          <p:cNvPr id="2" name="Заголовок 1">
-            <a:extLst>
-              <a:ext uri="{FF2B5EF4-FFF2-40B4-BE49-F238E27FC236}">
-                <a16:creationId xmlns:a16="http://schemas.microsoft.com/office/drawing/2014/main" id="{9E2B43AE-314E-2102-A0AA-98C573E7AE6D}"/>
-              </a:ext>
-            </a:extLst>
-          </p:cNvPr>
-          <p:cNvSpPr>
-            <a:spLocks noGrp="1"/>
-          </p:cNvSpPr>
-          <p:nvPr>
-            <p:ph type="title"/>
-          </p:nvPr>
-        </p:nvSpPr>
-        <p:spPr>
-          <a:xfrm>
-            <a:off x="599440" y="0"/>
-            <a:ext cx="10668000" cy="1524000"/>
-          </a:xfrm>
-        </p:spPr>
-        <p:txBody>
-          <a:bodyPr/>
-          <a:lstStyle/>
-          <a:p>
-            <a:r>
-              <a:rPr lang="ru-RU" b="1" dirty="0">
-                <a:solidFill>
-                  <a:schemeClr val="accent1">
-                    <a:lumMod val="40000"/>
-                    <a:lumOff val="60000"/>
-                  </a:schemeClr>
-                </a:solidFill>
-              </a:rPr>
-              <a:t>Зависимость от размера ячейки</a:t>
-            </a:r>
-          </a:p>
-        </p:txBody>
-      </p:sp>
-      <p:sp>
-        <p:nvSpPr>
-          <p:cNvPr id="3" name="Объект 2">
-            <a:extLst>
-              <a:ext uri="{FF2B5EF4-FFF2-40B4-BE49-F238E27FC236}">
-                <a16:creationId xmlns:a16="http://schemas.microsoft.com/office/drawing/2014/main" id="{500D24A0-DF28-4C7E-0222-2405219F4E1D}"/>
-              </a:ext>
-            </a:extLst>
-          </p:cNvPr>
-          <p:cNvSpPr>
-            <a:spLocks noGrp="1"/>
-          </p:cNvSpPr>
-          <p:nvPr>
-            <p:ph idx="1"/>
-          </p:nvPr>
-        </p:nvSpPr>
-        <p:spPr>
-          <a:xfrm>
-            <a:off x="599440" y="1524000"/>
-            <a:ext cx="10668000" cy="3818083"/>
-          </a:xfrm>
-        </p:spPr>
-        <p:txBody>
-          <a:bodyPr/>
-          <a:lstStyle/>
-          <a:p>
-            <a:endParaRPr lang="ru-RU"/>
-          </a:p>
-        </p:txBody>
-      </p:sp>
-    </p:spTree>
-    <p:extLst>
-      <p:ext uri="{BB962C8B-B14F-4D97-AF65-F5344CB8AC3E}">
-        <p14:creationId xmlns:p14="http://schemas.microsoft.com/office/powerpoint/2010/main" val="1774082163"/>
-      </p:ext>
-    </p:extLst>
-  </p:cSld>
-  <p:clrMapOvr>
-    <a:masterClrMapping/>
-  </p:clrMapOvr>
-  <p:transition spd="med">
-    <p:pull dir="u"/>
-  </p:transition>
-</p:sld>
-</file>
-
-<file path=ppt/slides/slide9.xml><?xml version="1.0" encoding="utf-8"?>
-<p:sld xmlns:a="http://schemas.openxmlformats.org/drawingml/2006/main" xmlns:r="http://schemas.openxmlformats.org/officeDocument/2006/relationships" xmlns:p="http://schemas.openxmlformats.org/presentationml/2006/main">
-  <p:cSld>
-    <p:spTree>
-      <p:nvGrpSpPr>
-        <p:cNvPr id="1" name=""/>
-        <p:cNvGrpSpPr/>
-        <p:nvPr/>
-      </p:nvGrpSpPr>
-      <p:grpSpPr>
-        <a:xfrm>
-          <a:off x="0" y="0"/>
-          <a:ext cx="0" cy="0"/>
-          <a:chOff x="0" y="0"/>
-          <a:chExt cx="0" cy="0"/>
-        </a:xfrm>
-      </p:grpSpPr>
       <p:pic>
         <p:nvPicPr>
           <p:cNvPr id="11" name="Объект 10" descr="Изображение выглядит как текст, Шрифт, белый, алгебра&#10;&#10;Автоматически созданное описание">
@@ -16152,6 +16269,295 @@
 </p:sld>
 </file>
 
+<file path=ppt/slides/slide9.xml><?xml version="1.0" encoding="utf-8"?>
+<p:sld xmlns:a="http://schemas.openxmlformats.org/drawingml/2006/main" xmlns:r="http://schemas.openxmlformats.org/officeDocument/2006/relationships" xmlns:p="http://schemas.openxmlformats.org/presentationml/2006/main">
+  <p:cSld>
+    <p:spTree>
+      <p:nvGrpSpPr>
+        <p:cNvPr id="1" name=""/>
+        <p:cNvGrpSpPr/>
+        <p:nvPr/>
+      </p:nvGrpSpPr>
+      <p:grpSpPr>
+        <a:xfrm>
+          <a:off x="0" y="0"/>
+          <a:ext cx="0" cy="0"/>
+          <a:chOff x="0" y="0"/>
+          <a:chExt cx="0" cy="0"/>
+        </a:xfrm>
+      </p:grpSpPr>
+      <p:sp>
+        <p:nvSpPr>
+          <p:cNvPr id="2" name="Заголовок 1">
+            <a:extLst>
+              <a:ext uri="{FF2B5EF4-FFF2-40B4-BE49-F238E27FC236}">
+                <a16:creationId xmlns:a16="http://schemas.microsoft.com/office/drawing/2014/main" id="{1EAAD943-24F1-BAF7-C15F-E86E3768D70B}"/>
+              </a:ext>
+            </a:extLst>
+          </p:cNvPr>
+          <p:cNvSpPr>
+            <a:spLocks noGrp="1"/>
+          </p:cNvSpPr>
+          <p:nvPr>
+            <p:ph type="title"/>
+          </p:nvPr>
+        </p:nvSpPr>
+        <p:spPr>
+          <a:xfrm>
+            <a:off x="467360" y="0"/>
+            <a:ext cx="11724640" cy="1524000"/>
+          </a:xfrm>
+        </p:spPr>
+        <p:txBody>
+          <a:bodyPr/>
+          <a:lstStyle/>
+          <a:p>
+            <a:r>
+              <a:rPr lang="ru-RU" b="1" dirty="0">
+                <a:solidFill>
+                  <a:schemeClr val="accent1">
+                    <a:lumMod val="40000"/>
+                    <a:lumOff val="60000"/>
+                  </a:schemeClr>
+                </a:solidFill>
+              </a:rPr>
+              <a:t>Результаты для прямоугольной трубы</a:t>
+            </a:r>
+          </a:p>
+        </p:txBody>
+      </p:sp>
+      <p:pic>
+        <p:nvPicPr>
+          <p:cNvPr id="4" name="Объект 3" descr="Изображение выглядит как текст, линия, График, диаграмма&#10;&#10;Автоматически созданное описание">
+            <a:extLst>
+              <a:ext uri="{FF2B5EF4-FFF2-40B4-BE49-F238E27FC236}">
+                <a16:creationId xmlns:a16="http://schemas.microsoft.com/office/drawing/2014/main" id="{BD5A92AB-7892-CC27-5CA5-5994CCB55BB9}"/>
+              </a:ext>
+            </a:extLst>
+          </p:cNvPr>
+          <p:cNvPicPr>
+            <a:picLocks noGrp="1" noChangeAspect="1"/>
+          </p:cNvPicPr>
+          <p:nvPr>
+            <p:ph idx="1"/>
+          </p:nvPr>
+        </p:nvPicPr>
+        <p:blipFill>
+          <a:blip r:embed="rId2"/>
+          <a:stretch>
+            <a:fillRect/>
+          </a:stretch>
+        </p:blipFill>
+        <p:spPr>
+          <a:xfrm>
+            <a:off x="1385" y="1076960"/>
+            <a:ext cx="12189231" cy="5382723"/>
+          </a:xfrm>
+        </p:spPr>
+      </p:pic>
+      <p:pic>
+        <p:nvPicPr>
+          <p:cNvPr id="5" name="Рисунок 4" descr="Изображение выглядит как текст, линия, снимок экрана, График&#10;&#10;Автоматически созданное описание">
+            <a:extLst>
+              <a:ext uri="{FF2B5EF4-FFF2-40B4-BE49-F238E27FC236}">
+                <a16:creationId xmlns:a16="http://schemas.microsoft.com/office/drawing/2014/main" id="{9EB3FE3D-C649-46C3-088E-1B4A20941237}"/>
+              </a:ext>
+            </a:extLst>
+          </p:cNvPr>
+          <p:cNvPicPr>
+            <a:picLocks noChangeAspect="1"/>
+          </p:cNvPicPr>
+          <p:nvPr/>
+        </p:nvPicPr>
+        <p:blipFill>
+          <a:blip r:embed="rId3"/>
+          <a:stretch>
+            <a:fillRect/>
+          </a:stretch>
+        </p:blipFill>
+        <p:spPr>
+          <a:xfrm>
+            <a:off x="-8021" y="1076827"/>
+            <a:ext cx="12181304" cy="5386136"/>
+          </a:xfrm>
+          <a:prstGeom prst="rect">
+            <a:avLst/>
+          </a:prstGeom>
+        </p:spPr>
+      </p:pic>
+    </p:spTree>
+    <p:extLst>
+      <p:ext uri="{BB962C8B-B14F-4D97-AF65-F5344CB8AC3E}">
+        <p14:creationId xmlns:p14="http://schemas.microsoft.com/office/powerpoint/2010/main" val="1701339192"/>
+      </p:ext>
+    </p:extLst>
+  </p:cSld>
+  <p:clrMapOvr>
+    <a:masterClrMapping/>
+  </p:clrMapOvr>
+  <p:transition spd="med">
+    <p:pull dir="u"/>
+  </p:transition>
+  <p:timing>
+    <p:tnLst>
+      <p:par>
+        <p:cTn id="1" dur="indefinite" restart="never" nodeType="tmRoot">
+          <p:childTnLst>
+            <p:seq concurrent="1" nextAc="seek">
+              <p:cTn id="2" dur="indefinite" nodeType="mainSeq">
+                <p:childTnLst>
+                  <p:par>
+                    <p:cTn id="3" fill="hold">
+                      <p:stCondLst>
+                        <p:cond delay="indefinite"/>
+                      </p:stCondLst>
+                      <p:childTnLst>
+                        <p:par>
+                          <p:cTn id="4" fill="hold">
+                            <p:stCondLst>
+                              <p:cond delay="0"/>
+                            </p:stCondLst>
+                            <p:childTnLst>
+                              <p:par>
+                                <p:cTn id="5" presetID="1" presetClass="exit" presetSubtype="0" fill="hold" nodeType="clickEffect">
+                                  <p:stCondLst>
+                                    <p:cond delay="0"/>
+                                  </p:stCondLst>
+                                  <p:childTnLst>
+                                    <p:set>
+                                      <p:cBhvr>
+                                        <p:cTn id="6" dur="1" fill="hold">
+                                          <p:stCondLst>
+                                            <p:cond delay="0"/>
+                                          </p:stCondLst>
+                                        </p:cTn>
+                                        <p:tgtEl>
+                                          <p:spTgt spid="4"/>
+                                        </p:tgtEl>
+                                        <p:attrNameLst>
+                                          <p:attrName>style.visibility</p:attrName>
+                                        </p:attrNameLst>
+                                      </p:cBhvr>
+                                      <p:to>
+                                        <p:strVal val="hidden"/>
+                                      </p:to>
+                                    </p:set>
+                                  </p:childTnLst>
+                                </p:cTn>
+                              </p:par>
+                            </p:childTnLst>
+                          </p:cTn>
+                        </p:par>
+                        <p:par>
+                          <p:cTn id="7" fill="hold">
+                            <p:stCondLst>
+                              <p:cond delay="0"/>
+                            </p:stCondLst>
+                            <p:childTnLst>
+                              <p:par>
+                                <p:cTn id="8" presetID="2" presetClass="entr" presetSubtype="4" fill="hold" nodeType="afterEffect">
+                                  <p:stCondLst>
+                                    <p:cond delay="0"/>
+                                  </p:stCondLst>
+                                  <p:childTnLst>
+                                    <p:set>
+                                      <p:cBhvr>
+                                        <p:cTn id="9" dur="1" fill="hold">
+                                          <p:stCondLst>
+                                            <p:cond delay="0"/>
+                                          </p:stCondLst>
+                                        </p:cTn>
+                                        <p:tgtEl>
+                                          <p:spTgt spid="5"/>
+                                        </p:tgtEl>
+                                        <p:attrNameLst>
+                                          <p:attrName>style.visibility</p:attrName>
+                                        </p:attrNameLst>
+                                      </p:cBhvr>
+                                      <p:to>
+                                        <p:strVal val="visible"/>
+                                      </p:to>
+                                    </p:set>
+                                    <p:anim calcmode="lin" valueType="num">
+                                      <p:cBhvr additive="base">
+                                        <p:cTn id="10" dur="500" fill="hold"/>
+                                        <p:tgtEl>
+                                          <p:spTgt spid="5"/>
+                                        </p:tgtEl>
+                                        <p:attrNameLst>
+                                          <p:attrName>ppt_x</p:attrName>
+                                        </p:attrNameLst>
+                                      </p:cBhvr>
+                                      <p:tavLst>
+                                        <p:tav tm="0">
+                                          <p:val>
+                                            <p:strVal val="#ppt_x"/>
+                                          </p:val>
+                                        </p:tav>
+                                        <p:tav tm="100000">
+                                          <p:val>
+                                            <p:strVal val="#ppt_x"/>
+                                          </p:val>
+                                        </p:tav>
+                                      </p:tavLst>
+                                    </p:anim>
+                                    <p:anim calcmode="lin" valueType="num">
+                                      <p:cBhvr additive="base">
+                                        <p:cTn id="11" dur="500" fill="hold"/>
+                                        <p:tgtEl>
+                                          <p:spTgt spid="5"/>
+                                        </p:tgtEl>
+                                        <p:attrNameLst>
+                                          <p:attrName>ppt_y</p:attrName>
+                                        </p:attrNameLst>
+                                      </p:cBhvr>
+                                      <p:tavLst>
+                                        <p:tav tm="0">
+                                          <p:val>
+                                            <p:strVal val="1+#ppt_h/2"/>
+                                          </p:val>
+                                        </p:tav>
+                                        <p:tav tm="100000">
+                                          <p:val>
+                                            <p:strVal val="#ppt_y"/>
+                                          </p:val>
+                                        </p:tav>
+                                      </p:tavLst>
+                                    </p:anim>
+                                  </p:childTnLst>
+                                </p:cTn>
+                              </p:par>
+                            </p:childTnLst>
+                          </p:cTn>
+                        </p:par>
+                      </p:childTnLst>
+                    </p:cTn>
+                  </p:par>
+                </p:childTnLst>
+              </p:cTn>
+              <p:prevCondLst>
+                <p:cond evt="onPrev" delay="0">
+                  <p:tgtEl>
+                    <p:sldTgt/>
+                  </p:tgtEl>
+                </p:cond>
+              </p:prevCondLst>
+              <p:nextCondLst>
+                <p:cond evt="onNext" delay="0">
+                  <p:tgtEl>
+                    <p:sldTgt/>
+                  </p:tgtEl>
+                </p:cond>
+              </p:nextCondLst>
+            </p:seq>
+          </p:childTnLst>
+        </p:cTn>
+      </p:par>
+    </p:tnLst>
+  </p:timing>
+</p:sld>
+</file>
+
 <file path=ppt/theme/theme1.xml><?xml version="1.0" encoding="utf-8"?>
 <a:theme xmlns:a="http://schemas.openxmlformats.org/drawingml/2006/main" name="PebbleVTI">
   <a:themeElements>
